--- a/Week-2/Day-1/Backend - Day 4 - Introduction to REST APIs and CRUD.pptx
+++ b/Week-2/Day-1/Backend - Day 4 - Introduction to REST APIs and CRUD.pptx
@@ -80,30 +80,31 @@
     <p:sldId id="325" r:id="rId75"/>
     <p:sldId id="326" r:id="rId76"/>
     <p:sldId id="327" r:id="rId77"/>
+    <p:sldId id="328" r:id="rId78"/>
   </p:sldIdLst>
   <p:sldSz cy="5143500" cx="9144000"/>
   <p:notesSz cx="6858000" cy="9144000"/>
   <p:embeddedFontLst>
     <p:embeddedFont>
       <p:font typeface="Plus Jakarta Sans"/>
-      <p:regular r:id="rId78"/>
-      <p:bold r:id="rId79"/>
-      <p:italic r:id="rId80"/>
-      <p:boldItalic r:id="rId81"/>
+      <p:regular r:id="rId79"/>
+      <p:bold r:id="rId80"/>
+      <p:italic r:id="rId81"/>
+      <p:boldItalic r:id="rId82"/>
     </p:embeddedFont>
     <p:embeddedFont>
       <p:font typeface="Montserrat"/>
-      <p:regular r:id="rId82"/>
-      <p:bold r:id="rId83"/>
-      <p:italic r:id="rId84"/>
-      <p:boldItalic r:id="rId85"/>
+      <p:regular r:id="rId83"/>
+      <p:bold r:id="rId84"/>
+      <p:italic r:id="rId85"/>
+      <p:boldItalic r:id="rId86"/>
     </p:embeddedFont>
     <p:embeddedFont>
       <p:font typeface="Source Code Pro SemiBold"/>
-      <p:regular r:id="rId86"/>
-      <p:bold r:id="rId87"/>
-      <p:italic r:id="rId88"/>
-      <p:boldItalic r:id="rId89"/>
+      <p:regular r:id="rId87"/>
+      <p:bold r:id="rId88"/>
+      <p:italic r:id="rId89"/>
+      <p:boldItalic r:id="rId90"/>
     </p:embeddedFont>
   </p:embeddedFontLst>
   <p:defaultTextStyle>
@@ -351,7 +352,7 @@
       </p15:sldGuideLst>
     </p:ext>
     <p:ext uri="GoogleSlidesCustomDataVersion2">
-      <go:slidesCustomData xmlns:go="http://customooxmlschemas.google.com/" r:id="rId90" roundtripDataSignature="AMtx7mgalI7DnYzll+5FiVd9x2vrUahcQw=="/>
+      <go:slidesCustomData xmlns:go="http://customooxmlschemas.google.com/" r:id="rId91" roundtripDataSignature="AMtx7mj2zX58QiSylhn0znf3v1HRNc9xhQ=="/>
     </p:ext>
   </p:extLst>
 </p:presentation>
@@ -3246,7 +3247,7 @@
       </p:grpSpPr>
       <p:sp>
         <p:nvSpPr>
-          <p:cNvPr id="201" name="Google Shape;201;g24b82d337bd_0_34:notes"/>
+          <p:cNvPr id="201" name="Google Shape;201;g24b82d337bd_0_46:notes"/>
           <p:cNvSpPr/>
           <p:nvPr>
             <p:ph idx="2" type="sldImg"/>
@@ -3291,7 +3292,7 @@
       </p:sp>
       <p:sp>
         <p:nvSpPr>
-          <p:cNvPr id="202" name="Google Shape;202;g24b82d337bd_0_34:notes"/>
+          <p:cNvPr id="202" name="Google Shape;202;g24b82d337bd_0_46:notes"/>
           <p:cNvSpPr txBox="1"/>
           <p:nvPr>
             <p:ph idx="1" type="body"/>
@@ -3349,7 +3350,7 @@
   <p:cSld>
     <p:spTree>
       <p:nvGrpSpPr>
-        <p:cNvPr id="205" name="Shape 205"/>
+        <p:cNvPr id="206" name="Shape 206"/>
         <p:cNvGrpSpPr/>
         <p:nvPr/>
       </p:nvGrpSpPr>
@@ -3363,7 +3364,7 @@
       </p:grpSpPr>
       <p:sp>
         <p:nvSpPr>
-          <p:cNvPr id="206" name="Google Shape;206;g24b82d337bd_0_46:notes"/>
+          <p:cNvPr id="207" name="Google Shape;207;g225db79a03c_0_157:notes"/>
           <p:cNvSpPr/>
           <p:nvPr>
             <p:ph idx="2" type="sldImg"/>
@@ -3408,7 +3409,7 @@
       </p:sp>
       <p:sp>
         <p:nvSpPr>
-          <p:cNvPr id="207" name="Google Shape;207;g24b82d337bd_0_46:notes"/>
+          <p:cNvPr id="208" name="Google Shape;208;g225db79a03c_0_157:notes"/>
           <p:cNvSpPr txBox="1"/>
           <p:nvPr>
             <p:ph idx="1" type="body"/>
@@ -3466,7 +3467,7 @@
   <p:cSld>
     <p:spTree>
       <p:nvGrpSpPr>
-        <p:cNvPr id="211" name="Shape 211"/>
+        <p:cNvPr id="212" name="Shape 212"/>
         <p:cNvGrpSpPr/>
         <p:nvPr/>
       </p:nvGrpSpPr>
@@ -3480,7 +3481,7 @@
       </p:grpSpPr>
       <p:sp>
         <p:nvSpPr>
-          <p:cNvPr id="212" name="Google Shape;212;g225db79a03c_0_157:notes"/>
+          <p:cNvPr id="213" name="Google Shape;213;g24b82d337bd_0_40:notes"/>
           <p:cNvSpPr/>
           <p:nvPr>
             <p:ph idx="2" type="sldImg"/>
@@ -3525,7 +3526,7 @@
       </p:sp>
       <p:sp>
         <p:nvSpPr>
-          <p:cNvPr id="213" name="Google Shape;213;g225db79a03c_0_157:notes"/>
+          <p:cNvPr id="214" name="Google Shape;214;g24b82d337bd_0_40:notes"/>
           <p:cNvSpPr txBox="1"/>
           <p:nvPr>
             <p:ph idx="1" type="body"/>
@@ -3700,7 +3701,7 @@
   <p:cSld>
     <p:spTree>
       <p:nvGrpSpPr>
-        <p:cNvPr id="217" name="Shape 217"/>
+        <p:cNvPr id="218" name="Shape 218"/>
         <p:cNvGrpSpPr/>
         <p:nvPr/>
       </p:nvGrpSpPr>
@@ -3714,7 +3715,7 @@
       </p:grpSpPr>
       <p:sp>
         <p:nvSpPr>
-          <p:cNvPr id="218" name="Google Shape;218;g24b82d337bd_0_40:notes"/>
+          <p:cNvPr id="219" name="Google Shape;219;g225db79a03c_1_0:notes"/>
           <p:cNvSpPr/>
           <p:nvPr>
             <p:ph idx="2" type="sldImg"/>
@@ -3759,7 +3760,7 @@
       </p:sp>
       <p:sp>
         <p:nvSpPr>
-          <p:cNvPr id="219" name="Google Shape;219;g24b82d337bd_0_40:notes"/>
+          <p:cNvPr id="220" name="Google Shape;220;g225db79a03c_1_0:notes"/>
           <p:cNvSpPr txBox="1"/>
           <p:nvPr>
             <p:ph idx="1" type="body"/>
@@ -3831,7 +3832,7 @@
       </p:grpSpPr>
       <p:sp>
         <p:nvSpPr>
-          <p:cNvPr id="224" name="Google Shape;224;g225db79a03c_1_0:notes"/>
+          <p:cNvPr id="224" name="Google Shape;224;g225db79a03c_1_6:notes"/>
           <p:cNvSpPr/>
           <p:nvPr>
             <p:ph idx="2" type="sldImg"/>
@@ -3876,7 +3877,7 @@
       </p:sp>
       <p:sp>
         <p:nvSpPr>
-          <p:cNvPr id="225" name="Google Shape;225;g225db79a03c_1_0:notes"/>
+          <p:cNvPr id="225" name="Google Shape;225;g225db79a03c_1_6:notes"/>
           <p:cNvSpPr txBox="1"/>
           <p:nvPr>
             <p:ph idx="1" type="body"/>
@@ -3934,7 +3935,7 @@
   <p:cSld>
     <p:spTree>
       <p:nvGrpSpPr>
-        <p:cNvPr id="228" name="Shape 228"/>
+        <p:cNvPr id="229" name="Shape 229"/>
         <p:cNvGrpSpPr/>
         <p:nvPr/>
       </p:nvGrpSpPr>
@@ -3948,7 +3949,7 @@
       </p:grpSpPr>
       <p:sp>
         <p:nvSpPr>
-          <p:cNvPr id="229" name="Google Shape;229;g225db79a03c_1_6:notes"/>
+          <p:cNvPr id="230" name="Google Shape;230;g225db79a03c_1_11:notes"/>
           <p:cNvSpPr/>
           <p:nvPr>
             <p:ph idx="2" type="sldImg"/>
@@ -3993,7 +3994,7 @@
       </p:sp>
       <p:sp>
         <p:nvSpPr>
-          <p:cNvPr id="230" name="Google Shape;230;g225db79a03c_1_6:notes"/>
+          <p:cNvPr id="231" name="Google Shape;231;g225db79a03c_1_11:notes"/>
           <p:cNvSpPr txBox="1"/>
           <p:nvPr>
             <p:ph idx="1" type="body"/>
@@ -4065,7 +4066,7 @@
       </p:grpSpPr>
       <p:sp>
         <p:nvSpPr>
-          <p:cNvPr id="235" name="Google Shape;235;g225db79a03c_1_11:notes"/>
+          <p:cNvPr id="235" name="Google Shape;235;g225db79a03c_1_19:notes"/>
           <p:cNvSpPr/>
           <p:nvPr>
             <p:ph idx="2" type="sldImg"/>
@@ -4110,7 +4111,7 @@
       </p:sp>
       <p:sp>
         <p:nvSpPr>
-          <p:cNvPr id="236" name="Google Shape;236;g225db79a03c_1_11:notes"/>
+          <p:cNvPr id="236" name="Google Shape;236;g225db79a03c_1_19:notes"/>
           <p:cNvSpPr txBox="1"/>
           <p:nvPr>
             <p:ph idx="1" type="body"/>
@@ -4168,7 +4169,7 @@
   <p:cSld>
     <p:spTree>
       <p:nvGrpSpPr>
-        <p:cNvPr id="239" name="Shape 239"/>
+        <p:cNvPr id="240" name="Shape 240"/>
         <p:cNvGrpSpPr/>
         <p:nvPr/>
       </p:nvGrpSpPr>
@@ -4182,7 +4183,7 @@
       </p:grpSpPr>
       <p:sp>
         <p:nvSpPr>
-          <p:cNvPr id="240" name="Google Shape;240;g225db79a03c_1_19:notes"/>
+          <p:cNvPr id="241" name="Google Shape;241;g225db79a03c_1_26:notes"/>
           <p:cNvSpPr/>
           <p:nvPr>
             <p:ph idx="2" type="sldImg"/>
@@ -4227,7 +4228,7 @@
       </p:sp>
       <p:sp>
         <p:nvSpPr>
-          <p:cNvPr id="241" name="Google Shape;241;g225db79a03c_1_19:notes"/>
+          <p:cNvPr id="242" name="Google Shape;242;g225db79a03c_1_26:notes"/>
           <p:cNvSpPr txBox="1"/>
           <p:nvPr>
             <p:ph idx="1" type="body"/>
@@ -4285,7 +4286,7 @@
   <p:cSld>
     <p:spTree>
       <p:nvGrpSpPr>
-        <p:cNvPr id="245" name="Shape 245"/>
+        <p:cNvPr id="246" name="Shape 246"/>
         <p:cNvGrpSpPr/>
         <p:nvPr/>
       </p:nvGrpSpPr>
@@ -4299,7 +4300,7 @@
       </p:grpSpPr>
       <p:sp>
         <p:nvSpPr>
-          <p:cNvPr id="246" name="Google Shape;246;g225db79a03c_1_26:notes"/>
+          <p:cNvPr id="247" name="Google Shape;247;g225db79a03c_1_31:notes"/>
           <p:cNvSpPr/>
           <p:nvPr>
             <p:ph idx="2" type="sldImg"/>
@@ -4344,7 +4345,7 @@
       </p:sp>
       <p:sp>
         <p:nvSpPr>
-          <p:cNvPr id="247" name="Google Shape;247;g225db79a03c_1_26:notes"/>
+          <p:cNvPr id="248" name="Google Shape;248;g225db79a03c_1_31:notes"/>
           <p:cNvSpPr txBox="1"/>
           <p:nvPr>
             <p:ph idx="1" type="body"/>
@@ -4416,7 +4417,7 @@
       </p:grpSpPr>
       <p:sp>
         <p:nvSpPr>
-          <p:cNvPr id="252" name="Google Shape;252;g225db79a03c_1_31:notes"/>
+          <p:cNvPr id="252" name="Google Shape;252;g225db79a03c_1_41:notes"/>
           <p:cNvSpPr/>
           <p:nvPr>
             <p:ph idx="2" type="sldImg"/>
@@ -4461,7 +4462,7 @@
       </p:sp>
       <p:sp>
         <p:nvSpPr>
-          <p:cNvPr id="253" name="Google Shape;253;g225db79a03c_1_31:notes"/>
+          <p:cNvPr id="253" name="Google Shape;253;g225db79a03c_1_41:notes"/>
           <p:cNvSpPr txBox="1"/>
           <p:nvPr>
             <p:ph idx="1" type="body"/>
@@ -4519,7 +4520,7 @@
   <p:cSld>
     <p:spTree>
       <p:nvGrpSpPr>
-        <p:cNvPr id="256" name="Shape 256"/>
+        <p:cNvPr id="257" name="Shape 257"/>
         <p:cNvGrpSpPr/>
         <p:nvPr/>
       </p:nvGrpSpPr>
@@ -4533,7 +4534,7 @@
       </p:grpSpPr>
       <p:sp>
         <p:nvSpPr>
-          <p:cNvPr id="257" name="Google Shape;257;g225db79a03c_1_41:notes"/>
+          <p:cNvPr id="258" name="Google Shape;258;g225db79a03c_1_46:notes"/>
           <p:cNvSpPr/>
           <p:nvPr>
             <p:ph idx="2" type="sldImg"/>
@@ -4578,7 +4579,7 @@
       </p:sp>
       <p:sp>
         <p:nvSpPr>
-          <p:cNvPr id="258" name="Google Shape;258;g225db79a03c_1_41:notes"/>
+          <p:cNvPr id="259" name="Google Shape;259;g225db79a03c_1_46:notes"/>
           <p:cNvSpPr txBox="1"/>
           <p:nvPr>
             <p:ph idx="1" type="body"/>
@@ -4650,7 +4651,7 @@
       </p:grpSpPr>
       <p:sp>
         <p:nvSpPr>
-          <p:cNvPr id="263" name="Google Shape;263;g225db79a03c_1_46:notes"/>
+          <p:cNvPr id="263" name="Google Shape;263;g225db79a03c_1_55:notes"/>
           <p:cNvSpPr/>
           <p:nvPr>
             <p:ph idx="2" type="sldImg"/>
@@ -4695,7 +4696,7 @@
       </p:sp>
       <p:sp>
         <p:nvSpPr>
-          <p:cNvPr id="264" name="Google Shape;264;g225db79a03c_1_46:notes"/>
+          <p:cNvPr id="264" name="Google Shape;264;g225db79a03c_1_55:notes"/>
           <p:cNvSpPr txBox="1"/>
           <p:nvPr>
             <p:ph idx="1" type="body"/>
@@ -4767,7 +4768,7 @@
       </p:grpSpPr>
       <p:sp>
         <p:nvSpPr>
-          <p:cNvPr id="268" name="Google Shape;268;g225db79a03c_1_55:notes"/>
+          <p:cNvPr id="268" name="Google Shape;268;g225db79a03c_1_74:notes"/>
           <p:cNvSpPr/>
           <p:nvPr>
             <p:ph idx="2" type="sldImg"/>
@@ -4812,7 +4813,7 @@
       </p:sp>
       <p:sp>
         <p:nvSpPr>
-          <p:cNvPr id="269" name="Google Shape;269;g225db79a03c_1_55:notes"/>
+          <p:cNvPr id="269" name="Google Shape;269;g225db79a03c_1_74:notes"/>
           <p:cNvSpPr txBox="1"/>
           <p:nvPr>
             <p:ph idx="1" type="body"/>
@@ -4987,7 +4988,7 @@
   <p:cSld>
     <p:spTree>
       <p:nvGrpSpPr>
-        <p:cNvPr id="272" name="Shape 272"/>
+        <p:cNvPr id="273" name="Shape 273"/>
         <p:cNvGrpSpPr/>
         <p:nvPr/>
       </p:nvGrpSpPr>
@@ -5001,7 +5002,7 @@
       </p:grpSpPr>
       <p:sp>
         <p:nvSpPr>
-          <p:cNvPr id="273" name="Google Shape;273;g225db79a03c_1_74:notes"/>
+          <p:cNvPr id="274" name="Google Shape;274;g225db79a03c_1_79:notes"/>
           <p:cNvSpPr/>
           <p:nvPr>
             <p:ph idx="2" type="sldImg"/>
@@ -5046,7 +5047,7 @@
       </p:sp>
       <p:sp>
         <p:nvSpPr>
-          <p:cNvPr id="274" name="Google Shape;274;g225db79a03c_1_74:notes"/>
+          <p:cNvPr id="275" name="Google Shape;275;g225db79a03c_1_79:notes"/>
           <p:cNvSpPr txBox="1"/>
           <p:nvPr>
             <p:ph idx="1" type="body"/>
@@ -5118,7 +5119,7 @@
       </p:grpSpPr>
       <p:sp>
         <p:nvSpPr>
-          <p:cNvPr id="279" name="Google Shape;279;g225db79a03c_1_79:notes"/>
+          <p:cNvPr id="279" name="Google Shape;279;g225db79a03c_1_84:notes"/>
           <p:cNvSpPr/>
           <p:nvPr>
             <p:ph idx="2" type="sldImg"/>
@@ -5163,7 +5164,7 @@
       </p:sp>
       <p:sp>
         <p:nvSpPr>
-          <p:cNvPr id="280" name="Google Shape;280;g225db79a03c_1_79:notes"/>
+          <p:cNvPr id="280" name="Google Shape;280;g225db79a03c_1_84:notes"/>
           <p:cNvSpPr txBox="1"/>
           <p:nvPr>
             <p:ph idx="1" type="body"/>
@@ -5235,7 +5236,7 @@
       </p:grpSpPr>
       <p:sp>
         <p:nvSpPr>
-          <p:cNvPr id="284" name="Google Shape;284;g225db79a03c_1_84:notes"/>
+          <p:cNvPr id="284" name="Google Shape;284;g225db79a03c_1_95:notes"/>
           <p:cNvSpPr/>
           <p:nvPr>
             <p:ph idx="2" type="sldImg"/>
@@ -5280,7 +5281,7 @@
       </p:sp>
       <p:sp>
         <p:nvSpPr>
-          <p:cNvPr id="285" name="Google Shape;285;g225db79a03c_1_84:notes"/>
+          <p:cNvPr id="285" name="Google Shape;285;g225db79a03c_1_95:notes"/>
           <p:cNvSpPr txBox="1"/>
           <p:nvPr>
             <p:ph idx="1" type="body"/>
@@ -5338,7 +5339,7 @@
   <p:cSld>
     <p:spTree>
       <p:nvGrpSpPr>
-        <p:cNvPr id="288" name="Shape 288"/>
+        <p:cNvPr id="289" name="Shape 289"/>
         <p:cNvGrpSpPr/>
         <p:nvPr/>
       </p:nvGrpSpPr>
@@ -5352,7 +5353,7 @@
       </p:grpSpPr>
       <p:sp>
         <p:nvSpPr>
-          <p:cNvPr id="289" name="Google Shape;289;g225db79a03c_1_95:notes"/>
+          <p:cNvPr id="290" name="Google Shape;290;g225db79a03c_1_100:notes"/>
           <p:cNvSpPr/>
           <p:nvPr>
             <p:ph idx="2" type="sldImg"/>
@@ -5397,7 +5398,7 @@
       </p:sp>
       <p:sp>
         <p:nvSpPr>
-          <p:cNvPr id="290" name="Google Shape;290;g225db79a03c_1_95:notes"/>
+          <p:cNvPr id="291" name="Google Shape;291;g225db79a03c_1_100:notes"/>
           <p:cNvSpPr txBox="1"/>
           <p:nvPr>
             <p:ph idx="1" type="body"/>
@@ -5469,7 +5470,7 @@
       </p:grpSpPr>
       <p:sp>
         <p:nvSpPr>
-          <p:cNvPr id="295" name="Google Shape;295;g225db79a03c_1_100:notes"/>
+          <p:cNvPr id="295" name="Google Shape;295;g225db79a03c_1_105:notes"/>
           <p:cNvSpPr/>
           <p:nvPr>
             <p:ph idx="2" type="sldImg"/>
@@ -5514,7 +5515,7 @@
       </p:sp>
       <p:sp>
         <p:nvSpPr>
-          <p:cNvPr id="296" name="Google Shape;296;g225db79a03c_1_100:notes"/>
+          <p:cNvPr id="296" name="Google Shape;296;g225db79a03c_1_105:notes"/>
           <p:cNvSpPr txBox="1"/>
           <p:nvPr>
             <p:ph idx="1" type="body"/>
@@ -5586,7 +5587,7 @@
       </p:grpSpPr>
       <p:sp>
         <p:nvSpPr>
-          <p:cNvPr id="300" name="Google Shape;300;g225db79a03c_1_105:notes"/>
+          <p:cNvPr id="300" name="Google Shape;300;g225db79a03c_1_113:notes"/>
           <p:cNvSpPr/>
           <p:nvPr>
             <p:ph idx="2" type="sldImg"/>
@@ -5631,7 +5632,7 @@
       </p:sp>
       <p:sp>
         <p:nvSpPr>
-          <p:cNvPr id="301" name="Google Shape;301;g225db79a03c_1_105:notes"/>
+          <p:cNvPr id="301" name="Google Shape;301;g225db79a03c_1_113:notes"/>
           <p:cNvSpPr txBox="1"/>
           <p:nvPr>
             <p:ph idx="1" type="body"/>
@@ -5689,7 +5690,7 @@
   <p:cSld>
     <p:spTree>
       <p:nvGrpSpPr>
-        <p:cNvPr id="304" name="Shape 304"/>
+        <p:cNvPr id="305" name="Shape 305"/>
         <p:cNvGrpSpPr/>
         <p:nvPr/>
       </p:nvGrpSpPr>
@@ -5703,7 +5704,7 @@
       </p:grpSpPr>
       <p:sp>
         <p:nvSpPr>
-          <p:cNvPr id="305" name="Google Shape;305;g225db79a03c_1_113:notes"/>
+          <p:cNvPr id="306" name="Google Shape;306;g225db79a03c_1_118:notes"/>
           <p:cNvSpPr/>
           <p:nvPr>
             <p:ph idx="2" type="sldImg"/>
@@ -5748,7 +5749,7 @@
       </p:sp>
       <p:sp>
         <p:nvSpPr>
-          <p:cNvPr id="306" name="Google Shape;306;g225db79a03c_1_113:notes"/>
+          <p:cNvPr id="307" name="Google Shape;307;g225db79a03c_1_118:notes"/>
           <p:cNvSpPr txBox="1"/>
           <p:nvPr>
             <p:ph idx="1" type="body"/>
@@ -5820,7 +5821,7 @@
       </p:grpSpPr>
       <p:sp>
         <p:nvSpPr>
-          <p:cNvPr id="311" name="Google Shape;311;g225db79a03c_1_118:notes"/>
+          <p:cNvPr id="311" name="Google Shape;311;g225db79a03c_1_123:notes"/>
           <p:cNvSpPr/>
           <p:nvPr>
             <p:ph idx="2" type="sldImg"/>
@@ -5865,7 +5866,7 @@
       </p:sp>
       <p:sp>
         <p:nvSpPr>
-          <p:cNvPr id="312" name="Google Shape;312;g225db79a03c_1_118:notes"/>
+          <p:cNvPr id="312" name="Google Shape;312;g225db79a03c_1_123:notes"/>
           <p:cNvSpPr txBox="1"/>
           <p:nvPr>
             <p:ph idx="1" type="body"/>
@@ -5937,7 +5938,7 @@
       </p:grpSpPr>
       <p:sp>
         <p:nvSpPr>
-          <p:cNvPr id="316" name="Google Shape;316;g225db79a03c_1_123:notes"/>
+          <p:cNvPr id="316" name="Google Shape;316;p5:notes"/>
           <p:cNvSpPr/>
           <p:nvPr>
             <p:ph idx="2" type="sldImg"/>
@@ -5982,7 +5983,7 @@
       </p:sp>
       <p:sp>
         <p:nvSpPr>
-          <p:cNvPr id="317" name="Google Shape;317;g225db79a03c_1_123:notes"/>
+          <p:cNvPr id="317" name="Google Shape;317;p5:notes"/>
           <p:cNvSpPr txBox="1"/>
           <p:nvPr>
             <p:ph idx="1" type="body"/>
@@ -6040,7 +6041,7 @@
   <p:cSld>
     <p:spTree>
       <p:nvGrpSpPr>
-        <p:cNvPr id="320" name="Shape 320"/>
+        <p:cNvPr id="321" name="Shape 321"/>
         <p:cNvGrpSpPr/>
         <p:nvPr/>
       </p:nvGrpSpPr>
@@ -6054,7 +6055,7 @@
       </p:grpSpPr>
       <p:sp>
         <p:nvSpPr>
-          <p:cNvPr id="321" name="Google Shape;321;p5:notes"/>
+          <p:cNvPr id="322" name="Google Shape;322;g225db79a03c_2_5:notes"/>
           <p:cNvSpPr/>
           <p:nvPr>
             <p:ph idx="2" type="sldImg"/>
@@ -6099,7 +6100,7 @@
       </p:sp>
       <p:sp>
         <p:nvSpPr>
-          <p:cNvPr id="322" name="Google Shape;322;p5:notes"/>
+          <p:cNvPr id="323" name="Google Shape;323;g225db79a03c_2_5:notes"/>
           <p:cNvSpPr txBox="1"/>
           <p:nvPr>
             <p:ph idx="1" type="body"/>
@@ -6274,7 +6275,7 @@
   <p:cSld>
     <p:spTree>
       <p:nvGrpSpPr>
-        <p:cNvPr id="326" name="Shape 326"/>
+        <p:cNvPr id="327" name="Shape 327"/>
         <p:cNvGrpSpPr/>
         <p:nvPr/>
       </p:nvGrpSpPr>
@@ -6288,7 +6289,7 @@
       </p:grpSpPr>
       <p:sp>
         <p:nvSpPr>
-          <p:cNvPr id="327" name="Google Shape;327;g225db79a03c_2_5:notes"/>
+          <p:cNvPr id="328" name="Google Shape;328;g225db79a03c_2_15:notes"/>
           <p:cNvSpPr/>
           <p:nvPr>
             <p:ph idx="2" type="sldImg"/>
@@ -6333,7 +6334,7 @@
       </p:sp>
       <p:sp>
         <p:nvSpPr>
-          <p:cNvPr id="328" name="Google Shape;328;g225db79a03c_2_5:notes"/>
+          <p:cNvPr id="329" name="Google Shape;329;g225db79a03c_2_15:notes"/>
           <p:cNvSpPr txBox="1"/>
           <p:nvPr>
             <p:ph idx="1" type="body"/>
@@ -6391,7 +6392,7 @@
   <p:cSld>
     <p:spTree>
       <p:nvGrpSpPr>
-        <p:cNvPr id="332" name="Shape 332"/>
+        <p:cNvPr id="333" name="Shape 333"/>
         <p:cNvGrpSpPr/>
         <p:nvPr/>
       </p:nvGrpSpPr>
@@ -6405,7 +6406,7 @@
       </p:grpSpPr>
       <p:sp>
         <p:nvSpPr>
-          <p:cNvPr id="333" name="Google Shape;333;g225db79a03c_2_15:notes"/>
+          <p:cNvPr id="334" name="Google Shape;334;g225db79a03c_2_23:notes"/>
           <p:cNvSpPr/>
           <p:nvPr>
             <p:ph idx="2" type="sldImg"/>
@@ -6450,7 +6451,7 @@
       </p:sp>
       <p:sp>
         <p:nvSpPr>
-          <p:cNvPr id="334" name="Google Shape;334;g225db79a03c_2_15:notes"/>
+          <p:cNvPr id="335" name="Google Shape;335;g225db79a03c_2_23:notes"/>
           <p:cNvSpPr txBox="1"/>
           <p:nvPr>
             <p:ph idx="1" type="body"/>
@@ -6508,7 +6509,7 @@
   <p:cSld>
     <p:spTree>
       <p:nvGrpSpPr>
-        <p:cNvPr id="338" name="Shape 338"/>
+        <p:cNvPr id="339" name="Shape 339"/>
         <p:cNvGrpSpPr/>
         <p:nvPr/>
       </p:nvGrpSpPr>
@@ -6522,7 +6523,7 @@
       </p:grpSpPr>
       <p:sp>
         <p:nvSpPr>
-          <p:cNvPr id="339" name="Google Shape;339;g225db79a03c_2_23:notes"/>
+          <p:cNvPr id="340" name="Google Shape;340;g225db79a03c_2_31:notes"/>
           <p:cNvSpPr/>
           <p:nvPr>
             <p:ph idx="2" type="sldImg"/>
@@ -6567,7 +6568,7 @@
       </p:sp>
       <p:sp>
         <p:nvSpPr>
-          <p:cNvPr id="340" name="Google Shape;340;g225db79a03c_2_23:notes"/>
+          <p:cNvPr id="341" name="Google Shape;341;g225db79a03c_2_31:notes"/>
           <p:cNvSpPr txBox="1"/>
           <p:nvPr>
             <p:ph idx="1" type="body"/>
@@ -6639,7 +6640,7 @@
       </p:grpSpPr>
       <p:sp>
         <p:nvSpPr>
-          <p:cNvPr id="345" name="Google Shape;345;g225db79a03c_2_31:notes"/>
+          <p:cNvPr id="345" name="Google Shape;345;g225db79a03c_2_37:notes"/>
           <p:cNvSpPr/>
           <p:nvPr>
             <p:ph idx="2" type="sldImg"/>
@@ -6684,7 +6685,7 @@
       </p:sp>
       <p:sp>
         <p:nvSpPr>
-          <p:cNvPr id="346" name="Google Shape;346;g225db79a03c_2_31:notes"/>
+          <p:cNvPr id="346" name="Google Shape;346;g225db79a03c_2_37:notes"/>
           <p:cNvSpPr txBox="1"/>
           <p:nvPr>
             <p:ph idx="1" type="body"/>
@@ -6742,7 +6743,7 @@
   <p:cSld>
     <p:spTree>
       <p:nvGrpSpPr>
-        <p:cNvPr id="349" name="Shape 349"/>
+        <p:cNvPr id="350" name="Shape 350"/>
         <p:cNvGrpSpPr/>
         <p:nvPr/>
       </p:nvGrpSpPr>
@@ -6756,7 +6757,7 @@
       </p:grpSpPr>
       <p:sp>
         <p:nvSpPr>
-          <p:cNvPr id="350" name="Google Shape;350;g225db79a03c_2_37:notes"/>
+          <p:cNvPr id="351" name="Google Shape;351;g225db79a03c_2_57:notes"/>
           <p:cNvSpPr/>
           <p:nvPr>
             <p:ph idx="2" type="sldImg"/>
@@ -6801,7 +6802,7 @@
       </p:sp>
       <p:sp>
         <p:nvSpPr>
-          <p:cNvPr id="351" name="Google Shape;351;g225db79a03c_2_37:notes"/>
+          <p:cNvPr id="352" name="Google Shape;352;g225db79a03c_2_57:notes"/>
           <p:cNvSpPr txBox="1"/>
           <p:nvPr>
             <p:ph idx="1" type="body"/>
@@ -6859,7 +6860,7 @@
   <p:cSld>
     <p:spTree>
       <p:nvGrpSpPr>
-        <p:cNvPr id="355" name="Shape 355"/>
+        <p:cNvPr id="356" name="Shape 356"/>
         <p:cNvGrpSpPr/>
         <p:nvPr/>
       </p:nvGrpSpPr>
@@ -6873,7 +6874,7 @@
       </p:grpSpPr>
       <p:sp>
         <p:nvSpPr>
-          <p:cNvPr id="356" name="Google Shape;356;g225db79a03c_2_57:notes"/>
+          <p:cNvPr id="357" name="Google Shape;357;g22606a26049_2_1:notes"/>
           <p:cNvSpPr/>
           <p:nvPr>
             <p:ph idx="2" type="sldImg"/>
@@ -6918,7 +6919,7 @@
       </p:sp>
       <p:sp>
         <p:nvSpPr>
-          <p:cNvPr id="357" name="Google Shape;357;g225db79a03c_2_57:notes"/>
+          <p:cNvPr id="358" name="Google Shape;358;g22606a26049_2_1:notes"/>
           <p:cNvSpPr txBox="1"/>
           <p:nvPr>
             <p:ph idx="1" type="body"/>
@@ -7809,7 +7810,7 @@
       </p:grpSpPr>
       <p:sp>
         <p:nvSpPr>
-          <p:cNvPr id="395" name="Google Shape;395;g225db79a03c_2_109:notes"/>
+          <p:cNvPr id="395" name="Google Shape;395;g22606a26049_0_0:notes"/>
           <p:cNvSpPr/>
           <p:nvPr>
             <p:ph idx="2" type="sldImg"/>
@@ -7854,7 +7855,7 @@
       </p:sp>
       <p:sp>
         <p:nvSpPr>
-          <p:cNvPr id="396" name="Google Shape;396;g225db79a03c_2_109:notes"/>
+          <p:cNvPr id="396" name="Google Shape;396;g22606a26049_0_0:notes"/>
           <p:cNvSpPr txBox="1"/>
           <p:nvPr>
             <p:ph idx="1" type="body"/>
@@ -7926,7 +7927,7 @@
       </p:grpSpPr>
       <p:sp>
         <p:nvSpPr>
-          <p:cNvPr id="401" name="Google Shape;401;g225db79a03c_2_118:notes"/>
+          <p:cNvPr id="401" name="Google Shape;401;g225db79a03c_2_109:notes"/>
           <p:cNvSpPr/>
           <p:nvPr>
             <p:ph idx="2" type="sldImg"/>
@@ -7971,7 +7972,7 @@
       </p:sp>
       <p:sp>
         <p:nvSpPr>
-          <p:cNvPr id="402" name="Google Shape;402;g225db79a03c_2_118:notes"/>
+          <p:cNvPr id="402" name="Google Shape;402;g225db79a03c_2_109:notes"/>
           <p:cNvSpPr txBox="1"/>
           <p:nvPr>
             <p:ph idx="1" type="body"/>
@@ -8043,7 +8044,7 @@
       </p:grpSpPr>
       <p:sp>
         <p:nvSpPr>
-          <p:cNvPr id="407" name="Google Shape;407;g225db79a03c_2_124:notes"/>
+          <p:cNvPr id="407" name="Google Shape;407;g225db79a03c_2_118:notes"/>
           <p:cNvSpPr/>
           <p:nvPr>
             <p:ph idx="2" type="sldImg"/>
@@ -8088,7 +8089,7 @@
       </p:sp>
       <p:sp>
         <p:nvSpPr>
-          <p:cNvPr id="408" name="Google Shape;408;g225db79a03c_2_124:notes"/>
+          <p:cNvPr id="408" name="Google Shape;408;g225db79a03c_2_118:notes"/>
           <p:cNvSpPr txBox="1"/>
           <p:nvPr>
             <p:ph idx="1" type="body"/>
@@ -8146,7 +8147,7 @@
   <p:cSld>
     <p:spTree>
       <p:nvGrpSpPr>
-        <p:cNvPr id="411" name="Shape 411"/>
+        <p:cNvPr id="412" name="Shape 412"/>
         <p:cNvGrpSpPr/>
         <p:nvPr/>
       </p:nvGrpSpPr>
@@ -8160,7 +8161,7 @@
       </p:grpSpPr>
       <p:sp>
         <p:nvSpPr>
-          <p:cNvPr id="412" name="Google Shape;412;g225db79a03c_2_130:notes"/>
+          <p:cNvPr id="413" name="Google Shape;413;g225db79a03c_2_124:notes"/>
           <p:cNvSpPr/>
           <p:nvPr>
             <p:ph idx="2" type="sldImg"/>
@@ -8205,7 +8206,7 @@
       </p:sp>
       <p:sp>
         <p:nvSpPr>
-          <p:cNvPr id="413" name="Google Shape;413;g225db79a03c_2_130:notes"/>
+          <p:cNvPr id="414" name="Google Shape;414;g225db79a03c_2_124:notes"/>
           <p:cNvSpPr txBox="1"/>
           <p:nvPr>
             <p:ph idx="1" type="body"/>
@@ -8277,7 +8278,7 @@
       </p:grpSpPr>
       <p:sp>
         <p:nvSpPr>
-          <p:cNvPr id="418" name="Google Shape;418;g225db79a03c_2_135:notes"/>
+          <p:cNvPr id="418" name="Google Shape;418;g225db79a03c_2_130:notes"/>
           <p:cNvSpPr/>
           <p:nvPr>
             <p:ph idx="2" type="sldImg"/>
@@ -8322,7 +8323,7 @@
       </p:sp>
       <p:sp>
         <p:nvSpPr>
-          <p:cNvPr id="419" name="Google Shape;419;g225db79a03c_2_135:notes"/>
+          <p:cNvPr id="419" name="Google Shape;419;g225db79a03c_2_130:notes"/>
           <p:cNvSpPr txBox="1"/>
           <p:nvPr>
             <p:ph idx="1" type="body"/>
@@ -8394,7 +8395,7 @@
       </p:grpSpPr>
       <p:sp>
         <p:nvSpPr>
-          <p:cNvPr id="424" name="Google Shape;424;g225db79a03c_2_140:notes"/>
+          <p:cNvPr id="424" name="Google Shape;424;g225db79a03c_2_135:notes"/>
           <p:cNvSpPr/>
           <p:nvPr>
             <p:ph idx="2" type="sldImg"/>
@@ -8439,7 +8440,7 @@
       </p:sp>
       <p:sp>
         <p:nvSpPr>
-          <p:cNvPr id="425" name="Google Shape;425;g225db79a03c_2_140:notes"/>
+          <p:cNvPr id="425" name="Google Shape;425;g225db79a03c_2_135:notes"/>
           <p:cNvSpPr txBox="1"/>
           <p:nvPr>
             <p:ph idx="1" type="body"/>
@@ -8497,7 +8498,7 @@
   <p:cSld>
     <p:spTree>
       <p:nvGrpSpPr>
-        <p:cNvPr id="428" name="Shape 428"/>
+        <p:cNvPr id="429" name="Shape 429"/>
         <p:cNvGrpSpPr/>
         <p:nvPr/>
       </p:nvGrpSpPr>
@@ -8511,7 +8512,7 @@
       </p:grpSpPr>
       <p:sp>
         <p:nvSpPr>
-          <p:cNvPr id="429" name="Google Shape;429;p21:notes"/>
+          <p:cNvPr id="430" name="Google Shape;430;g225db79a03c_2_140:notes"/>
           <p:cNvSpPr/>
           <p:nvPr>
             <p:ph idx="2" type="sldImg"/>
@@ -8556,7 +8557,7 @@
       </p:sp>
       <p:sp>
         <p:nvSpPr>
-          <p:cNvPr id="430" name="Google Shape;430;p21:notes"/>
+          <p:cNvPr id="431" name="Google Shape;431;g225db79a03c_2_140:notes"/>
           <p:cNvSpPr txBox="1"/>
           <p:nvPr>
             <p:ph idx="1" type="body"/>
@@ -8614,7 +8615,7 @@
   <p:cSld>
     <p:spTree>
       <p:nvGrpSpPr>
-        <p:cNvPr id="433" name="Shape 433"/>
+        <p:cNvPr id="434" name="Shape 434"/>
         <p:cNvGrpSpPr/>
         <p:nvPr/>
       </p:nvGrpSpPr>
@@ -8628,7 +8629,7 @@
       </p:grpSpPr>
       <p:sp>
         <p:nvSpPr>
-          <p:cNvPr id="434" name="Google Shape;434;p22:notes"/>
+          <p:cNvPr id="435" name="Google Shape;435;p21:notes"/>
           <p:cNvSpPr/>
           <p:nvPr>
             <p:ph idx="2" type="sldImg"/>
@@ -8673,7 +8674,7 @@
       </p:sp>
       <p:sp>
         <p:nvSpPr>
-          <p:cNvPr id="435" name="Google Shape;435;p22:notes"/>
+          <p:cNvPr id="436" name="Google Shape;436;p21:notes"/>
           <p:cNvSpPr txBox="1"/>
           <p:nvPr>
             <p:ph idx="1" type="body"/>
@@ -8862,7 +8863,7 @@
       </p:grpSpPr>
       <p:sp>
         <p:nvSpPr>
-          <p:cNvPr id="440" name="Google Shape;440;p23:notes"/>
+          <p:cNvPr id="440" name="Google Shape;440;p22:notes"/>
           <p:cNvSpPr/>
           <p:nvPr>
             <p:ph idx="2" type="sldImg"/>
@@ -8907,7 +8908,7 @@
       </p:sp>
       <p:sp>
         <p:nvSpPr>
-          <p:cNvPr id="441" name="Google Shape;441;p23:notes"/>
+          <p:cNvPr id="441" name="Google Shape;441;p22:notes"/>
           <p:cNvSpPr txBox="1"/>
           <p:nvPr>
             <p:ph idx="1" type="body"/>
@@ -8965,7 +8966,7 @@
   <p:cSld>
     <p:spTree>
       <p:nvGrpSpPr>
-        <p:cNvPr id="444" name="Shape 444"/>
+        <p:cNvPr id="445" name="Shape 445"/>
         <p:cNvGrpSpPr/>
         <p:nvPr/>
       </p:nvGrpSpPr>
@@ -8979,7 +8980,7 @@
       </p:grpSpPr>
       <p:sp>
         <p:nvSpPr>
-          <p:cNvPr id="445" name="Google Shape;445;p24:notes"/>
+          <p:cNvPr id="446" name="Google Shape;446;p23:notes"/>
           <p:cNvSpPr/>
           <p:nvPr>
             <p:ph idx="2" type="sldImg"/>
@@ -9024,7 +9025,7 @@
       </p:sp>
       <p:sp>
         <p:nvSpPr>
-          <p:cNvPr id="446" name="Google Shape;446;p24:notes"/>
+          <p:cNvPr id="447" name="Google Shape;447;p23:notes"/>
           <p:cNvSpPr txBox="1"/>
           <p:nvPr>
             <p:ph idx="1" type="body"/>
@@ -9096,7 +9097,7 @@
       </p:grpSpPr>
       <p:sp>
         <p:nvSpPr>
-          <p:cNvPr id="451" name="Google Shape;451;p25:notes"/>
+          <p:cNvPr id="451" name="Google Shape;451;p24:notes"/>
           <p:cNvSpPr/>
           <p:nvPr>
             <p:ph idx="2" type="sldImg"/>
@@ -9141,7 +9142,124 @@
       </p:sp>
       <p:sp>
         <p:nvSpPr>
-          <p:cNvPr id="452" name="Google Shape;452;p25:notes"/>
+          <p:cNvPr id="452" name="Google Shape;452;p24:notes"/>
+          <p:cNvSpPr txBox="1"/>
+          <p:nvPr>
+            <p:ph idx="1" type="body"/>
+          </p:nvPr>
+        </p:nvSpPr>
+        <p:spPr>
+          <a:xfrm>
+            <a:off x="685800" y="4343400"/>
+            <a:ext cx="5486400" cy="4114800"/>
+          </a:xfrm>
+          <a:prstGeom prst="rect">
+            <a:avLst/>
+          </a:prstGeom>
+          <a:noFill/>
+          <a:ln>
+            <a:noFill/>
+          </a:ln>
+        </p:spPr>
+        <p:txBody>
+          <a:bodyPr anchorCtr="0" anchor="t" bIns="91425" lIns="91425" spcFirstLastPara="1" rIns="91425" wrap="square" tIns="91425">
+            <a:noAutofit/>
+          </a:bodyPr>
+          <a:lstStyle/>
+          <a:p>
+            <a:pPr indent="0" lvl="0" marL="0" rtl="0" algn="l">
+              <a:lnSpc>
+                <a:spcPct val="100000"/>
+              </a:lnSpc>
+              <a:spcBef>
+                <a:spcPts val="0"/>
+              </a:spcBef>
+              <a:spcAft>
+                <a:spcPts val="0"/>
+              </a:spcAft>
+              <a:buSzPts val="1100"/>
+              <a:buNone/>
+            </a:pPr>
+            <a:r>
+              <a:t/>
+            </a:r>
+            <a:endParaRPr/>
+          </a:p>
+        </p:txBody>
+      </p:sp>
+    </p:spTree>
+  </p:cSld>
+  <p:clrMapOvr>
+    <a:masterClrMapping/>
+  </p:clrMapOvr>
+</p:notes>
+</file>
+
+<file path=ppt/notesSlides/notesSlide73.xml><?xml version="1.0" encoding="utf-8"?>
+<p:notes xmlns:a="http://schemas.openxmlformats.org/drawingml/2006/main" xmlns:r="http://schemas.openxmlformats.org/officeDocument/2006/relationships" xmlns:mc="http://schemas.openxmlformats.org/markup-compatibility/2006" xmlns:mv="urn:schemas-microsoft-com:mac:vml" xmlns:p="http://schemas.openxmlformats.org/presentationml/2006/main" xmlns:c="http://schemas.openxmlformats.org/drawingml/2006/chart" xmlns:dgm="http://schemas.openxmlformats.org/drawingml/2006/diagram" xmlns:o="urn:schemas-microsoft-com:office:office" xmlns:v="urn:schemas-microsoft-com:vml" xmlns:pvml="urn:schemas-microsoft-com:office:powerpoint" xmlns:com="http://schemas.openxmlformats.org/drawingml/2006/compatibility" xmlns:p14="http://schemas.microsoft.com/office/powerpoint/2010/main" xmlns:p15="http://schemas.microsoft.com/office/powerpoint/2012/main" xmlns:ahyp="http://schemas.microsoft.com/office/drawing/2018/hyperlinkcolor" showMasterPhAnim="0" showMasterSp="0">
+  <p:cSld>
+    <p:spTree>
+      <p:nvGrpSpPr>
+        <p:cNvPr id="456" name="Shape 456"/>
+        <p:cNvGrpSpPr/>
+        <p:nvPr/>
+      </p:nvGrpSpPr>
+      <p:grpSpPr>
+        <a:xfrm>
+          <a:off x="0" y="0"/>
+          <a:ext cx="0" cy="0"/>
+          <a:chOff x="0" y="0"/>
+          <a:chExt cx="0" cy="0"/>
+        </a:xfrm>
+      </p:grpSpPr>
+      <p:sp>
+        <p:nvSpPr>
+          <p:cNvPr id="457" name="Google Shape;457;p25:notes"/>
+          <p:cNvSpPr/>
+          <p:nvPr>
+            <p:ph idx="2" type="sldImg"/>
+          </p:nvPr>
+        </p:nvSpPr>
+        <p:spPr>
+          <a:xfrm>
+            <a:off x="381300" y="685800"/>
+            <a:ext cx="6096000" cy="3429000"/>
+          </a:xfrm>
+          <a:custGeom>
+            <a:rect b="b" l="l" r="r" t="t"/>
+            <a:pathLst>
+              <a:path extrusionOk="0" h="120000" w="120000">
+                <a:moveTo>
+                  <a:pt x="0" y="0"/>
+                </a:moveTo>
+                <a:lnTo>
+                  <a:pt x="120000" y="0"/>
+                </a:lnTo>
+                <a:lnTo>
+                  <a:pt x="120000" y="120000"/>
+                </a:lnTo>
+                <a:lnTo>
+                  <a:pt x="0" y="120000"/>
+                </a:lnTo>
+                <a:close/>
+              </a:path>
+            </a:pathLst>
+          </a:custGeom>
+          <a:noFill/>
+          <a:ln cap="flat" cmpd="sng" w="9525">
+            <a:solidFill>
+              <a:srgbClr val="000000"/>
+            </a:solidFill>
+            <a:prstDash val="solid"/>
+            <a:round/>
+            <a:headEnd len="sm" w="sm" type="none"/>
+            <a:tailEnd len="sm" w="sm" type="none"/>
+          </a:ln>
+        </p:spPr>
+      </p:sp>
+      <p:sp>
+        <p:nvSpPr>
+          <p:cNvPr id="458" name="Google Shape;458;p25:notes"/>
           <p:cNvSpPr txBox="1"/>
           <p:nvPr>
             <p:ph idx="1" type="body"/>
@@ -19149,7 +19267,7 @@
                 <a:cs typeface="Source Code Pro SemiBold"/>
                 <a:sym typeface="Source Code Pro SemiBold"/>
               </a:rPr>
-              <a:t>{ type: "dog", age: 3 }</a:t>
+              <a:t>{ type: "dog", age: “3” }</a:t>
             </a:r>
             <a:r>
               <a:rPr lang="en-GB"/>
@@ -19359,7 +19477,7 @@
                 <a:cs typeface="Source Code Pro SemiBold"/>
                 <a:sym typeface="Source Code Pro SemiBold"/>
               </a:rPr>
-              <a:t>{ id: 1 }</a:t>
+              <a:t>{ id: “1” }</a:t>
             </a:r>
             <a:r>
               <a:rPr lang="en-GB"/>
@@ -19411,7 +19529,7 @@
                 <a:cs typeface="Source Code Pro SemiBold"/>
                 <a:sym typeface="Source Code Pro SemiBold"/>
               </a:rPr>
-              <a:t>{ id: 1, type: "cat" } </a:t>
+              <a:t>{ id: “1”, type: "cat" } </a:t>
             </a:r>
             <a:r>
               <a:rPr lang="en-GB"/>
@@ -20182,7 +20300,7 @@
       </p:grpSpPr>
       <p:sp>
         <p:nvSpPr>
-          <p:cNvPr id="204" name="Google Shape;204;g24b82d337bd_0_34"/>
+          <p:cNvPr id="204" name="Google Shape;204;g24b82d337bd_0_46"/>
           <p:cNvSpPr txBox="1"/>
           <p:nvPr>
             <p:ph type="title"/>
@@ -20222,7 +20340,127 @@
             </a:pPr>
             <a:r>
               <a:rPr lang="en-GB"/>
-              <a:t>Request and Response Flow: WIP</a:t>
+              <a:t>Practice Project: Pets API - Overview</a:t>
+            </a:r>
+            <a:endParaRPr/>
+          </a:p>
+        </p:txBody>
+      </p:sp>
+      <p:sp>
+        <p:nvSpPr>
+          <p:cNvPr id="205" name="Google Shape;205;g24b82d337bd_0_46"/>
+          <p:cNvSpPr txBox="1"/>
+          <p:nvPr>
+            <p:ph idx="2" type="title"/>
+          </p:nvPr>
+        </p:nvSpPr>
+        <p:spPr>
+          <a:xfrm>
+            <a:off x="793325" y="2059950"/>
+            <a:ext cx="7348800" cy="1023600"/>
+          </a:xfrm>
+          <a:prstGeom prst="rect">
+            <a:avLst/>
+          </a:prstGeom>
+          <a:noFill/>
+          <a:ln>
+            <a:noFill/>
+          </a:ln>
+        </p:spPr>
+        <p:txBody>
+          <a:bodyPr anchorCtr="0" anchor="t" bIns="91425" lIns="91425" spcFirstLastPara="1" rIns="91425" wrap="square" tIns="91425">
+            <a:noAutofit/>
+          </a:bodyPr>
+          <a:lstStyle/>
+          <a:p>
+            <a:pPr indent="0" lvl="0" marL="0" rtl="0" algn="l">
+              <a:lnSpc>
+                <a:spcPct val="100000"/>
+              </a:lnSpc>
+              <a:spcBef>
+                <a:spcPts val="0"/>
+              </a:spcBef>
+              <a:spcAft>
+                <a:spcPts val="0"/>
+              </a:spcAft>
+              <a:buNone/>
+            </a:pPr>
+            <a:r>
+              <a:rPr lang="en-GB"/>
+              <a:t>Let's create a simple pets API using Express.js. The API will allow users to create, read, update, and delete pets. </a:t>
+            </a:r>
+            <a:endParaRPr/>
+          </a:p>
+          <a:p>
+            <a:pPr indent="0" lvl="0" marL="0" rtl="0" algn="l">
+              <a:lnSpc>
+                <a:spcPct val="100000"/>
+              </a:lnSpc>
+              <a:spcBef>
+                <a:spcPts val="0"/>
+              </a:spcBef>
+              <a:spcAft>
+                <a:spcPts val="0"/>
+              </a:spcAft>
+              <a:buNone/>
+            </a:pPr>
+            <a:r>
+              <a:t/>
+            </a:r>
+            <a:endParaRPr/>
+          </a:p>
+          <a:p>
+            <a:pPr indent="0" lvl="0" marL="0" rtl="0" algn="l">
+              <a:lnSpc>
+                <a:spcPct val="100000"/>
+              </a:lnSpc>
+              <a:spcBef>
+                <a:spcPts val="0"/>
+              </a:spcBef>
+              <a:spcAft>
+                <a:spcPts val="0"/>
+              </a:spcAft>
+              <a:buNone/>
+            </a:pPr>
+            <a:r>
+              <a:rPr lang="en-GB"/>
+              <a:t>Q: What are the routes that we need to create?</a:t>
+            </a:r>
+            <a:endParaRPr/>
+          </a:p>
+          <a:p>
+            <a:pPr indent="0" lvl="0" marL="0" rtl="0" algn="l">
+              <a:lnSpc>
+                <a:spcPct val="100000"/>
+              </a:lnSpc>
+              <a:spcBef>
+                <a:spcPts val="0"/>
+              </a:spcBef>
+              <a:spcAft>
+                <a:spcPts val="0"/>
+              </a:spcAft>
+              <a:buNone/>
+            </a:pPr>
+            <a:r>
+              <a:t/>
+            </a:r>
+            <a:endParaRPr/>
+          </a:p>
+          <a:p>
+            <a:pPr indent="0" lvl="0" marL="0" rtl="0" algn="l">
+              <a:lnSpc>
+                <a:spcPct val="100000"/>
+              </a:lnSpc>
+              <a:spcBef>
+                <a:spcPts val="0"/>
+              </a:spcBef>
+              <a:spcAft>
+                <a:spcPts val="0"/>
+              </a:spcAft>
+              <a:buNone/>
+            </a:pPr>
+            <a:r>
+              <a:t/>
             </a:r>
             <a:endParaRPr/>
           </a:p>
@@ -20241,7 +20479,7 @@
   <p:cSld>
     <p:spTree>
       <p:nvGrpSpPr>
-        <p:cNvPr id="208" name="Shape 208"/>
+        <p:cNvPr id="209" name="Shape 209"/>
         <p:cNvGrpSpPr/>
         <p:nvPr/>
       </p:nvGrpSpPr>
@@ -20255,7 +20493,7 @@
       </p:grpSpPr>
       <p:sp>
         <p:nvSpPr>
-          <p:cNvPr id="209" name="Google Shape;209;g24b82d337bd_0_46"/>
+          <p:cNvPr id="210" name="Google Shape;210;g225db79a03c_0_157"/>
           <p:cNvSpPr txBox="1"/>
           <p:nvPr>
             <p:ph type="title"/>
@@ -20303,7 +20541,7 @@
       </p:sp>
       <p:sp>
         <p:nvSpPr>
-          <p:cNvPr id="210" name="Google Shape;210;g24b82d337bd_0_46"/>
+          <p:cNvPr id="211" name="Google Shape;211;g225db79a03c_0_157"/>
           <p:cNvSpPr txBox="1"/>
           <p:nvPr>
             <p:ph idx="2" type="title"/>
@@ -20311,8 +20549,8 @@
         </p:nvSpPr>
         <p:spPr>
           <a:xfrm>
-            <a:off x="793325" y="2059950"/>
-            <a:ext cx="7348800" cy="1023600"/>
+            <a:off x="793325" y="1083450"/>
+            <a:ext cx="7348800" cy="2976600"/>
           </a:xfrm>
           <a:prstGeom prst="rect">
             <a:avLst/>
@@ -20380,6 +20618,154 @@
             <a:r>
               <a:rPr lang="en-GB"/>
               <a:t>Q: What are the routes that we need to create?</a:t>
+            </a:r>
+            <a:endParaRPr/>
+          </a:p>
+          <a:p>
+            <a:pPr indent="0" lvl="0" marL="0" rtl="0" algn="l">
+              <a:lnSpc>
+                <a:spcPct val="100000"/>
+              </a:lnSpc>
+              <a:spcBef>
+                <a:spcPts val="0"/>
+              </a:spcBef>
+              <a:spcAft>
+                <a:spcPts val="0"/>
+              </a:spcAft>
+              <a:buNone/>
+            </a:pPr>
+            <a:r>
+              <a:t/>
+            </a:r>
+            <a:endParaRPr/>
+          </a:p>
+          <a:p>
+            <a:pPr indent="0" lvl="0" marL="0" rtl="0" algn="l">
+              <a:lnSpc>
+                <a:spcPct val="100000"/>
+              </a:lnSpc>
+              <a:spcBef>
+                <a:spcPts val="0"/>
+              </a:spcBef>
+              <a:spcAft>
+                <a:spcPts val="0"/>
+              </a:spcAft>
+              <a:buNone/>
+            </a:pPr>
+            <a:r>
+              <a:rPr lang="en-GB"/>
+              <a:t>GET /pets: Returns a list of pets.</a:t>
+            </a:r>
+            <a:endParaRPr/>
+          </a:p>
+          <a:p>
+            <a:pPr indent="0" lvl="0" marL="0" rtl="0" algn="l">
+              <a:lnSpc>
+                <a:spcPct val="100000"/>
+              </a:lnSpc>
+              <a:spcBef>
+                <a:spcPts val="0"/>
+              </a:spcBef>
+              <a:spcAft>
+                <a:spcPts val="0"/>
+              </a:spcAft>
+              <a:buNone/>
+            </a:pPr>
+            <a:r>
+              <a:t/>
+            </a:r>
+            <a:endParaRPr/>
+          </a:p>
+          <a:p>
+            <a:pPr indent="0" lvl="0" marL="0" rtl="0" algn="l">
+              <a:lnSpc>
+                <a:spcPct val="100000"/>
+              </a:lnSpc>
+              <a:spcBef>
+                <a:spcPts val="0"/>
+              </a:spcBef>
+              <a:spcAft>
+                <a:spcPts val="0"/>
+              </a:spcAft>
+              <a:buNone/>
+            </a:pPr>
+            <a:r>
+              <a:rPr lang="en-GB"/>
+              <a:t>GET /pets/:id: Returns a pet with the specified ID.</a:t>
+            </a:r>
+            <a:endParaRPr/>
+          </a:p>
+          <a:p>
+            <a:pPr indent="0" lvl="0" marL="0" rtl="0" algn="l">
+              <a:lnSpc>
+                <a:spcPct val="100000"/>
+              </a:lnSpc>
+              <a:spcBef>
+                <a:spcPts val="0"/>
+              </a:spcBef>
+              <a:spcAft>
+                <a:spcPts val="0"/>
+              </a:spcAft>
+              <a:buNone/>
+            </a:pPr>
+            <a:r>
+              <a:t/>
+            </a:r>
+            <a:endParaRPr/>
+          </a:p>
+          <a:p>
+            <a:pPr indent="0" lvl="0" marL="0" rtl="0" algn="l">
+              <a:lnSpc>
+                <a:spcPct val="100000"/>
+              </a:lnSpc>
+              <a:spcBef>
+                <a:spcPts val="0"/>
+              </a:spcBef>
+              <a:spcAft>
+                <a:spcPts val="0"/>
+              </a:spcAft>
+              <a:buNone/>
+            </a:pPr>
+            <a:r>
+              <a:rPr lang="en-GB"/>
+              <a:t>POST /pets: Creates a new pet.</a:t>
+            </a:r>
+            <a:endParaRPr/>
+          </a:p>
+          <a:p>
+            <a:pPr indent="0" lvl="0" marL="0" rtl="0" algn="l">
+              <a:lnSpc>
+                <a:spcPct val="100000"/>
+              </a:lnSpc>
+              <a:spcBef>
+                <a:spcPts val="0"/>
+              </a:spcBef>
+              <a:spcAft>
+                <a:spcPts val="0"/>
+              </a:spcAft>
+              <a:buNone/>
+            </a:pPr>
+            <a:r>
+              <a:t/>
+            </a:r>
+            <a:endParaRPr/>
+          </a:p>
+          <a:p>
+            <a:pPr indent="0" lvl="0" marL="0" rtl="0" algn="l">
+              <a:lnSpc>
+                <a:spcPct val="100000"/>
+              </a:lnSpc>
+              <a:spcBef>
+                <a:spcPts val="0"/>
+              </a:spcBef>
+              <a:spcAft>
+                <a:spcPts val="0"/>
+              </a:spcAft>
+              <a:buNone/>
+            </a:pPr>
+            <a:r>
+              <a:rPr lang="en-GB"/>
+              <a:t>PUT /pets/:id: Updates a pet with the specified ID.</a:t>
             </a:r>
             <a:endParaRPr/>
           </a:p>
@@ -20434,7 +20820,7 @@
   <p:cSld>
     <p:spTree>
       <p:nvGrpSpPr>
-        <p:cNvPr id="214" name="Shape 214"/>
+        <p:cNvPr id="215" name="Shape 215"/>
         <p:cNvGrpSpPr/>
         <p:nvPr/>
       </p:nvGrpSpPr>
@@ -20448,7 +20834,7 @@
       </p:grpSpPr>
       <p:sp>
         <p:nvSpPr>
-          <p:cNvPr id="215" name="Google Shape;215;g225db79a03c_0_157"/>
+          <p:cNvPr id="216" name="Google Shape;216;g24b82d337bd_0_40"/>
           <p:cNvSpPr txBox="1"/>
           <p:nvPr>
             <p:ph type="title"/>
@@ -20483,12 +20869,11 @@
               <a:spcAft>
                 <a:spcPts val="0"/>
               </a:spcAft>
-              <a:buSzPts val="1800"/>
               <a:buNone/>
             </a:pPr>
             <a:r>
               <a:rPr lang="en-GB"/>
-              <a:t>Practice Project: Pets API - Overview</a:t>
+              <a:t>Practice Project: Pets API - Setup</a:t>
             </a:r>
             <a:endParaRPr/>
           </a:p>
@@ -20496,7 +20881,7 @@
       </p:sp>
       <p:sp>
         <p:nvSpPr>
-          <p:cNvPr id="216" name="Google Shape;216;g225db79a03c_0_157"/>
+          <p:cNvPr id="217" name="Google Shape;217;g24b82d337bd_0_40"/>
           <p:cNvSpPr txBox="1"/>
           <p:nvPr>
             <p:ph idx="2" type="title"/>
@@ -20504,8 +20889,8 @@
         </p:nvSpPr>
         <p:spPr>
           <a:xfrm>
-            <a:off x="793325" y="1083450"/>
-            <a:ext cx="7348800" cy="2976600"/>
+            <a:off x="871650" y="1319600"/>
+            <a:ext cx="7400700" cy="3371100"/>
           </a:xfrm>
           <a:prstGeom prst="rect">
             <a:avLst/>
@@ -20521,26 +20906,27 @@
           </a:bodyPr>
           <a:lstStyle/>
           <a:p>
-            <a:pPr indent="0" lvl="0" marL="0" rtl="0" algn="l">
-              <a:lnSpc>
-                <a:spcPct val="100000"/>
-              </a:lnSpc>
-              <a:spcBef>
-                <a:spcPts val="0"/>
-              </a:spcBef>
-              <a:spcAft>
-                <a:spcPts val="0"/>
-              </a:spcAft>
-              <a:buNone/>
+            <a:pPr indent="-317500" lvl="0" marL="457200" rtl="0" algn="l">
+              <a:lnSpc>
+                <a:spcPct val="100000"/>
+              </a:lnSpc>
+              <a:spcBef>
+                <a:spcPts val="0"/>
+              </a:spcBef>
+              <a:spcAft>
+                <a:spcPts val="0"/>
+              </a:spcAft>
+              <a:buSzPts val="1400"/>
+              <a:buChar char="●"/>
             </a:pPr>
             <a:r>
               <a:rPr lang="en-GB"/>
-              <a:t>Let's create a simple pets API using Express.js. The API will allow users to create, read, update, and delete pets. </a:t>
+              <a:t>In order to create the API, go back to the terminal and create a new directory called pets-api and navigate into it.</a:t>
             </a:r>
             <a:endParaRPr/>
           </a:p>
           <a:p>
-            <a:pPr indent="0" lvl="0" marL="0" rtl="0" algn="l">
+            <a:pPr indent="457200" lvl="0" marL="0" rtl="0" algn="l">
               <a:lnSpc>
                 <a:spcPct val="100000"/>
               </a:lnSpc>
@@ -20558,21 +20944,98 @@
             <a:endParaRPr/>
           </a:p>
           <a:p>
-            <a:pPr indent="0" lvl="0" marL="0" rtl="0" algn="l">
-              <a:lnSpc>
-                <a:spcPct val="100000"/>
-              </a:lnSpc>
-              <a:spcBef>
-                <a:spcPts val="0"/>
-              </a:spcBef>
-              <a:spcAft>
-                <a:spcPts val="0"/>
-              </a:spcAft>
-              <a:buNone/>
+            <a:pPr indent="457200" lvl="0" marL="0" rtl="0" algn="l">
+              <a:lnSpc>
+                <a:spcPct val="100000"/>
+              </a:lnSpc>
+              <a:spcBef>
+                <a:spcPts val="0"/>
+              </a:spcBef>
+              <a:spcAft>
+                <a:spcPts val="0"/>
+              </a:spcAft>
+              <a:buNone/>
+            </a:pPr>
+            <a:r>
+              <a:rPr lang="en-GB" sz="1200">
+                <a:latin typeface="Source Code Pro SemiBold"/>
+                <a:ea typeface="Source Code Pro SemiBold"/>
+                <a:cs typeface="Source Code Pro SemiBold"/>
+                <a:sym typeface="Source Code Pro SemiBold"/>
+              </a:rPr>
+              <a:t>mkdir pets-api</a:t>
+            </a:r>
+            <a:endParaRPr sz="1200">
+              <a:latin typeface="Source Code Pro SemiBold"/>
+              <a:ea typeface="Source Code Pro SemiBold"/>
+              <a:cs typeface="Source Code Pro SemiBold"/>
+              <a:sym typeface="Source Code Pro SemiBold"/>
+            </a:endParaRPr>
+          </a:p>
+          <a:p>
+            <a:pPr indent="457200" lvl="0" marL="0" rtl="0" algn="l">
+              <a:lnSpc>
+                <a:spcPct val="100000"/>
+              </a:lnSpc>
+              <a:spcBef>
+                <a:spcPts val="0"/>
+              </a:spcBef>
+              <a:spcAft>
+                <a:spcPts val="0"/>
+              </a:spcAft>
+              <a:buNone/>
+            </a:pPr>
+            <a:r>
+              <a:rPr lang="en-GB" sz="1200">
+                <a:latin typeface="Source Code Pro SemiBold"/>
+                <a:ea typeface="Source Code Pro SemiBold"/>
+                <a:cs typeface="Source Code Pro SemiBold"/>
+                <a:sym typeface="Source Code Pro SemiBold"/>
+              </a:rPr>
+              <a:t>cd pets-api</a:t>
+            </a:r>
+            <a:endParaRPr sz="1200">
+              <a:latin typeface="Source Code Pro SemiBold"/>
+              <a:ea typeface="Source Code Pro SemiBold"/>
+              <a:cs typeface="Source Code Pro SemiBold"/>
+              <a:sym typeface="Source Code Pro SemiBold"/>
+            </a:endParaRPr>
+          </a:p>
+          <a:p>
+            <a:pPr indent="0" lvl="0" marL="0" rtl="0" algn="l">
+              <a:lnSpc>
+                <a:spcPct val="100000"/>
+              </a:lnSpc>
+              <a:spcBef>
+                <a:spcPts val="0"/>
+              </a:spcBef>
+              <a:spcAft>
+                <a:spcPts val="0"/>
+              </a:spcAft>
+              <a:buNone/>
+            </a:pPr>
+            <a:r>
+              <a:t/>
+            </a:r>
+            <a:endParaRPr/>
+          </a:p>
+          <a:p>
+            <a:pPr indent="-317500" lvl="0" marL="457200" rtl="0" algn="l">
+              <a:lnSpc>
+                <a:spcPct val="100000"/>
+              </a:lnSpc>
+              <a:spcBef>
+                <a:spcPts val="0"/>
+              </a:spcBef>
+              <a:spcAft>
+                <a:spcPts val="0"/>
+              </a:spcAft>
+              <a:buSzPts val="1400"/>
+              <a:buChar char="●"/>
             </a:pPr>
             <a:r>
               <a:rPr lang="en-GB"/>
-              <a:t>Q: What are the routes that we need to create?</a:t>
+              <a:t>Next, initialize a new Node.js project using the npm init command. You can use the default values for the prompts.</a:t>
             </a:r>
             <a:endParaRPr/>
           </a:p>
@@ -20609,25 +21072,59 @@
             </a:pPr>
             <a:r>
               <a:rPr lang="en-GB"/>
-              <a:t>GET /pets: Returns a list of pets.</a:t>
+              <a:t>	</a:t>
+            </a:r>
+            <a:r>
+              <a:rPr lang="en-GB" sz="1200">
+                <a:latin typeface="Source Code Pro SemiBold"/>
+                <a:ea typeface="Source Code Pro SemiBold"/>
+                <a:cs typeface="Source Code Pro SemiBold"/>
+                <a:sym typeface="Source Code Pro SemiBold"/>
+              </a:rPr>
+              <a:t>npm init -y</a:t>
+            </a:r>
+            <a:endParaRPr sz="1200">
+              <a:latin typeface="Source Code Pro SemiBold"/>
+              <a:ea typeface="Source Code Pro SemiBold"/>
+              <a:cs typeface="Source Code Pro SemiBold"/>
+              <a:sym typeface="Source Code Pro SemiBold"/>
+            </a:endParaRPr>
+          </a:p>
+          <a:p>
+            <a:pPr indent="0" lvl="0" marL="0" rtl="0" algn="l">
+              <a:lnSpc>
+                <a:spcPct val="100000"/>
+              </a:lnSpc>
+              <a:spcBef>
+                <a:spcPts val="0"/>
+              </a:spcBef>
+              <a:spcAft>
+                <a:spcPts val="0"/>
+              </a:spcAft>
+              <a:buNone/>
+            </a:pPr>
+            <a:r>
+              <a:t/>
             </a:r>
             <a:endParaRPr/>
           </a:p>
           <a:p>
-            <a:pPr indent="0" lvl="0" marL="0" rtl="0" algn="l">
-              <a:lnSpc>
-                <a:spcPct val="100000"/>
-              </a:lnSpc>
-              <a:spcBef>
-                <a:spcPts val="0"/>
-              </a:spcBef>
-              <a:spcAft>
-                <a:spcPts val="0"/>
-              </a:spcAft>
-              <a:buNone/>
-            </a:pPr>
-            <a:r>
-              <a:t/>
+            <a:pPr indent="-317500" lvl="0" marL="457200" rtl="0" algn="l">
+              <a:lnSpc>
+                <a:spcPct val="100000"/>
+              </a:lnSpc>
+              <a:spcBef>
+                <a:spcPts val="0"/>
+              </a:spcBef>
+              <a:spcAft>
+                <a:spcPts val="0"/>
+              </a:spcAft>
+              <a:buSzPts val="1400"/>
+              <a:buChar char="●"/>
+            </a:pPr>
+            <a:r>
+              <a:rPr lang="en-GB"/>
+              <a:t>Finally, install Express.js as a dependency using the npm install express command.</a:t>
             </a:r>
             <a:endParaRPr/>
           </a:p>
@@ -20646,7 +21143,7 @@
             </a:pPr>
             <a:r>
               <a:rPr lang="en-GB"/>
-              <a:t>GET /pets/:id: Returns a pet with the specified ID.</a:t>
+              <a:t>	</a:t>
             </a:r>
             <a:endParaRPr/>
           </a:p>
@@ -20664,101 +21161,24 @@
               <a:buNone/>
             </a:pPr>
             <a:r>
-              <a:t/>
-            </a:r>
-            <a:endParaRPr/>
-          </a:p>
-          <a:p>
-            <a:pPr indent="0" lvl="0" marL="0" rtl="0" algn="l">
-              <a:lnSpc>
-                <a:spcPct val="100000"/>
-              </a:lnSpc>
-              <a:spcBef>
-                <a:spcPts val="0"/>
-              </a:spcBef>
-              <a:spcAft>
-                <a:spcPts val="0"/>
-              </a:spcAft>
-              <a:buNone/>
-            </a:pPr>
-            <a:r>
               <a:rPr lang="en-GB"/>
-              <a:t>POST /pets: Creates a new pet.</a:t>
-            </a:r>
-            <a:endParaRPr/>
-          </a:p>
-          <a:p>
-            <a:pPr indent="0" lvl="0" marL="0" rtl="0" algn="l">
-              <a:lnSpc>
-                <a:spcPct val="100000"/>
-              </a:lnSpc>
-              <a:spcBef>
-                <a:spcPts val="0"/>
-              </a:spcBef>
-              <a:spcAft>
-                <a:spcPts val="0"/>
-              </a:spcAft>
-              <a:buNone/>
-            </a:pPr>
-            <a:r>
-              <a:t/>
-            </a:r>
-            <a:endParaRPr/>
-          </a:p>
-          <a:p>
-            <a:pPr indent="0" lvl="0" marL="0" rtl="0" algn="l">
-              <a:lnSpc>
-                <a:spcPct val="100000"/>
-              </a:lnSpc>
-              <a:spcBef>
-                <a:spcPts val="0"/>
-              </a:spcBef>
-              <a:spcAft>
-                <a:spcPts val="0"/>
-              </a:spcAft>
-              <a:buNone/>
-            </a:pPr>
-            <a:r>
-              <a:rPr lang="en-GB"/>
-              <a:t>PUT /pets/:id: Updates a pet with the specified ID.</a:t>
-            </a:r>
-            <a:endParaRPr/>
-          </a:p>
-          <a:p>
-            <a:pPr indent="0" lvl="0" marL="0" rtl="0" algn="l">
-              <a:lnSpc>
-                <a:spcPct val="100000"/>
-              </a:lnSpc>
-              <a:spcBef>
-                <a:spcPts val="0"/>
-              </a:spcBef>
-              <a:spcAft>
-                <a:spcPts val="0"/>
-              </a:spcAft>
-              <a:buNone/>
-            </a:pPr>
-            <a:r>
-              <a:t/>
-            </a:r>
-            <a:endParaRPr/>
-          </a:p>
-          <a:p>
-            <a:pPr indent="0" lvl="0" marL="0" rtl="0" algn="l">
-              <a:lnSpc>
-                <a:spcPct val="100000"/>
-              </a:lnSpc>
-              <a:spcBef>
-                <a:spcPts val="0"/>
-              </a:spcBef>
-              <a:spcAft>
-                <a:spcPts val="0"/>
-              </a:spcAft>
-              <a:buNone/>
-            </a:pPr>
-            <a:r>
-              <a:t/>
-            </a:r>
-            <a:endParaRPr/>
+              <a:t>	</a:t>
+            </a:r>
+            <a:r>
+              <a:rPr lang="en-GB" sz="1200">
+                <a:latin typeface="Source Code Pro SemiBold"/>
+                <a:ea typeface="Source Code Pro SemiBold"/>
+                <a:cs typeface="Source Code Pro SemiBold"/>
+                <a:sym typeface="Source Code Pro SemiBold"/>
+              </a:rPr>
+              <a:t>npm install express</a:t>
+            </a:r>
+            <a:endParaRPr sz="1200">
+              <a:latin typeface="Source Code Pro SemiBold"/>
+              <a:ea typeface="Source Code Pro SemiBold"/>
+              <a:cs typeface="Source Code Pro SemiBold"/>
+              <a:sym typeface="Source Code Pro SemiBold"/>
+            </a:endParaRPr>
           </a:p>
         </p:txBody>
       </p:sp>
@@ -20969,382 +21389,7 @@
   <p:cSld>
     <p:spTree>
       <p:nvGrpSpPr>
-        <p:cNvPr id="220" name="Shape 220"/>
-        <p:cNvGrpSpPr/>
-        <p:nvPr/>
-      </p:nvGrpSpPr>
-      <p:grpSpPr>
-        <a:xfrm>
-          <a:off x="0" y="0"/>
-          <a:ext cx="0" cy="0"/>
-          <a:chOff x="0" y="0"/>
-          <a:chExt cx="0" cy="0"/>
-        </a:xfrm>
-      </p:grpSpPr>
-      <p:sp>
-        <p:nvSpPr>
-          <p:cNvPr id="221" name="Google Shape;221;g24b82d337bd_0_40"/>
-          <p:cNvSpPr txBox="1"/>
-          <p:nvPr>
-            <p:ph type="title"/>
-          </p:nvPr>
-        </p:nvSpPr>
-        <p:spPr>
-          <a:xfrm>
-            <a:off x="793325" y="551900"/>
-            <a:ext cx="7726200" cy="554100"/>
-          </a:xfrm>
-          <a:prstGeom prst="rect">
-            <a:avLst/>
-          </a:prstGeom>
-          <a:noFill/>
-          <a:ln>
-            <a:noFill/>
-          </a:ln>
-        </p:spPr>
-        <p:txBody>
-          <a:bodyPr anchorCtr="0" anchor="t" bIns="91425" lIns="91425" spcFirstLastPara="1" rIns="91425" wrap="square" tIns="91425">
-            <a:spAutoFit/>
-          </a:bodyPr>
-          <a:lstStyle/>
-          <a:p>
-            <a:pPr indent="0" lvl="0" marL="0" rtl="0" algn="l">
-              <a:lnSpc>
-                <a:spcPct val="100000"/>
-              </a:lnSpc>
-              <a:spcBef>
-                <a:spcPts val="0"/>
-              </a:spcBef>
-              <a:spcAft>
-                <a:spcPts val="0"/>
-              </a:spcAft>
-              <a:buNone/>
-            </a:pPr>
-            <a:r>
-              <a:rPr lang="en-GB"/>
-              <a:t>Practice Project: Pets API - Setup</a:t>
-            </a:r>
-            <a:endParaRPr/>
-          </a:p>
-        </p:txBody>
-      </p:sp>
-      <p:sp>
-        <p:nvSpPr>
-          <p:cNvPr id="222" name="Google Shape;222;g24b82d337bd_0_40"/>
-          <p:cNvSpPr txBox="1"/>
-          <p:nvPr>
-            <p:ph idx="2" type="title"/>
-          </p:nvPr>
-        </p:nvSpPr>
-        <p:spPr>
-          <a:xfrm>
-            <a:off x="871650" y="1319600"/>
-            <a:ext cx="7400700" cy="3371100"/>
-          </a:xfrm>
-          <a:prstGeom prst="rect">
-            <a:avLst/>
-          </a:prstGeom>
-          <a:noFill/>
-          <a:ln>
-            <a:noFill/>
-          </a:ln>
-        </p:spPr>
-        <p:txBody>
-          <a:bodyPr anchorCtr="0" anchor="t" bIns="91425" lIns="91425" spcFirstLastPara="1" rIns="91425" wrap="square" tIns="91425">
-            <a:noAutofit/>
-          </a:bodyPr>
-          <a:lstStyle/>
-          <a:p>
-            <a:pPr indent="-317500" lvl="0" marL="457200" rtl="0" algn="l">
-              <a:lnSpc>
-                <a:spcPct val="100000"/>
-              </a:lnSpc>
-              <a:spcBef>
-                <a:spcPts val="0"/>
-              </a:spcBef>
-              <a:spcAft>
-                <a:spcPts val="0"/>
-              </a:spcAft>
-              <a:buSzPts val="1400"/>
-              <a:buChar char="●"/>
-            </a:pPr>
-            <a:r>
-              <a:rPr lang="en-GB"/>
-              <a:t>In order to create the API, go back to the terminal and create a new directory called pets-api and navigate into it.</a:t>
-            </a:r>
-            <a:endParaRPr/>
-          </a:p>
-          <a:p>
-            <a:pPr indent="457200" lvl="0" marL="0" rtl="0" algn="l">
-              <a:lnSpc>
-                <a:spcPct val="100000"/>
-              </a:lnSpc>
-              <a:spcBef>
-                <a:spcPts val="0"/>
-              </a:spcBef>
-              <a:spcAft>
-                <a:spcPts val="0"/>
-              </a:spcAft>
-              <a:buNone/>
-            </a:pPr>
-            <a:r>
-              <a:t/>
-            </a:r>
-            <a:endParaRPr/>
-          </a:p>
-          <a:p>
-            <a:pPr indent="457200" lvl="0" marL="0" rtl="0" algn="l">
-              <a:lnSpc>
-                <a:spcPct val="100000"/>
-              </a:lnSpc>
-              <a:spcBef>
-                <a:spcPts val="0"/>
-              </a:spcBef>
-              <a:spcAft>
-                <a:spcPts val="0"/>
-              </a:spcAft>
-              <a:buNone/>
-            </a:pPr>
-            <a:r>
-              <a:rPr lang="en-GB" sz="1200">
-                <a:latin typeface="Source Code Pro SemiBold"/>
-                <a:ea typeface="Source Code Pro SemiBold"/>
-                <a:cs typeface="Source Code Pro SemiBold"/>
-                <a:sym typeface="Source Code Pro SemiBold"/>
-              </a:rPr>
-              <a:t>mkdir pets-api</a:t>
-            </a:r>
-            <a:endParaRPr sz="1200">
-              <a:latin typeface="Source Code Pro SemiBold"/>
-              <a:ea typeface="Source Code Pro SemiBold"/>
-              <a:cs typeface="Source Code Pro SemiBold"/>
-              <a:sym typeface="Source Code Pro SemiBold"/>
-            </a:endParaRPr>
-          </a:p>
-          <a:p>
-            <a:pPr indent="457200" lvl="0" marL="0" rtl="0" algn="l">
-              <a:lnSpc>
-                <a:spcPct val="100000"/>
-              </a:lnSpc>
-              <a:spcBef>
-                <a:spcPts val="0"/>
-              </a:spcBef>
-              <a:spcAft>
-                <a:spcPts val="0"/>
-              </a:spcAft>
-              <a:buNone/>
-            </a:pPr>
-            <a:r>
-              <a:rPr lang="en-GB" sz="1200">
-                <a:latin typeface="Source Code Pro SemiBold"/>
-                <a:ea typeface="Source Code Pro SemiBold"/>
-                <a:cs typeface="Source Code Pro SemiBold"/>
-                <a:sym typeface="Source Code Pro SemiBold"/>
-              </a:rPr>
-              <a:t>cd pets-api</a:t>
-            </a:r>
-            <a:endParaRPr sz="1200">
-              <a:latin typeface="Source Code Pro SemiBold"/>
-              <a:ea typeface="Source Code Pro SemiBold"/>
-              <a:cs typeface="Source Code Pro SemiBold"/>
-              <a:sym typeface="Source Code Pro SemiBold"/>
-            </a:endParaRPr>
-          </a:p>
-          <a:p>
-            <a:pPr indent="0" lvl="0" marL="0" rtl="0" algn="l">
-              <a:lnSpc>
-                <a:spcPct val="100000"/>
-              </a:lnSpc>
-              <a:spcBef>
-                <a:spcPts val="0"/>
-              </a:spcBef>
-              <a:spcAft>
-                <a:spcPts val="0"/>
-              </a:spcAft>
-              <a:buNone/>
-            </a:pPr>
-            <a:r>
-              <a:t/>
-            </a:r>
-            <a:endParaRPr/>
-          </a:p>
-          <a:p>
-            <a:pPr indent="-317500" lvl="0" marL="457200" rtl="0" algn="l">
-              <a:lnSpc>
-                <a:spcPct val="100000"/>
-              </a:lnSpc>
-              <a:spcBef>
-                <a:spcPts val="0"/>
-              </a:spcBef>
-              <a:spcAft>
-                <a:spcPts val="0"/>
-              </a:spcAft>
-              <a:buSzPts val="1400"/>
-              <a:buChar char="●"/>
-            </a:pPr>
-            <a:r>
-              <a:rPr lang="en-GB"/>
-              <a:t>Next, initialize a new Node.js project using the npm init command. You can use the default values for the prompts.</a:t>
-            </a:r>
-            <a:endParaRPr/>
-          </a:p>
-          <a:p>
-            <a:pPr indent="0" lvl="0" marL="0" rtl="0" algn="l">
-              <a:lnSpc>
-                <a:spcPct val="100000"/>
-              </a:lnSpc>
-              <a:spcBef>
-                <a:spcPts val="0"/>
-              </a:spcBef>
-              <a:spcAft>
-                <a:spcPts val="0"/>
-              </a:spcAft>
-              <a:buNone/>
-            </a:pPr>
-            <a:r>
-              <a:t/>
-            </a:r>
-            <a:endParaRPr/>
-          </a:p>
-          <a:p>
-            <a:pPr indent="0" lvl="0" marL="0" rtl="0" algn="l">
-              <a:lnSpc>
-                <a:spcPct val="100000"/>
-              </a:lnSpc>
-              <a:spcBef>
-                <a:spcPts val="0"/>
-              </a:spcBef>
-              <a:spcAft>
-                <a:spcPts val="0"/>
-              </a:spcAft>
-              <a:buNone/>
-            </a:pPr>
-            <a:r>
-              <a:rPr lang="en-GB"/>
-              <a:t>	</a:t>
-            </a:r>
-            <a:r>
-              <a:rPr lang="en-GB" sz="1200">
-                <a:latin typeface="Source Code Pro SemiBold"/>
-                <a:ea typeface="Source Code Pro SemiBold"/>
-                <a:cs typeface="Source Code Pro SemiBold"/>
-                <a:sym typeface="Source Code Pro SemiBold"/>
-              </a:rPr>
-              <a:t>npm init -y</a:t>
-            </a:r>
-            <a:endParaRPr sz="1200">
-              <a:latin typeface="Source Code Pro SemiBold"/>
-              <a:ea typeface="Source Code Pro SemiBold"/>
-              <a:cs typeface="Source Code Pro SemiBold"/>
-              <a:sym typeface="Source Code Pro SemiBold"/>
-            </a:endParaRPr>
-          </a:p>
-          <a:p>
-            <a:pPr indent="0" lvl="0" marL="0" rtl="0" algn="l">
-              <a:lnSpc>
-                <a:spcPct val="100000"/>
-              </a:lnSpc>
-              <a:spcBef>
-                <a:spcPts val="0"/>
-              </a:spcBef>
-              <a:spcAft>
-                <a:spcPts val="0"/>
-              </a:spcAft>
-              <a:buNone/>
-            </a:pPr>
-            <a:r>
-              <a:t/>
-            </a:r>
-            <a:endParaRPr/>
-          </a:p>
-          <a:p>
-            <a:pPr indent="-317500" lvl="0" marL="457200" rtl="0" algn="l">
-              <a:lnSpc>
-                <a:spcPct val="100000"/>
-              </a:lnSpc>
-              <a:spcBef>
-                <a:spcPts val="0"/>
-              </a:spcBef>
-              <a:spcAft>
-                <a:spcPts val="0"/>
-              </a:spcAft>
-              <a:buSzPts val="1400"/>
-              <a:buChar char="●"/>
-            </a:pPr>
-            <a:r>
-              <a:rPr lang="en-GB"/>
-              <a:t>Finally, install Express.js as a dependency using the npm install express command.</a:t>
-            </a:r>
-            <a:endParaRPr/>
-          </a:p>
-          <a:p>
-            <a:pPr indent="0" lvl="0" marL="0" rtl="0" algn="l">
-              <a:lnSpc>
-                <a:spcPct val="100000"/>
-              </a:lnSpc>
-              <a:spcBef>
-                <a:spcPts val="0"/>
-              </a:spcBef>
-              <a:spcAft>
-                <a:spcPts val="0"/>
-              </a:spcAft>
-              <a:buNone/>
-            </a:pPr>
-            <a:r>
-              <a:rPr lang="en-GB"/>
-              <a:t>	</a:t>
-            </a:r>
-            <a:endParaRPr/>
-          </a:p>
-          <a:p>
-            <a:pPr indent="0" lvl="0" marL="0" rtl="0" algn="l">
-              <a:lnSpc>
-                <a:spcPct val="100000"/>
-              </a:lnSpc>
-              <a:spcBef>
-                <a:spcPts val="0"/>
-              </a:spcBef>
-              <a:spcAft>
-                <a:spcPts val="0"/>
-              </a:spcAft>
-              <a:buNone/>
-            </a:pPr>
-            <a:r>
-              <a:rPr lang="en-GB"/>
-              <a:t>	</a:t>
-            </a:r>
-            <a:r>
-              <a:rPr lang="en-GB" sz="1200">
-                <a:latin typeface="Source Code Pro SemiBold"/>
-                <a:ea typeface="Source Code Pro SemiBold"/>
-                <a:cs typeface="Source Code Pro SemiBold"/>
-                <a:sym typeface="Source Code Pro SemiBold"/>
-              </a:rPr>
-              <a:t>npm install express</a:t>
-            </a:r>
-            <a:endParaRPr sz="1200">
-              <a:latin typeface="Source Code Pro SemiBold"/>
-              <a:ea typeface="Source Code Pro SemiBold"/>
-              <a:cs typeface="Source Code Pro SemiBold"/>
-              <a:sym typeface="Source Code Pro SemiBold"/>
-            </a:endParaRPr>
-          </a:p>
-        </p:txBody>
-      </p:sp>
-    </p:spTree>
-  </p:cSld>
-  <p:clrMapOvr>
-    <a:masterClrMapping/>
-  </p:clrMapOvr>
-</p:sld>
-</file>
-
-<file path=ppt/slides/slide31.xml><?xml version="1.0" encoding="utf-8"?>
-<p:sld xmlns:a="http://schemas.openxmlformats.org/drawingml/2006/main" xmlns:r="http://schemas.openxmlformats.org/officeDocument/2006/relationships" xmlns:mc="http://schemas.openxmlformats.org/markup-compatibility/2006" xmlns:mv="urn:schemas-microsoft-com:mac:vml" xmlns:p="http://schemas.openxmlformats.org/presentationml/2006/main" xmlns:c="http://schemas.openxmlformats.org/drawingml/2006/chart" xmlns:dgm="http://schemas.openxmlformats.org/drawingml/2006/diagram" xmlns:o="urn:schemas-microsoft-com:office:office" xmlns:v="urn:schemas-microsoft-com:vml" xmlns:pvml="urn:schemas-microsoft-com:office:powerpoint" xmlns:com="http://schemas.openxmlformats.org/drawingml/2006/compatibility" xmlns:p14="http://schemas.microsoft.com/office/powerpoint/2010/main" xmlns:p15="http://schemas.microsoft.com/office/powerpoint/2012/main" xmlns:ahyp="http://schemas.microsoft.com/office/drawing/2018/hyperlinkcolor">
-  <p:cSld>
-    <p:spTree>
-      <p:nvGrpSpPr>
-        <p:cNvPr id="226" name="Shape 226"/>
+        <p:cNvPr id="221" name="Shape 221"/>
         <p:cNvGrpSpPr/>
         <p:nvPr/>
       </p:nvGrpSpPr>
@@ -21358,7 +21403,7 @@
       </p:grpSpPr>
       <p:pic>
         <p:nvPicPr>
-          <p:cNvPr id="227" name="Google Shape;227;g225db79a03c_1_0"/>
+          <p:cNvPr id="222" name="Google Shape;222;g225db79a03c_1_0"/>
           <p:cNvPicPr preferRelativeResize="0"/>
           <p:nvPr/>
         </p:nvPicPr>
@@ -21392,12 +21437,12 @@
 </p:sld>
 </file>
 
-<file path=ppt/slides/slide32.xml><?xml version="1.0" encoding="utf-8"?>
+<file path=ppt/slides/slide31.xml><?xml version="1.0" encoding="utf-8"?>
 <p:sld xmlns:a="http://schemas.openxmlformats.org/drawingml/2006/main" xmlns:r="http://schemas.openxmlformats.org/officeDocument/2006/relationships" xmlns:mc="http://schemas.openxmlformats.org/markup-compatibility/2006" xmlns:mv="urn:schemas-microsoft-com:mac:vml" xmlns:p="http://schemas.openxmlformats.org/presentationml/2006/main" xmlns:c="http://schemas.openxmlformats.org/drawingml/2006/chart" xmlns:dgm="http://schemas.openxmlformats.org/drawingml/2006/diagram" xmlns:o="urn:schemas-microsoft-com:office:office" xmlns:v="urn:schemas-microsoft-com:vml" xmlns:pvml="urn:schemas-microsoft-com:office:powerpoint" xmlns:com="http://schemas.openxmlformats.org/drawingml/2006/compatibility" xmlns:p14="http://schemas.microsoft.com/office/powerpoint/2010/main" xmlns:p15="http://schemas.microsoft.com/office/powerpoint/2012/main" xmlns:ahyp="http://schemas.microsoft.com/office/drawing/2018/hyperlinkcolor">
   <p:cSld>
     <p:spTree>
       <p:nvGrpSpPr>
-        <p:cNvPr id="231" name="Shape 231"/>
+        <p:cNvPr id="226" name="Shape 226"/>
         <p:cNvGrpSpPr/>
         <p:nvPr/>
       </p:nvGrpSpPr>
@@ -21411,7 +21456,7 @@
       </p:grpSpPr>
       <p:sp>
         <p:nvSpPr>
-          <p:cNvPr id="232" name="Google Shape;232;g225db79a03c_1_6"/>
+          <p:cNvPr id="227" name="Google Shape;227;g225db79a03c_1_6"/>
           <p:cNvSpPr txBox="1"/>
           <p:nvPr>
             <p:ph type="title"/>
@@ -21458,7 +21503,7 @@
       </p:sp>
       <p:sp>
         <p:nvSpPr>
-          <p:cNvPr id="233" name="Google Shape;233;g225db79a03c_1_6"/>
+          <p:cNvPr id="228" name="Google Shape;228;g225db79a03c_1_6"/>
           <p:cNvSpPr txBox="1"/>
           <p:nvPr>
             <p:ph idx="2" type="title"/>
@@ -21802,12 +21847,12 @@
 </p:sld>
 </file>
 
-<file path=ppt/slides/slide33.xml><?xml version="1.0" encoding="utf-8"?>
+<file path=ppt/slides/slide32.xml><?xml version="1.0" encoding="utf-8"?>
 <p:sld xmlns:a="http://schemas.openxmlformats.org/drawingml/2006/main" xmlns:r="http://schemas.openxmlformats.org/officeDocument/2006/relationships" xmlns:mc="http://schemas.openxmlformats.org/markup-compatibility/2006" xmlns:mv="urn:schemas-microsoft-com:mac:vml" xmlns:p="http://schemas.openxmlformats.org/presentationml/2006/main" xmlns:c="http://schemas.openxmlformats.org/drawingml/2006/chart" xmlns:dgm="http://schemas.openxmlformats.org/drawingml/2006/diagram" xmlns:o="urn:schemas-microsoft-com:office:office" xmlns:v="urn:schemas-microsoft-com:vml" xmlns:pvml="urn:schemas-microsoft-com:office:powerpoint" xmlns:com="http://schemas.openxmlformats.org/drawingml/2006/compatibility" xmlns:p14="http://schemas.microsoft.com/office/powerpoint/2010/main" xmlns:p15="http://schemas.microsoft.com/office/powerpoint/2012/main" xmlns:ahyp="http://schemas.microsoft.com/office/drawing/2018/hyperlinkcolor">
   <p:cSld>
     <p:spTree>
       <p:nvGrpSpPr>
-        <p:cNvPr id="237" name="Shape 237"/>
+        <p:cNvPr id="232" name="Shape 232"/>
         <p:cNvGrpSpPr/>
         <p:nvPr/>
       </p:nvGrpSpPr>
@@ -21821,7 +21866,7 @@
       </p:grpSpPr>
       <p:pic>
         <p:nvPicPr>
-          <p:cNvPr id="238" name="Google Shape;238;g225db79a03c_1_11"/>
+          <p:cNvPr id="233" name="Google Shape;233;g225db79a03c_1_11"/>
           <p:cNvPicPr preferRelativeResize="0"/>
           <p:nvPr/>
         </p:nvPicPr>
@@ -21854,12 +21899,12 @@
 </p:sld>
 </file>
 
-<file path=ppt/slides/slide34.xml><?xml version="1.0" encoding="utf-8"?>
+<file path=ppt/slides/slide33.xml><?xml version="1.0" encoding="utf-8"?>
 <p:sld xmlns:a="http://schemas.openxmlformats.org/drawingml/2006/main" xmlns:r="http://schemas.openxmlformats.org/officeDocument/2006/relationships" xmlns:mc="http://schemas.openxmlformats.org/markup-compatibility/2006" xmlns:mv="urn:schemas-microsoft-com:mac:vml" xmlns:p="http://schemas.openxmlformats.org/presentationml/2006/main" xmlns:c="http://schemas.openxmlformats.org/drawingml/2006/chart" xmlns:dgm="http://schemas.openxmlformats.org/drawingml/2006/diagram" xmlns:o="urn:schemas-microsoft-com:office:office" xmlns:v="urn:schemas-microsoft-com:vml" xmlns:pvml="urn:schemas-microsoft-com:office:powerpoint" xmlns:com="http://schemas.openxmlformats.org/drawingml/2006/compatibility" xmlns:p14="http://schemas.microsoft.com/office/powerpoint/2010/main" xmlns:p15="http://schemas.microsoft.com/office/powerpoint/2012/main" xmlns:ahyp="http://schemas.microsoft.com/office/drawing/2018/hyperlinkcolor">
   <p:cSld>
     <p:spTree>
       <p:nvGrpSpPr>
-        <p:cNvPr id="242" name="Shape 242"/>
+        <p:cNvPr id="237" name="Shape 237"/>
         <p:cNvGrpSpPr/>
         <p:nvPr/>
       </p:nvGrpSpPr>
@@ -21873,7 +21918,7 @@
       </p:grpSpPr>
       <p:sp>
         <p:nvSpPr>
-          <p:cNvPr id="243" name="Google Shape;243;g225db79a03c_1_19"/>
+          <p:cNvPr id="238" name="Google Shape;238;g225db79a03c_1_19"/>
           <p:cNvSpPr txBox="1"/>
           <p:nvPr>
             <p:ph type="title"/>
@@ -21920,7 +21965,7 @@
       </p:sp>
       <p:sp>
         <p:nvSpPr>
-          <p:cNvPr id="244" name="Google Shape;244;g225db79a03c_1_19"/>
+          <p:cNvPr id="239" name="Google Shape;239;g225db79a03c_1_19"/>
           <p:cNvSpPr txBox="1"/>
           <p:nvPr>
             <p:ph idx="2" type="title"/>
@@ -22171,12 +22216,12 @@
 </p:sld>
 </file>
 
-<file path=ppt/slides/slide35.xml><?xml version="1.0" encoding="utf-8"?>
+<file path=ppt/slides/slide34.xml><?xml version="1.0" encoding="utf-8"?>
 <p:sld xmlns:a="http://schemas.openxmlformats.org/drawingml/2006/main" xmlns:r="http://schemas.openxmlformats.org/officeDocument/2006/relationships" xmlns:mc="http://schemas.openxmlformats.org/markup-compatibility/2006" xmlns:mv="urn:schemas-microsoft-com:mac:vml" xmlns:p="http://schemas.openxmlformats.org/presentationml/2006/main" xmlns:c="http://schemas.openxmlformats.org/drawingml/2006/chart" xmlns:dgm="http://schemas.openxmlformats.org/drawingml/2006/diagram" xmlns:o="urn:schemas-microsoft-com:office:office" xmlns:v="urn:schemas-microsoft-com:vml" xmlns:pvml="urn:schemas-microsoft-com:office:powerpoint" xmlns:com="http://schemas.openxmlformats.org/drawingml/2006/compatibility" xmlns:p14="http://schemas.microsoft.com/office/powerpoint/2010/main" xmlns:p15="http://schemas.microsoft.com/office/powerpoint/2012/main" xmlns:ahyp="http://schemas.microsoft.com/office/drawing/2018/hyperlinkcolor">
   <p:cSld>
     <p:spTree>
       <p:nvGrpSpPr>
-        <p:cNvPr id="248" name="Shape 248"/>
+        <p:cNvPr id="243" name="Shape 243"/>
         <p:cNvGrpSpPr/>
         <p:nvPr/>
       </p:nvGrpSpPr>
@@ -22190,7 +22235,7 @@
       </p:grpSpPr>
       <p:sp>
         <p:nvSpPr>
-          <p:cNvPr id="249" name="Google Shape;249;g225db79a03c_1_26"/>
+          <p:cNvPr id="244" name="Google Shape;244;g225db79a03c_1_26"/>
           <p:cNvSpPr txBox="1"/>
           <p:nvPr>
             <p:ph type="title"/>
@@ -22237,7 +22282,7 @@
       </p:sp>
       <p:sp>
         <p:nvSpPr>
-          <p:cNvPr id="250" name="Google Shape;250;g225db79a03c_1_26"/>
+          <p:cNvPr id="245" name="Google Shape;245;g225db79a03c_1_26"/>
           <p:cNvSpPr txBox="1"/>
           <p:nvPr>
             <p:ph idx="2" type="title"/>
@@ -22615,12 +22660,12 @@
 </p:sld>
 </file>
 
-<file path=ppt/slides/slide36.xml><?xml version="1.0" encoding="utf-8"?>
+<file path=ppt/slides/slide35.xml><?xml version="1.0" encoding="utf-8"?>
 <p:sld xmlns:a="http://schemas.openxmlformats.org/drawingml/2006/main" xmlns:r="http://schemas.openxmlformats.org/officeDocument/2006/relationships" xmlns:mc="http://schemas.openxmlformats.org/markup-compatibility/2006" xmlns:mv="urn:schemas-microsoft-com:mac:vml" xmlns:p="http://schemas.openxmlformats.org/presentationml/2006/main" xmlns:c="http://schemas.openxmlformats.org/drawingml/2006/chart" xmlns:dgm="http://schemas.openxmlformats.org/drawingml/2006/diagram" xmlns:o="urn:schemas-microsoft-com:office:office" xmlns:v="urn:schemas-microsoft-com:vml" xmlns:pvml="urn:schemas-microsoft-com:office:powerpoint" xmlns:com="http://schemas.openxmlformats.org/drawingml/2006/compatibility" xmlns:p14="http://schemas.microsoft.com/office/powerpoint/2010/main" xmlns:p15="http://schemas.microsoft.com/office/powerpoint/2012/main" xmlns:ahyp="http://schemas.microsoft.com/office/drawing/2018/hyperlinkcolor">
   <p:cSld>
     <p:spTree>
       <p:nvGrpSpPr>
-        <p:cNvPr id="254" name="Shape 254"/>
+        <p:cNvPr id="249" name="Shape 249"/>
         <p:cNvGrpSpPr/>
         <p:nvPr/>
       </p:nvGrpSpPr>
@@ -22634,7 +22679,7 @@
       </p:grpSpPr>
       <p:pic>
         <p:nvPicPr>
-          <p:cNvPr id="255" name="Google Shape;255;g225db79a03c_1_31"/>
+          <p:cNvPr id="250" name="Google Shape;250;g225db79a03c_1_31"/>
           <p:cNvPicPr preferRelativeResize="0"/>
           <p:nvPr/>
         </p:nvPicPr>
@@ -22668,12 +22713,12 @@
 </p:sld>
 </file>
 
-<file path=ppt/slides/slide37.xml><?xml version="1.0" encoding="utf-8"?>
+<file path=ppt/slides/slide36.xml><?xml version="1.0" encoding="utf-8"?>
 <p:sld xmlns:a="http://schemas.openxmlformats.org/drawingml/2006/main" xmlns:r="http://schemas.openxmlformats.org/officeDocument/2006/relationships" xmlns:mc="http://schemas.openxmlformats.org/markup-compatibility/2006" xmlns:mv="urn:schemas-microsoft-com:mac:vml" xmlns:p="http://schemas.openxmlformats.org/presentationml/2006/main" xmlns:c="http://schemas.openxmlformats.org/drawingml/2006/chart" xmlns:dgm="http://schemas.openxmlformats.org/drawingml/2006/diagram" xmlns:o="urn:schemas-microsoft-com:office:office" xmlns:v="urn:schemas-microsoft-com:vml" xmlns:pvml="urn:schemas-microsoft-com:office:powerpoint" xmlns:com="http://schemas.openxmlformats.org/drawingml/2006/compatibility" xmlns:p14="http://schemas.microsoft.com/office/powerpoint/2010/main" xmlns:p15="http://schemas.microsoft.com/office/powerpoint/2012/main" xmlns:ahyp="http://schemas.microsoft.com/office/drawing/2018/hyperlinkcolor">
   <p:cSld>
     <p:spTree>
       <p:nvGrpSpPr>
-        <p:cNvPr id="259" name="Shape 259"/>
+        <p:cNvPr id="254" name="Shape 254"/>
         <p:cNvGrpSpPr/>
         <p:nvPr/>
       </p:nvGrpSpPr>
@@ -22687,7 +22732,7 @@
       </p:grpSpPr>
       <p:sp>
         <p:nvSpPr>
-          <p:cNvPr id="260" name="Google Shape;260;g225db79a03c_1_41"/>
+          <p:cNvPr id="255" name="Google Shape;255;g225db79a03c_1_41"/>
           <p:cNvSpPr txBox="1"/>
           <p:nvPr>
             <p:ph type="title"/>
@@ -22734,7 +22779,7 @@
       </p:sp>
       <p:sp>
         <p:nvSpPr>
-          <p:cNvPr id="261" name="Google Shape;261;g225db79a03c_1_41"/>
+          <p:cNvPr id="256" name="Google Shape;256;g225db79a03c_1_41"/>
           <p:cNvSpPr txBox="1"/>
           <p:nvPr>
             <p:ph idx="2" type="title"/>
@@ -23135,12 +23180,12 @@
 </p:sld>
 </file>
 
-<file path=ppt/slides/slide38.xml><?xml version="1.0" encoding="utf-8"?>
+<file path=ppt/slides/slide37.xml><?xml version="1.0" encoding="utf-8"?>
 <p:sld xmlns:a="http://schemas.openxmlformats.org/drawingml/2006/main" xmlns:r="http://schemas.openxmlformats.org/officeDocument/2006/relationships" xmlns:mc="http://schemas.openxmlformats.org/markup-compatibility/2006" xmlns:mv="urn:schemas-microsoft-com:mac:vml" xmlns:p="http://schemas.openxmlformats.org/presentationml/2006/main" xmlns:c="http://schemas.openxmlformats.org/drawingml/2006/chart" xmlns:dgm="http://schemas.openxmlformats.org/drawingml/2006/diagram" xmlns:o="urn:schemas-microsoft-com:office:office" xmlns:v="urn:schemas-microsoft-com:vml" xmlns:pvml="urn:schemas-microsoft-com:office:powerpoint" xmlns:com="http://schemas.openxmlformats.org/drawingml/2006/compatibility" xmlns:p14="http://schemas.microsoft.com/office/powerpoint/2010/main" xmlns:p15="http://schemas.microsoft.com/office/powerpoint/2012/main" xmlns:ahyp="http://schemas.microsoft.com/office/drawing/2018/hyperlinkcolor">
   <p:cSld>
     <p:spTree>
       <p:nvGrpSpPr>
-        <p:cNvPr id="265" name="Shape 265"/>
+        <p:cNvPr id="260" name="Shape 260"/>
         <p:cNvGrpSpPr/>
         <p:nvPr/>
       </p:nvGrpSpPr>
@@ -23154,7 +23199,7 @@
       </p:grpSpPr>
       <p:pic>
         <p:nvPicPr>
-          <p:cNvPr id="266" name="Google Shape;266;g225db79a03c_1_46"/>
+          <p:cNvPr id="261" name="Google Shape;261;g225db79a03c_1_46"/>
           <p:cNvPicPr preferRelativeResize="0"/>
           <p:nvPr/>
         </p:nvPicPr>
@@ -23188,12 +23233,12 @@
 </p:sld>
 </file>
 
-<file path=ppt/slides/slide39.xml><?xml version="1.0" encoding="utf-8"?>
+<file path=ppt/slides/slide38.xml><?xml version="1.0" encoding="utf-8"?>
 <p:sld xmlns:a="http://schemas.openxmlformats.org/drawingml/2006/main" xmlns:r="http://schemas.openxmlformats.org/officeDocument/2006/relationships" xmlns:mc="http://schemas.openxmlformats.org/markup-compatibility/2006" xmlns:mv="urn:schemas-microsoft-com:mac:vml" xmlns:p="http://schemas.openxmlformats.org/presentationml/2006/main" xmlns:c="http://schemas.openxmlformats.org/drawingml/2006/chart" xmlns:dgm="http://schemas.openxmlformats.org/drawingml/2006/diagram" xmlns:o="urn:schemas-microsoft-com:office:office" xmlns:v="urn:schemas-microsoft-com:vml" xmlns:pvml="urn:schemas-microsoft-com:office:powerpoint" xmlns:com="http://schemas.openxmlformats.org/drawingml/2006/compatibility" xmlns:p14="http://schemas.microsoft.com/office/powerpoint/2010/main" xmlns:p15="http://schemas.microsoft.com/office/powerpoint/2012/main" xmlns:ahyp="http://schemas.microsoft.com/office/drawing/2018/hyperlinkcolor">
   <p:cSld>
     <p:spTree>
       <p:nvGrpSpPr>
-        <p:cNvPr id="270" name="Shape 270"/>
+        <p:cNvPr id="265" name="Shape 265"/>
         <p:cNvGrpSpPr/>
         <p:nvPr/>
       </p:nvGrpSpPr>
@@ -23207,7 +23252,7 @@
       </p:grpSpPr>
       <p:sp>
         <p:nvSpPr>
-          <p:cNvPr id="271" name="Google Shape;271;g225db79a03c_1_55"/>
+          <p:cNvPr id="266" name="Google Shape;266;g225db79a03c_1_55"/>
           <p:cNvSpPr txBox="1"/>
           <p:nvPr/>
         </p:nvSpPr>
@@ -23472,6 +23517,375 @@
               <a:ea typeface="Plus Jakarta Sans"/>
               <a:cs typeface="Plus Jakarta Sans"/>
               <a:sym typeface="Plus Jakarta Sans"/>
+            </a:endParaRPr>
+          </a:p>
+        </p:txBody>
+      </p:sp>
+    </p:spTree>
+  </p:cSld>
+  <p:clrMapOvr>
+    <a:masterClrMapping/>
+  </p:clrMapOvr>
+</p:sld>
+</file>
+
+<file path=ppt/slides/slide39.xml><?xml version="1.0" encoding="utf-8"?>
+<p:sld xmlns:a="http://schemas.openxmlformats.org/drawingml/2006/main" xmlns:r="http://schemas.openxmlformats.org/officeDocument/2006/relationships" xmlns:mc="http://schemas.openxmlformats.org/markup-compatibility/2006" xmlns:mv="urn:schemas-microsoft-com:mac:vml" xmlns:p="http://schemas.openxmlformats.org/presentationml/2006/main" xmlns:c="http://schemas.openxmlformats.org/drawingml/2006/chart" xmlns:dgm="http://schemas.openxmlformats.org/drawingml/2006/diagram" xmlns:o="urn:schemas-microsoft-com:office:office" xmlns:v="urn:schemas-microsoft-com:vml" xmlns:pvml="urn:schemas-microsoft-com:office:powerpoint" xmlns:com="http://schemas.openxmlformats.org/drawingml/2006/compatibility" xmlns:p14="http://schemas.microsoft.com/office/powerpoint/2010/main" xmlns:p15="http://schemas.microsoft.com/office/powerpoint/2012/main" xmlns:ahyp="http://schemas.microsoft.com/office/drawing/2018/hyperlinkcolor">
+  <p:cSld>
+    <p:spTree>
+      <p:nvGrpSpPr>
+        <p:cNvPr id="270" name="Shape 270"/>
+        <p:cNvGrpSpPr/>
+        <p:nvPr/>
+      </p:nvGrpSpPr>
+      <p:grpSpPr>
+        <a:xfrm>
+          <a:off x="0" y="0"/>
+          <a:ext cx="0" cy="0"/>
+          <a:chOff x="0" y="0"/>
+          <a:chExt cx="0" cy="0"/>
+        </a:xfrm>
+      </p:grpSpPr>
+      <p:sp>
+        <p:nvSpPr>
+          <p:cNvPr id="271" name="Google Shape;271;g225db79a03c_1_74"/>
+          <p:cNvSpPr txBox="1"/>
+          <p:nvPr>
+            <p:ph type="title"/>
+          </p:nvPr>
+        </p:nvSpPr>
+        <p:spPr>
+          <a:xfrm>
+            <a:off x="793325" y="551900"/>
+            <a:ext cx="7726200" cy="554100"/>
+          </a:xfrm>
+          <a:prstGeom prst="rect">
+            <a:avLst/>
+          </a:prstGeom>
+          <a:noFill/>
+          <a:ln>
+            <a:noFill/>
+          </a:ln>
+        </p:spPr>
+        <p:txBody>
+          <a:bodyPr anchorCtr="0" anchor="t" bIns="91425" lIns="91425" spcFirstLastPara="1" rIns="91425" wrap="square" tIns="91425">
+            <a:spAutoFit/>
+          </a:bodyPr>
+          <a:lstStyle/>
+          <a:p>
+            <a:pPr indent="0" lvl="0" marL="0" rtl="0" algn="l">
+              <a:lnSpc>
+                <a:spcPct val="100000"/>
+              </a:lnSpc>
+              <a:spcBef>
+                <a:spcPts val="0"/>
+              </a:spcBef>
+              <a:spcAft>
+                <a:spcPts val="0"/>
+              </a:spcAft>
+              <a:buNone/>
+            </a:pPr>
+            <a:r>
+              <a:rPr lang="en-GB"/>
+              <a:t>Practice Project: Pets API - The POST /pets Route</a:t>
+            </a:r>
+            <a:endParaRPr/>
+          </a:p>
+        </p:txBody>
+      </p:sp>
+      <p:sp>
+        <p:nvSpPr>
+          <p:cNvPr id="272" name="Google Shape;272;g225db79a03c_1_74"/>
+          <p:cNvSpPr txBox="1"/>
+          <p:nvPr>
+            <p:ph idx="2" type="title"/>
+          </p:nvPr>
+        </p:nvSpPr>
+        <p:spPr>
+          <a:xfrm>
+            <a:off x="793325" y="1088400"/>
+            <a:ext cx="7400700" cy="2966700"/>
+          </a:xfrm>
+          <a:prstGeom prst="rect">
+            <a:avLst/>
+          </a:prstGeom>
+          <a:noFill/>
+          <a:ln>
+            <a:noFill/>
+          </a:ln>
+        </p:spPr>
+        <p:txBody>
+          <a:bodyPr anchorCtr="0" anchor="t" bIns="91425" lIns="91425" spcFirstLastPara="1" rIns="91425" wrap="square" tIns="91425">
+            <a:noAutofit/>
+          </a:bodyPr>
+          <a:lstStyle/>
+          <a:p>
+            <a:pPr indent="0" lvl="0" marL="0" rtl="0" algn="l">
+              <a:lnSpc>
+                <a:spcPct val="100000"/>
+              </a:lnSpc>
+              <a:spcBef>
+                <a:spcPts val="0"/>
+              </a:spcBef>
+              <a:spcAft>
+                <a:spcPts val="0"/>
+              </a:spcAft>
+              <a:buNone/>
+            </a:pPr>
+            <a:r>
+              <a:rPr lang="en-GB"/>
+              <a:t>Next, create the POST /pets route. This route creates a new pet. To do this, first get the pet data from the request body and then add the pet to the list of pets. Finally, we'll send the newly created pet as a JSON response.</a:t>
+            </a:r>
+            <a:endParaRPr/>
+          </a:p>
+          <a:p>
+            <a:pPr indent="0" lvl="0" marL="0" rtl="0" algn="l">
+              <a:lnSpc>
+                <a:spcPct val="100000"/>
+              </a:lnSpc>
+              <a:spcBef>
+                <a:spcPts val="0"/>
+              </a:spcBef>
+              <a:spcAft>
+                <a:spcPts val="0"/>
+              </a:spcAft>
+              <a:buNone/>
+            </a:pPr>
+            <a:r>
+              <a:t/>
+            </a:r>
+            <a:endParaRPr/>
+          </a:p>
+          <a:p>
+            <a:pPr indent="0" lvl="0" marL="0" rtl="0" algn="l">
+              <a:lnSpc>
+                <a:spcPct val="100000"/>
+              </a:lnSpc>
+              <a:spcBef>
+                <a:spcPts val="0"/>
+              </a:spcBef>
+              <a:spcAft>
+                <a:spcPts val="0"/>
+              </a:spcAft>
+              <a:buNone/>
+            </a:pPr>
+            <a:r>
+              <a:rPr lang="en-GB" sz="1200">
+                <a:latin typeface="Source Code Pro SemiBold"/>
+                <a:ea typeface="Source Code Pro SemiBold"/>
+                <a:cs typeface="Source Code Pro SemiBold"/>
+                <a:sym typeface="Source Code Pro SemiBold"/>
+              </a:rPr>
+              <a:t>app.post("/pets", (req, res) =&gt; {</a:t>
+            </a:r>
+            <a:endParaRPr sz="1200">
+              <a:latin typeface="Source Code Pro SemiBold"/>
+              <a:ea typeface="Source Code Pro SemiBold"/>
+              <a:cs typeface="Source Code Pro SemiBold"/>
+              <a:sym typeface="Source Code Pro SemiBold"/>
+            </a:endParaRPr>
+          </a:p>
+          <a:p>
+            <a:pPr indent="0" lvl="0" marL="0" rtl="0" algn="l">
+              <a:lnSpc>
+                <a:spcPct val="100000"/>
+              </a:lnSpc>
+              <a:spcBef>
+                <a:spcPts val="0"/>
+              </a:spcBef>
+              <a:spcAft>
+                <a:spcPts val="0"/>
+              </a:spcAft>
+              <a:buNone/>
+            </a:pPr>
+            <a:r>
+              <a:rPr lang="en-GB" sz="1200">
+                <a:latin typeface="Source Code Pro SemiBold"/>
+                <a:ea typeface="Source Code Pro SemiBold"/>
+                <a:cs typeface="Source Code Pro SemiBold"/>
+                <a:sym typeface="Source Code Pro SemiBold"/>
+              </a:rPr>
+              <a:t>  const name = req.body.name;</a:t>
+            </a:r>
+            <a:endParaRPr sz="1200">
+              <a:latin typeface="Source Code Pro SemiBold"/>
+              <a:ea typeface="Source Code Pro SemiBold"/>
+              <a:cs typeface="Source Code Pro SemiBold"/>
+              <a:sym typeface="Source Code Pro SemiBold"/>
+            </a:endParaRPr>
+          </a:p>
+          <a:p>
+            <a:pPr indent="0" lvl="0" marL="0" rtl="0" algn="l">
+              <a:lnSpc>
+                <a:spcPct val="100000"/>
+              </a:lnSpc>
+              <a:spcBef>
+                <a:spcPts val="0"/>
+              </a:spcBef>
+              <a:spcAft>
+                <a:spcPts val="0"/>
+              </a:spcAft>
+              <a:buNone/>
+            </a:pPr>
+            <a:r>
+              <a:rPr lang="en-GB" sz="1200">
+                <a:latin typeface="Source Code Pro SemiBold"/>
+                <a:ea typeface="Source Code Pro SemiBold"/>
+                <a:cs typeface="Source Code Pro SemiBold"/>
+                <a:sym typeface="Source Code Pro SemiBold"/>
+              </a:rPr>
+              <a:t>  const type = req.body.type;</a:t>
+            </a:r>
+            <a:endParaRPr sz="1200">
+              <a:latin typeface="Source Code Pro SemiBold"/>
+              <a:ea typeface="Source Code Pro SemiBold"/>
+              <a:cs typeface="Source Code Pro SemiBold"/>
+              <a:sym typeface="Source Code Pro SemiBold"/>
+            </a:endParaRPr>
+          </a:p>
+          <a:p>
+            <a:pPr indent="0" lvl="0" marL="0" rtl="0" algn="l">
+              <a:lnSpc>
+                <a:spcPct val="100000"/>
+              </a:lnSpc>
+              <a:spcBef>
+                <a:spcPts val="0"/>
+              </a:spcBef>
+              <a:spcAft>
+                <a:spcPts val="0"/>
+              </a:spcAft>
+              <a:buNone/>
+            </a:pPr>
+            <a:r>
+              <a:rPr lang="en-GB" sz="1200">
+                <a:latin typeface="Source Code Pro SemiBold"/>
+                <a:ea typeface="Source Code Pro SemiBold"/>
+                <a:cs typeface="Source Code Pro SemiBold"/>
+                <a:sym typeface="Source Code Pro SemiBold"/>
+              </a:rPr>
+              <a:t>  const age = req.body.age;</a:t>
+            </a:r>
+            <a:endParaRPr sz="1200">
+              <a:latin typeface="Source Code Pro SemiBold"/>
+              <a:ea typeface="Source Code Pro SemiBold"/>
+              <a:cs typeface="Source Code Pro SemiBold"/>
+              <a:sym typeface="Source Code Pro SemiBold"/>
+            </a:endParaRPr>
+          </a:p>
+          <a:p>
+            <a:pPr indent="0" lvl="0" marL="0" rtl="0" algn="l">
+              <a:lnSpc>
+                <a:spcPct val="100000"/>
+              </a:lnSpc>
+              <a:spcBef>
+                <a:spcPts val="0"/>
+              </a:spcBef>
+              <a:spcAft>
+                <a:spcPts val="0"/>
+              </a:spcAft>
+              <a:buNone/>
+            </a:pPr>
+            <a:r>
+              <a:rPr lang="en-GB" sz="1200">
+                <a:latin typeface="Source Code Pro SemiBold"/>
+                <a:ea typeface="Source Code Pro SemiBold"/>
+                <a:cs typeface="Source Code Pro SemiBold"/>
+                <a:sym typeface="Source Code Pro SemiBold"/>
+              </a:rPr>
+              <a:t>  const pet = { id: pets.length + 1, name, type, age }; // We're generating the ID here. In an actual application, the ID should be generated automatically by the database.</a:t>
+            </a:r>
+            <a:endParaRPr sz="1200">
+              <a:latin typeface="Source Code Pro SemiBold"/>
+              <a:ea typeface="Source Code Pro SemiBold"/>
+              <a:cs typeface="Source Code Pro SemiBold"/>
+              <a:sym typeface="Source Code Pro SemiBold"/>
+            </a:endParaRPr>
+          </a:p>
+          <a:p>
+            <a:pPr indent="0" lvl="0" marL="0" rtl="0" algn="l">
+              <a:lnSpc>
+                <a:spcPct val="100000"/>
+              </a:lnSpc>
+              <a:spcBef>
+                <a:spcPts val="0"/>
+              </a:spcBef>
+              <a:spcAft>
+                <a:spcPts val="0"/>
+              </a:spcAft>
+              <a:buNone/>
+            </a:pPr>
+            <a:r>
+              <a:rPr lang="en-GB" sz="1200">
+                <a:latin typeface="Source Code Pro SemiBold"/>
+                <a:ea typeface="Source Code Pro SemiBold"/>
+                <a:cs typeface="Source Code Pro SemiBold"/>
+                <a:sym typeface="Source Code Pro SemiBold"/>
+              </a:rPr>
+              <a:t>  pets.push(pet);</a:t>
+            </a:r>
+            <a:endParaRPr sz="1200">
+              <a:latin typeface="Source Code Pro SemiBold"/>
+              <a:ea typeface="Source Code Pro SemiBold"/>
+              <a:cs typeface="Source Code Pro SemiBold"/>
+              <a:sym typeface="Source Code Pro SemiBold"/>
+            </a:endParaRPr>
+          </a:p>
+          <a:p>
+            <a:pPr indent="0" lvl="0" marL="0" rtl="0" algn="l">
+              <a:lnSpc>
+                <a:spcPct val="100000"/>
+              </a:lnSpc>
+              <a:spcBef>
+                <a:spcPts val="0"/>
+              </a:spcBef>
+              <a:spcAft>
+                <a:spcPts val="0"/>
+              </a:spcAft>
+              <a:buNone/>
+            </a:pPr>
+            <a:r>
+              <a:rPr lang="en-GB" sz="1200">
+                <a:latin typeface="Source Code Pro SemiBold"/>
+                <a:ea typeface="Source Code Pro SemiBold"/>
+                <a:cs typeface="Source Code Pro SemiBold"/>
+                <a:sym typeface="Source Code Pro SemiBold"/>
+              </a:rPr>
+              <a:t>  res.json(pet);</a:t>
+            </a:r>
+            <a:endParaRPr sz="1200">
+              <a:latin typeface="Source Code Pro SemiBold"/>
+              <a:ea typeface="Source Code Pro SemiBold"/>
+              <a:cs typeface="Source Code Pro SemiBold"/>
+              <a:sym typeface="Source Code Pro SemiBold"/>
+            </a:endParaRPr>
+          </a:p>
+          <a:p>
+            <a:pPr indent="0" lvl="0" marL="0" rtl="0" algn="l">
+              <a:lnSpc>
+                <a:spcPct val="100000"/>
+              </a:lnSpc>
+              <a:spcBef>
+                <a:spcPts val="0"/>
+              </a:spcBef>
+              <a:spcAft>
+                <a:spcPts val="0"/>
+              </a:spcAft>
+              <a:buNone/>
+            </a:pPr>
+            <a:r>
+              <a:rPr lang="en-GB" sz="1200">
+                <a:latin typeface="Source Code Pro SemiBold"/>
+                <a:ea typeface="Source Code Pro SemiBold"/>
+                <a:cs typeface="Source Code Pro SemiBold"/>
+                <a:sym typeface="Source Code Pro SemiBold"/>
+              </a:rPr>
+              <a:t>});</a:t>
+            </a:r>
+            <a:endParaRPr>
+              <a:latin typeface="Source Code Pro SemiBold"/>
+              <a:ea typeface="Source Code Pro SemiBold"/>
+              <a:cs typeface="Source Code Pro SemiBold"/>
+              <a:sym typeface="Source Code Pro SemiBold"/>
             </a:endParaRPr>
           </a:p>
         </p:txBody>
@@ -23790,376 +24204,7 @@
   <p:cSld>
     <p:spTree>
       <p:nvGrpSpPr>
-        <p:cNvPr id="275" name="Shape 275"/>
-        <p:cNvGrpSpPr/>
-        <p:nvPr/>
-      </p:nvGrpSpPr>
-      <p:grpSpPr>
-        <a:xfrm>
-          <a:off x="0" y="0"/>
-          <a:ext cx="0" cy="0"/>
-          <a:chOff x="0" y="0"/>
-          <a:chExt cx="0" cy="0"/>
-        </a:xfrm>
-      </p:grpSpPr>
-      <p:sp>
-        <p:nvSpPr>
-          <p:cNvPr id="276" name="Google Shape;276;g225db79a03c_1_74"/>
-          <p:cNvSpPr txBox="1"/>
-          <p:nvPr>
-            <p:ph type="title"/>
-          </p:nvPr>
-        </p:nvSpPr>
-        <p:spPr>
-          <a:xfrm>
-            <a:off x="793325" y="551900"/>
-            <a:ext cx="7726200" cy="554100"/>
-          </a:xfrm>
-          <a:prstGeom prst="rect">
-            <a:avLst/>
-          </a:prstGeom>
-          <a:noFill/>
-          <a:ln>
-            <a:noFill/>
-          </a:ln>
-        </p:spPr>
-        <p:txBody>
-          <a:bodyPr anchorCtr="0" anchor="t" bIns="91425" lIns="91425" spcFirstLastPara="1" rIns="91425" wrap="square" tIns="91425">
-            <a:spAutoFit/>
-          </a:bodyPr>
-          <a:lstStyle/>
-          <a:p>
-            <a:pPr indent="0" lvl="0" marL="0" rtl="0" algn="l">
-              <a:lnSpc>
-                <a:spcPct val="100000"/>
-              </a:lnSpc>
-              <a:spcBef>
-                <a:spcPts val="0"/>
-              </a:spcBef>
-              <a:spcAft>
-                <a:spcPts val="0"/>
-              </a:spcAft>
-              <a:buNone/>
-            </a:pPr>
-            <a:r>
-              <a:rPr lang="en-GB"/>
-              <a:t>Practice Project: Pets API - The POST /pets Route</a:t>
-            </a:r>
-            <a:endParaRPr/>
-          </a:p>
-        </p:txBody>
-      </p:sp>
-      <p:sp>
-        <p:nvSpPr>
-          <p:cNvPr id="277" name="Google Shape;277;g225db79a03c_1_74"/>
-          <p:cNvSpPr txBox="1"/>
-          <p:nvPr>
-            <p:ph idx="2" type="title"/>
-          </p:nvPr>
-        </p:nvSpPr>
-        <p:spPr>
-          <a:xfrm>
-            <a:off x="793325" y="1088400"/>
-            <a:ext cx="7400700" cy="2966700"/>
-          </a:xfrm>
-          <a:prstGeom prst="rect">
-            <a:avLst/>
-          </a:prstGeom>
-          <a:noFill/>
-          <a:ln>
-            <a:noFill/>
-          </a:ln>
-        </p:spPr>
-        <p:txBody>
-          <a:bodyPr anchorCtr="0" anchor="t" bIns="91425" lIns="91425" spcFirstLastPara="1" rIns="91425" wrap="square" tIns="91425">
-            <a:noAutofit/>
-          </a:bodyPr>
-          <a:lstStyle/>
-          <a:p>
-            <a:pPr indent="0" lvl="0" marL="0" rtl="0" algn="l">
-              <a:lnSpc>
-                <a:spcPct val="100000"/>
-              </a:lnSpc>
-              <a:spcBef>
-                <a:spcPts val="0"/>
-              </a:spcBef>
-              <a:spcAft>
-                <a:spcPts val="0"/>
-              </a:spcAft>
-              <a:buNone/>
-            </a:pPr>
-            <a:r>
-              <a:rPr lang="en-GB"/>
-              <a:t>Next, create the POST /pets route. This route creates a new pet. To do this, first get the pet data from the request body and then add the pet to the list of pets. Finally, we'll send the newly created pet as a JSON response.</a:t>
-            </a:r>
-            <a:endParaRPr/>
-          </a:p>
-          <a:p>
-            <a:pPr indent="0" lvl="0" marL="0" rtl="0" algn="l">
-              <a:lnSpc>
-                <a:spcPct val="100000"/>
-              </a:lnSpc>
-              <a:spcBef>
-                <a:spcPts val="0"/>
-              </a:spcBef>
-              <a:spcAft>
-                <a:spcPts val="0"/>
-              </a:spcAft>
-              <a:buNone/>
-            </a:pPr>
-            <a:r>
-              <a:t/>
-            </a:r>
-            <a:endParaRPr/>
-          </a:p>
-          <a:p>
-            <a:pPr indent="0" lvl="0" marL="0" rtl="0" algn="l">
-              <a:lnSpc>
-                <a:spcPct val="100000"/>
-              </a:lnSpc>
-              <a:spcBef>
-                <a:spcPts val="0"/>
-              </a:spcBef>
-              <a:spcAft>
-                <a:spcPts val="0"/>
-              </a:spcAft>
-              <a:buNone/>
-            </a:pPr>
-            <a:r>
-              <a:rPr lang="en-GB" sz="1200">
-                <a:latin typeface="Source Code Pro SemiBold"/>
-                <a:ea typeface="Source Code Pro SemiBold"/>
-                <a:cs typeface="Source Code Pro SemiBold"/>
-                <a:sym typeface="Source Code Pro SemiBold"/>
-              </a:rPr>
-              <a:t>app.post("/pets", (req, res) =&gt; {</a:t>
-            </a:r>
-            <a:endParaRPr sz="1200">
-              <a:latin typeface="Source Code Pro SemiBold"/>
-              <a:ea typeface="Source Code Pro SemiBold"/>
-              <a:cs typeface="Source Code Pro SemiBold"/>
-              <a:sym typeface="Source Code Pro SemiBold"/>
-            </a:endParaRPr>
-          </a:p>
-          <a:p>
-            <a:pPr indent="0" lvl="0" marL="0" rtl="0" algn="l">
-              <a:lnSpc>
-                <a:spcPct val="100000"/>
-              </a:lnSpc>
-              <a:spcBef>
-                <a:spcPts val="0"/>
-              </a:spcBef>
-              <a:spcAft>
-                <a:spcPts val="0"/>
-              </a:spcAft>
-              <a:buNone/>
-            </a:pPr>
-            <a:r>
-              <a:rPr lang="en-GB" sz="1200">
-                <a:latin typeface="Source Code Pro SemiBold"/>
-                <a:ea typeface="Source Code Pro SemiBold"/>
-                <a:cs typeface="Source Code Pro SemiBold"/>
-                <a:sym typeface="Source Code Pro SemiBold"/>
-              </a:rPr>
-              <a:t>  const name = req.body.name;</a:t>
-            </a:r>
-            <a:endParaRPr sz="1200">
-              <a:latin typeface="Source Code Pro SemiBold"/>
-              <a:ea typeface="Source Code Pro SemiBold"/>
-              <a:cs typeface="Source Code Pro SemiBold"/>
-              <a:sym typeface="Source Code Pro SemiBold"/>
-            </a:endParaRPr>
-          </a:p>
-          <a:p>
-            <a:pPr indent="0" lvl="0" marL="0" rtl="0" algn="l">
-              <a:lnSpc>
-                <a:spcPct val="100000"/>
-              </a:lnSpc>
-              <a:spcBef>
-                <a:spcPts val="0"/>
-              </a:spcBef>
-              <a:spcAft>
-                <a:spcPts val="0"/>
-              </a:spcAft>
-              <a:buNone/>
-            </a:pPr>
-            <a:r>
-              <a:rPr lang="en-GB" sz="1200">
-                <a:latin typeface="Source Code Pro SemiBold"/>
-                <a:ea typeface="Source Code Pro SemiBold"/>
-                <a:cs typeface="Source Code Pro SemiBold"/>
-                <a:sym typeface="Source Code Pro SemiBold"/>
-              </a:rPr>
-              <a:t>  const type = req.body.type;</a:t>
-            </a:r>
-            <a:endParaRPr sz="1200">
-              <a:latin typeface="Source Code Pro SemiBold"/>
-              <a:ea typeface="Source Code Pro SemiBold"/>
-              <a:cs typeface="Source Code Pro SemiBold"/>
-              <a:sym typeface="Source Code Pro SemiBold"/>
-            </a:endParaRPr>
-          </a:p>
-          <a:p>
-            <a:pPr indent="0" lvl="0" marL="0" rtl="0" algn="l">
-              <a:lnSpc>
-                <a:spcPct val="100000"/>
-              </a:lnSpc>
-              <a:spcBef>
-                <a:spcPts val="0"/>
-              </a:spcBef>
-              <a:spcAft>
-                <a:spcPts val="0"/>
-              </a:spcAft>
-              <a:buNone/>
-            </a:pPr>
-            <a:r>
-              <a:rPr lang="en-GB" sz="1200">
-                <a:latin typeface="Source Code Pro SemiBold"/>
-                <a:ea typeface="Source Code Pro SemiBold"/>
-                <a:cs typeface="Source Code Pro SemiBold"/>
-                <a:sym typeface="Source Code Pro SemiBold"/>
-              </a:rPr>
-              <a:t>  const age = req.body.age;</a:t>
-            </a:r>
-            <a:endParaRPr sz="1200">
-              <a:latin typeface="Source Code Pro SemiBold"/>
-              <a:ea typeface="Source Code Pro SemiBold"/>
-              <a:cs typeface="Source Code Pro SemiBold"/>
-              <a:sym typeface="Source Code Pro SemiBold"/>
-            </a:endParaRPr>
-          </a:p>
-          <a:p>
-            <a:pPr indent="0" lvl="0" marL="0" rtl="0" algn="l">
-              <a:lnSpc>
-                <a:spcPct val="100000"/>
-              </a:lnSpc>
-              <a:spcBef>
-                <a:spcPts val="0"/>
-              </a:spcBef>
-              <a:spcAft>
-                <a:spcPts val="0"/>
-              </a:spcAft>
-              <a:buNone/>
-            </a:pPr>
-            <a:r>
-              <a:rPr lang="en-GB" sz="1200">
-                <a:latin typeface="Source Code Pro SemiBold"/>
-                <a:ea typeface="Source Code Pro SemiBold"/>
-                <a:cs typeface="Source Code Pro SemiBold"/>
-                <a:sym typeface="Source Code Pro SemiBold"/>
-              </a:rPr>
-              <a:t>  const pet = { id: pets.length + 1, name, type, age }; // We're generating the ID here. In an actual application, the ID should be generated automatically by the database.</a:t>
-            </a:r>
-            <a:endParaRPr sz="1200">
-              <a:latin typeface="Source Code Pro SemiBold"/>
-              <a:ea typeface="Source Code Pro SemiBold"/>
-              <a:cs typeface="Source Code Pro SemiBold"/>
-              <a:sym typeface="Source Code Pro SemiBold"/>
-            </a:endParaRPr>
-          </a:p>
-          <a:p>
-            <a:pPr indent="0" lvl="0" marL="0" rtl="0" algn="l">
-              <a:lnSpc>
-                <a:spcPct val="100000"/>
-              </a:lnSpc>
-              <a:spcBef>
-                <a:spcPts val="0"/>
-              </a:spcBef>
-              <a:spcAft>
-                <a:spcPts val="0"/>
-              </a:spcAft>
-              <a:buNone/>
-            </a:pPr>
-            <a:r>
-              <a:rPr lang="en-GB" sz="1200">
-                <a:latin typeface="Source Code Pro SemiBold"/>
-                <a:ea typeface="Source Code Pro SemiBold"/>
-                <a:cs typeface="Source Code Pro SemiBold"/>
-                <a:sym typeface="Source Code Pro SemiBold"/>
-              </a:rPr>
-              <a:t>  pets.push(pet);</a:t>
-            </a:r>
-            <a:endParaRPr sz="1200">
-              <a:latin typeface="Source Code Pro SemiBold"/>
-              <a:ea typeface="Source Code Pro SemiBold"/>
-              <a:cs typeface="Source Code Pro SemiBold"/>
-              <a:sym typeface="Source Code Pro SemiBold"/>
-            </a:endParaRPr>
-          </a:p>
-          <a:p>
-            <a:pPr indent="0" lvl="0" marL="0" rtl="0" algn="l">
-              <a:lnSpc>
-                <a:spcPct val="100000"/>
-              </a:lnSpc>
-              <a:spcBef>
-                <a:spcPts val="0"/>
-              </a:spcBef>
-              <a:spcAft>
-                <a:spcPts val="0"/>
-              </a:spcAft>
-              <a:buNone/>
-            </a:pPr>
-            <a:r>
-              <a:rPr lang="en-GB" sz="1200">
-                <a:latin typeface="Source Code Pro SemiBold"/>
-                <a:ea typeface="Source Code Pro SemiBold"/>
-                <a:cs typeface="Source Code Pro SemiBold"/>
-                <a:sym typeface="Source Code Pro SemiBold"/>
-              </a:rPr>
-              <a:t>  res.json(pet);</a:t>
-            </a:r>
-            <a:endParaRPr sz="1200">
-              <a:latin typeface="Source Code Pro SemiBold"/>
-              <a:ea typeface="Source Code Pro SemiBold"/>
-              <a:cs typeface="Source Code Pro SemiBold"/>
-              <a:sym typeface="Source Code Pro SemiBold"/>
-            </a:endParaRPr>
-          </a:p>
-          <a:p>
-            <a:pPr indent="0" lvl="0" marL="0" rtl="0" algn="l">
-              <a:lnSpc>
-                <a:spcPct val="100000"/>
-              </a:lnSpc>
-              <a:spcBef>
-                <a:spcPts val="0"/>
-              </a:spcBef>
-              <a:spcAft>
-                <a:spcPts val="0"/>
-              </a:spcAft>
-              <a:buNone/>
-            </a:pPr>
-            <a:r>
-              <a:rPr lang="en-GB" sz="1200">
-                <a:latin typeface="Source Code Pro SemiBold"/>
-                <a:ea typeface="Source Code Pro SemiBold"/>
-                <a:cs typeface="Source Code Pro SemiBold"/>
-                <a:sym typeface="Source Code Pro SemiBold"/>
-              </a:rPr>
-              <a:t>});</a:t>
-            </a:r>
-            <a:endParaRPr>
-              <a:latin typeface="Source Code Pro SemiBold"/>
-              <a:ea typeface="Source Code Pro SemiBold"/>
-              <a:cs typeface="Source Code Pro SemiBold"/>
-              <a:sym typeface="Source Code Pro SemiBold"/>
-            </a:endParaRPr>
-          </a:p>
-        </p:txBody>
-      </p:sp>
-    </p:spTree>
-  </p:cSld>
-  <p:clrMapOvr>
-    <a:masterClrMapping/>
-  </p:clrMapOvr>
-</p:sld>
-</file>
-
-<file path=ppt/slides/slide41.xml><?xml version="1.0" encoding="utf-8"?>
-<p:sld xmlns:a="http://schemas.openxmlformats.org/drawingml/2006/main" xmlns:r="http://schemas.openxmlformats.org/officeDocument/2006/relationships" xmlns:mc="http://schemas.openxmlformats.org/markup-compatibility/2006" xmlns:mv="urn:schemas-microsoft-com:mac:vml" xmlns:p="http://schemas.openxmlformats.org/presentationml/2006/main" xmlns:c="http://schemas.openxmlformats.org/drawingml/2006/chart" xmlns:dgm="http://schemas.openxmlformats.org/drawingml/2006/diagram" xmlns:o="urn:schemas-microsoft-com:office:office" xmlns:v="urn:schemas-microsoft-com:vml" xmlns:pvml="urn:schemas-microsoft-com:office:powerpoint" xmlns:com="http://schemas.openxmlformats.org/drawingml/2006/compatibility" xmlns:p14="http://schemas.microsoft.com/office/powerpoint/2010/main" xmlns:p15="http://schemas.microsoft.com/office/powerpoint/2012/main" xmlns:ahyp="http://schemas.microsoft.com/office/drawing/2018/hyperlinkcolor">
-  <p:cSld>
-    <p:spTree>
-      <p:nvGrpSpPr>
-        <p:cNvPr id="281" name="Shape 281"/>
+        <p:cNvPr id="276" name="Shape 276"/>
         <p:cNvGrpSpPr/>
         <p:nvPr/>
       </p:nvGrpSpPr>
@@ -24173,7 +24218,7 @@
       </p:grpSpPr>
       <p:pic>
         <p:nvPicPr>
-          <p:cNvPr id="282" name="Google Shape;282;g225db79a03c_1_79"/>
+          <p:cNvPr id="277" name="Google Shape;277;g225db79a03c_1_79"/>
           <p:cNvPicPr preferRelativeResize="0"/>
           <p:nvPr/>
         </p:nvPicPr>
@@ -24206,12 +24251,12 @@
 </p:sld>
 </file>
 
-<file path=ppt/slides/slide42.xml><?xml version="1.0" encoding="utf-8"?>
+<file path=ppt/slides/slide41.xml><?xml version="1.0" encoding="utf-8"?>
 <p:sld xmlns:a="http://schemas.openxmlformats.org/drawingml/2006/main" xmlns:r="http://schemas.openxmlformats.org/officeDocument/2006/relationships" xmlns:mc="http://schemas.openxmlformats.org/markup-compatibility/2006" xmlns:mv="urn:schemas-microsoft-com:mac:vml" xmlns:p="http://schemas.openxmlformats.org/presentationml/2006/main" xmlns:c="http://schemas.openxmlformats.org/drawingml/2006/chart" xmlns:dgm="http://schemas.openxmlformats.org/drawingml/2006/diagram" xmlns:o="urn:schemas-microsoft-com:office:office" xmlns:v="urn:schemas-microsoft-com:vml" xmlns:pvml="urn:schemas-microsoft-com:office:powerpoint" xmlns:com="http://schemas.openxmlformats.org/drawingml/2006/compatibility" xmlns:p14="http://schemas.microsoft.com/office/powerpoint/2010/main" xmlns:p15="http://schemas.microsoft.com/office/powerpoint/2012/main" xmlns:ahyp="http://schemas.microsoft.com/office/drawing/2018/hyperlinkcolor">
   <p:cSld>
     <p:spTree>
       <p:nvGrpSpPr>
-        <p:cNvPr id="286" name="Shape 286"/>
+        <p:cNvPr id="281" name="Shape 281"/>
         <p:cNvGrpSpPr/>
         <p:nvPr/>
       </p:nvGrpSpPr>
@@ -24225,7 +24270,7 @@
       </p:grpSpPr>
       <p:sp>
         <p:nvSpPr>
-          <p:cNvPr id="287" name="Google Shape;287;g225db79a03c_1_84"/>
+          <p:cNvPr id="282" name="Google Shape;282;g225db79a03c_1_84"/>
           <p:cNvSpPr txBox="1"/>
           <p:nvPr/>
         </p:nvSpPr>
@@ -24502,12 +24547,12 @@
 </p:sld>
 </file>
 
-<file path=ppt/slides/slide43.xml><?xml version="1.0" encoding="utf-8"?>
+<file path=ppt/slides/slide42.xml><?xml version="1.0" encoding="utf-8"?>
 <p:sld xmlns:a="http://schemas.openxmlformats.org/drawingml/2006/main" xmlns:r="http://schemas.openxmlformats.org/officeDocument/2006/relationships" xmlns:mc="http://schemas.openxmlformats.org/markup-compatibility/2006" xmlns:mv="urn:schemas-microsoft-com:mac:vml" xmlns:p="http://schemas.openxmlformats.org/presentationml/2006/main" xmlns:c="http://schemas.openxmlformats.org/drawingml/2006/chart" xmlns:dgm="http://schemas.openxmlformats.org/drawingml/2006/diagram" xmlns:o="urn:schemas-microsoft-com:office:office" xmlns:v="urn:schemas-microsoft-com:vml" xmlns:pvml="urn:schemas-microsoft-com:office:powerpoint" xmlns:com="http://schemas.openxmlformats.org/drawingml/2006/compatibility" xmlns:p14="http://schemas.microsoft.com/office/powerpoint/2010/main" xmlns:p15="http://schemas.microsoft.com/office/powerpoint/2012/main" xmlns:ahyp="http://schemas.microsoft.com/office/drawing/2018/hyperlinkcolor">
   <p:cSld>
     <p:spTree>
       <p:nvGrpSpPr>
-        <p:cNvPr id="291" name="Shape 291"/>
+        <p:cNvPr id="286" name="Shape 286"/>
         <p:cNvGrpSpPr/>
         <p:nvPr/>
       </p:nvGrpSpPr>
@@ -24521,7 +24566,7 @@
       </p:grpSpPr>
       <p:sp>
         <p:nvSpPr>
-          <p:cNvPr id="292" name="Google Shape;292;g225db79a03c_1_95"/>
+          <p:cNvPr id="287" name="Google Shape;287;g225db79a03c_1_95"/>
           <p:cNvSpPr txBox="1"/>
           <p:nvPr>
             <p:ph type="title"/>
@@ -24568,7 +24613,7 @@
       </p:sp>
       <p:sp>
         <p:nvSpPr>
-          <p:cNvPr id="293" name="Google Shape;293;g225db79a03c_1_95"/>
+          <p:cNvPr id="288" name="Google Shape;288;g225db79a03c_1_95"/>
           <p:cNvSpPr txBox="1"/>
           <p:nvPr>
             <p:ph idx="2" type="title"/>
@@ -25056,12 +25101,12 @@
 </p:sld>
 </file>
 
-<file path=ppt/slides/slide44.xml><?xml version="1.0" encoding="utf-8"?>
+<file path=ppt/slides/slide43.xml><?xml version="1.0" encoding="utf-8"?>
 <p:sld xmlns:a="http://schemas.openxmlformats.org/drawingml/2006/main" xmlns:r="http://schemas.openxmlformats.org/officeDocument/2006/relationships" xmlns:mc="http://schemas.openxmlformats.org/markup-compatibility/2006" xmlns:mv="urn:schemas-microsoft-com:mac:vml" xmlns:p="http://schemas.openxmlformats.org/presentationml/2006/main" xmlns:c="http://schemas.openxmlformats.org/drawingml/2006/chart" xmlns:dgm="http://schemas.openxmlformats.org/drawingml/2006/diagram" xmlns:o="urn:schemas-microsoft-com:office:office" xmlns:v="urn:schemas-microsoft-com:vml" xmlns:pvml="urn:schemas-microsoft-com:office:powerpoint" xmlns:com="http://schemas.openxmlformats.org/drawingml/2006/compatibility" xmlns:p14="http://schemas.microsoft.com/office/powerpoint/2010/main" xmlns:p15="http://schemas.microsoft.com/office/powerpoint/2012/main" xmlns:ahyp="http://schemas.microsoft.com/office/drawing/2018/hyperlinkcolor">
   <p:cSld>
     <p:spTree>
       <p:nvGrpSpPr>
-        <p:cNvPr id="297" name="Shape 297"/>
+        <p:cNvPr id="292" name="Shape 292"/>
         <p:cNvGrpSpPr/>
         <p:nvPr/>
       </p:nvGrpSpPr>
@@ -25075,7 +25120,7 @@
       </p:grpSpPr>
       <p:pic>
         <p:nvPicPr>
-          <p:cNvPr id="298" name="Google Shape;298;g225db79a03c_1_100"/>
+          <p:cNvPr id="293" name="Google Shape;293;g225db79a03c_1_100"/>
           <p:cNvPicPr preferRelativeResize="0"/>
           <p:nvPr/>
         </p:nvPicPr>
@@ -25109,12 +25154,12 @@
 </p:sld>
 </file>
 
-<file path=ppt/slides/slide45.xml><?xml version="1.0" encoding="utf-8"?>
+<file path=ppt/slides/slide44.xml><?xml version="1.0" encoding="utf-8"?>
 <p:sld xmlns:a="http://schemas.openxmlformats.org/drawingml/2006/main" xmlns:r="http://schemas.openxmlformats.org/officeDocument/2006/relationships" xmlns:mc="http://schemas.openxmlformats.org/markup-compatibility/2006" xmlns:mv="urn:schemas-microsoft-com:mac:vml" xmlns:p="http://schemas.openxmlformats.org/presentationml/2006/main" xmlns:c="http://schemas.openxmlformats.org/drawingml/2006/chart" xmlns:dgm="http://schemas.openxmlformats.org/drawingml/2006/diagram" xmlns:o="urn:schemas-microsoft-com:office:office" xmlns:v="urn:schemas-microsoft-com:vml" xmlns:pvml="urn:schemas-microsoft-com:office:powerpoint" xmlns:com="http://schemas.openxmlformats.org/drawingml/2006/compatibility" xmlns:p14="http://schemas.microsoft.com/office/powerpoint/2010/main" xmlns:p15="http://schemas.microsoft.com/office/powerpoint/2012/main" xmlns:ahyp="http://schemas.microsoft.com/office/drawing/2018/hyperlinkcolor">
   <p:cSld>
     <p:spTree>
       <p:nvGrpSpPr>
-        <p:cNvPr id="302" name="Shape 302"/>
+        <p:cNvPr id="297" name="Shape 297"/>
         <p:cNvGrpSpPr/>
         <p:nvPr/>
       </p:nvGrpSpPr>
@@ -25128,7 +25173,7 @@
       </p:grpSpPr>
       <p:sp>
         <p:nvSpPr>
-          <p:cNvPr id="303" name="Google Shape;303;g225db79a03c_1_105"/>
+          <p:cNvPr id="298" name="Google Shape;298;g225db79a03c_1_105"/>
           <p:cNvSpPr txBox="1"/>
           <p:nvPr/>
         </p:nvSpPr>
@@ -25302,12 +25347,12 @@
 </p:sld>
 </file>
 
-<file path=ppt/slides/slide46.xml><?xml version="1.0" encoding="utf-8"?>
+<file path=ppt/slides/slide45.xml><?xml version="1.0" encoding="utf-8"?>
 <p:sld xmlns:a="http://schemas.openxmlformats.org/drawingml/2006/main" xmlns:r="http://schemas.openxmlformats.org/officeDocument/2006/relationships" xmlns:mc="http://schemas.openxmlformats.org/markup-compatibility/2006" xmlns:mv="urn:schemas-microsoft-com:mac:vml" xmlns:p="http://schemas.openxmlformats.org/presentationml/2006/main" xmlns:c="http://schemas.openxmlformats.org/drawingml/2006/chart" xmlns:dgm="http://schemas.openxmlformats.org/drawingml/2006/diagram" xmlns:o="urn:schemas-microsoft-com:office:office" xmlns:v="urn:schemas-microsoft-com:vml" xmlns:pvml="urn:schemas-microsoft-com:office:powerpoint" xmlns:com="http://schemas.openxmlformats.org/drawingml/2006/compatibility" xmlns:p14="http://schemas.microsoft.com/office/powerpoint/2010/main" xmlns:p15="http://schemas.microsoft.com/office/powerpoint/2012/main" xmlns:ahyp="http://schemas.microsoft.com/office/drawing/2018/hyperlinkcolor">
   <p:cSld>
     <p:spTree>
       <p:nvGrpSpPr>
-        <p:cNvPr id="307" name="Shape 307"/>
+        <p:cNvPr id="302" name="Shape 302"/>
         <p:cNvGrpSpPr/>
         <p:nvPr/>
       </p:nvGrpSpPr>
@@ -25321,7 +25366,7 @@
       </p:grpSpPr>
       <p:sp>
         <p:nvSpPr>
-          <p:cNvPr id="308" name="Google Shape;308;g225db79a03c_1_113"/>
+          <p:cNvPr id="303" name="Google Shape;303;g225db79a03c_1_113"/>
           <p:cNvSpPr txBox="1"/>
           <p:nvPr>
             <p:ph type="title"/>
@@ -25368,7 +25413,7 @@
       </p:sp>
       <p:sp>
         <p:nvSpPr>
-          <p:cNvPr id="309" name="Google Shape;309;g225db79a03c_1_113"/>
+          <p:cNvPr id="304" name="Google Shape;304;g225db79a03c_1_113"/>
           <p:cNvSpPr txBox="1"/>
           <p:nvPr>
             <p:ph idx="2" type="title"/>
@@ -25872,12 +25917,12 @@
 </p:sld>
 </file>
 
-<file path=ppt/slides/slide47.xml><?xml version="1.0" encoding="utf-8"?>
+<file path=ppt/slides/slide46.xml><?xml version="1.0" encoding="utf-8"?>
 <p:sld xmlns:a="http://schemas.openxmlformats.org/drawingml/2006/main" xmlns:r="http://schemas.openxmlformats.org/officeDocument/2006/relationships" xmlns:mc="http://schemas.openxmlformats.org/markup-compatibility/2006" xmlns:mv="urn:schemas-microsoft-com:mac:vml" xmlns:p="http://schemas.openxmlformats.org/presentationml/2006/main" xmlns:c="http://schemas.openxmlformats.org/drawingml/2006/chart" xmlns:dgm="http://schemas.openxmlformats.org/drawingml/2006/diagram" xmlns:o="urn:schemas-microsoft-com:office:office" xmlns:v="urn:schemas-microsoft-com:vml" xmlns:pvml="urn:schemas-microsoft-com:office:powerpoint" xmlns:com="http://schemas.openxmlformats.org/drawingml/2006/compatibility" xmlns:p14="http://schemas.microsoft.com/office/powerpoint/2010/main" xmlns:p15="http://schemas.microsoft.com/office/powerpoint/2012/main" xmlns:ahyp="http://schemas.microsoft.com/office/drawing/2018/hyperlinkcolor">
   <p:cSld>
     <p:spTree>
       <p:nvGrpSpPr>
-        <p:cNvPr id="313" name="Shape 313"/>
+        <p:cNvPr id="308" name="Shape 308"/>
         <p:cNvGrpSpPr/>
         <p:nvPr/>
       </p:nvGrpSpPr>
@@ -25891,7 +25936,7 @@
       </p:grpSpPr>
       <p:pic>
         <p:nvPicPr>
-          <p:cNvPr id="314" name="Google Shape;314;g225db79a03c_1_118"/>
+          <p:cNvPr id="309" name="Google Shape;309;g225db79a03c_1_118"/>
           <p:cNvPicPr preferRelativeResize="0"/>
           <p:nvPr/>
         </p:nvPicPr>
@@ -25925,12 +25970,12 @@
 </p:sld>
 </file>
 
-<file path=ppt/slides/slide48.xml><?xml version="1.0" encoding="utf-8"?>
+<file path=ppt/slides/slide47.xml><?xml version="1.0" encoding="utf-8"?>
 <p:sld xmlns:a="http://schemas.openxmlformats.org/drawingml/2006/main" xmlns:r="http://schemas.openxmlformats.org/officeDocument/2006/relationships" xmlns:mc="http://schemas.openxmlformats.org/markup-compatibility/2006" xmlns:mv="urn:schemas-microsoft-com:mac:vml" xmlns:p="http://schemas.openxmlformats.org/presentationml/2006/main" xmlns:c="http://schemas.openxmlformats.org/drawingml/2006/chart" xmlns:dgm="http://schemas.openxmlformats.org/drawingml/2006/diagram" xmlns:o="urn:schemas-microsoft-com:office:office" xmlns:v="urn:schemas-microsoft-com:vml" xmlns:pvml="urn:schemas-microsoft-com:office:powerpoint" xmlns:com="http://schemas.openxmlformats.org/drawingml/2006/compatibility" xmlns:p14="http://schemas.microsoft.com/office/powerpoint/2010/main" xmlns:p15="http://schemas.microsoft.com/office/powerpoint/2012/main" xmlns:ahyp="http://schemas.microsoft.com/office/drawing/2018/hyperlinkcolor">
   <p:cSld>
     <p:spTree>
       <p:nvGrpSpPr>
-        <p:cNvPr id="318" name="Shape 318"/>
+        <p:cNvPr id="313" name="Shape 313"/>
         <p:cNvGrpSpPr/>
         <p:nvPr/>
       </p:nvGrpSpPr>
@@ -25944,7 +25989,7 @@
       </p:grpSpPr>
       <p:sp>
         <p:nvSpPr>
-          <p:cNvPr id="319" name="Google Shape;319;g225db79a03c_1_123"/>
+          <p:cNvPr id="314" name="Google Shape;314;g225db79a03c_1_123"/>
           <p:cNvSpPr txBox="1"/>
           <p:nvPr/>
         </p:nvSpPr>
@@ -26118,12 +26163,12 @@
 </p:sld>
 </file>
 
-<file path=ppt/slides/slide49.xml><?xml version="1.0" encoding="utf-8"?>
+<file path=ppt/slides/slide48.xml><?xml version="1.0" encoding="utf-8"?>
 <p:sld xmlns:a="http://schemas.openxmlformats.org/drawingml/2006/main" xmlns:r="http://schemas.openxmlformats.org/officeDocument/2006/relationships" xmlns:mc="http://schemas.openxmlformats.org/markup-compatibility/2006" xmlns:mv="urn:schemas-microsoft-com:mac:vml" xmlns:p="http://schemas.openxmlformats.org/presentationml/2006/main" xmlns:c="http://schemas.openxmlformats.org/drawingml/2006/chart" xmlns:dgm="http://schemas.openxmlformats.org/drawingml/2006/diagram" xmlns:o="urn:schemas-microsoft-com:office:office" xmlns:v="urn:schemas-microsoft-com:vml" xmlns:pvml="urn:schemas-microsoft-com:office:powerpoint" xmlns:com="http://schemas.openxmlformats.org/drawingml/2006/compatibility" xmlns:p14="http://schemas.microsoft.com/office/powerpoint/2010/main" xmlns:p15="http://schemas.microsoft.com/office/powerpoint/2012/main" xmlns:ahyp="http://schemas.microsoft.com/office/drawing/2018/hyperlinkcolor">
   <p:cSld>
     <p:spTree>
       <p:nvGrpSpPr>
-        <p:cNvPr id="323" name="Shape 323"/>
+        <p:cNvPr id="318" name="Shape 318"/>
         <p:cNvGrpSpPr/>
         <p:nvPr/>
       </p:nvGrpSpPr>
@@ -26137,7 +26182,7 @@
       </p:grpSpPr>
       <p:sp>
         <p:nvSpPr>
-          <p:cNvPr id="324" name="Google Shape;324;p5"/>
+          <p:cNvPr id="319" name="Google Shape;319;p5"/>
           <p:cNvSpPr txBox="1"/>
           <p:nvPr>
             <p:ph type="title"/>
@@ -26185,7 +26230,7 @@
       </p:sp>
       <p:sp>
         <p:nvSpPr>
-          <p:cNvPr id="325" name="Google Shape;325;p5"/>
+          <p:cNvPr id="320" name="Google Shape;320;p5"/>
           <p:cNvSpPr txBox="1"/>
           <p:nvPr/>
         </p:nvSpPr>
@@ -26601,6 +26646,128 @@
                 <a:sym typeface="Plus Jakarta Sans"/>
               </a:rPr>
               <a:t>.</a:t>
+            </a:r>
+            <a:endParaRPr>
+              <a:solidFill>
+                <a:schemeClr val="dk1"/>
+              </a:solidFill>
+              <a:latin typeface="Plus Jakarta Sans"/>
+              <a:ea typeface="Plus Jakarta Sans"/>
+              <a:cs typeface="Plus Jakarta Sans"/>
+              <a:sym typeface="Plus Jakarta Sans"/>
+            </a:endParaRPr>
+          </a:p>
+        </p:txBody>
+      </p:sp>
+    </p:spTree>
+  </p:cSld>
+  <p:clrMapOvr>
+    <a:masterClrMapping/>
+  </p:clrMapOvr>
+</p:sld>
+</file>
+
+<file path=ppt/slides/slide49.xml><?xml version="1.0" encoding="utf-8"?>
+<p:sld xmlns:a="http://schemas.openxmlformats.org/drawingml/2006/main" xmlns:r="http://schemas.openxmlformats.org/officeDocument/2006/relationships" xmlns:mc="http://schemas.openxmlformats.org/markup-compatibility/2006" xmlns:mv="urn:schemas-microsoft-com:mac:vml" xmlns:p="http://schemas.openxmlformats.org/presentationml/2006/main" xmlns:c="http://schemas.openxmlformats.org/drawingml/2006/chart" xmlns:dgm="http://schemas.openxmlformats.org/drawingml/2006/diagram" xmlns:o="urn:schemas-microsoft-com:office:office" xmlns:v="urn:schemas-microsoft-com:vml" xmlns:pvml="urn:schemas-microsoft-com:office:powerpoint" xmlns:com="http://schemas.openxmlformats.org/drawingml/2006/compatibility" xmlns:p14="http://schemas.microsoft.com/office/powerpoint/2010/main" xmlns:p15="http://schemas.microsoft.com/office/powerpoint/2012/main" xmlns:ahyp="http://schemas.microsoft.com/office/drawing/2018/hyperlinkcolor">
+  <p:cSld>
+    <p:spTree>
+      <p:nvGrpSpPr>
+        <p:cNvPr id="324" name="Shape 324"/>
+        <p:cNvGrpSpPr/>
+        <p:nvPr/>
+      </p:nvGrpSpPr>
+      <p:grpSpPr>
+        <a:xfrm>
+          <a:off x="0" y="0"/>
+          <a:ext cx="0" cy="0"/>
+          <a:chOff x="0" y="0"/>
+          <a:chExt cx="0" cy="0"/>
+        </a:xfrm>
+      </p:grpSpPr>
+      <p:sp>
+        <p:nvSpPr>
+          <p:cNvPr id="325" name="Google Shape;325;g225db79a03c_2_5"/>
+          <p:cNvSpPr txBox="1"/>
+          <p:nvPr>
+            <p:ph type="title"/>
+          </p:nvPr>
+        </p:nvSpPr>
+        <p:spPr>
+          <a:xfrm>
+            <a:off x="708900" y="2110050"/>
+            <a:ext cx="7726200" cy="923400"/>
+          </a:xfrm>
+          <a:prstGeom prst="rect">
+            <a:avLst/>
+          </a:prstGeom>
+          <a:noFill/>
+          <a:ln>
+            <a:noFill/>
+          </a:ln>
+        </p:spPr>
+        <p:txBody>
+          <a:bodyPr anchorCtr="0" anchor="t" bIns="91425" lIns="91425" spcFirstLastPara="1" rIns="91425" wrap="square" tIns="91425">
+            <a:spAutoFit/>
+          </a:bodyPr>
+          <a:lstStyle/>
+          <a:p>
+            <a:pPr indent="0" lvl="0" marL="0" rtl="0" algn="l">
+              <a:lnSpc>
+                <a:spcPct val="100000"/>
+              </a:lnSpc>
+              <a:spcBef>
+                <a:spcPts val="0"/>
+              </a:spcBef>
+              <a:spcAft>
+                <a:spcPts val="0"/>
+              </a:spcAft>
+              <a:buSzPts val="2400"/>
+              <a:buNone/>
+            </a:pPr>
+            <a:r>
+              <a:rPr lang="en-GB"/>
+              <a:t>Practice Project: Pets API - Testing the API with Insomnia</a:t>
+            </a:r>
+            <a:endParaRPr/>
+          </a:p>
+        </p:txBody>
+      </p:sp>
+      <p:sp>
+        <p:nvSpPr>
+          <p:cNvPr id="326" name="Google Shape;326;g225db79a03c_2_5"/>
+          <p:cNvSpPr txBox="1"/>
+          <p:nvPr/>
+        </p:nvSpPr>
+        <p:spPr>
+          <a:xfrm>
+            <a:off x="815975" y="1067850"/>
+            <a:ext cx="7528500" cy="400200"/>
+          </a:xfrm>
+          <a:prstGeom prst="rect">
+            <a:avLst/>
+          </a:prstGeom>
+          <a:noFill/>
+          <a:ln>
+            <a:noFill/>
+          </a:ln>
+        </p:spPr>
+        <p:txBody>
+          <a:bodyPr anchorCtr="0" anchor="t" bIns="91425" lIns="91425" spcFirstLastPara="1" rIns="91425" wrap="square" tIns="91425">
+            <a:spAutoFit/>
+          </a:bodyPr>
+          <a:lstStyle/>
+          <a:p>
+            <a:pPr indent="0" lvl="0" marL="0" rtl="0" algn="l">
+              <a:spcBef>
+                <a:spcPts val="0"/>
+              </a:spcBef>
+              <a:spcAft>
+                <a:spcPts val="0"/>
+              </a:spcAft>
+              <a:buNone/>
+            </a:pPr>
+            <a:r>
+              <a:t/>
             </a:r>
             <a:endParaRPr>
               <a:solidFill>
@@ -26784,7 +26951,7 @@
   <p:cSld>
     <p:spTree>
       <p:nvGrpSpPr>
-        <p:cNvPr id="329" name="Shape 329"/>
+        <p:cNvPr id="330" name="Shape 330"/>
         <p:cNvGrpSpPr/>
         <p:nvPr/>
       </p:nvGrpSpPr>
@@ -26798,129 +26965,7 @@
       </p:grpSpPr>
       <p:sp>
         <p:nvSpPr>
-          <p:cNvPr id="330" name="Google Shape;330;g225db79a03c_2_5"/>
-          <p:cNvSpPr txBox="1"/>
-          <p:nvPr>
-            <p:ph type="title"/>
-          </p:nvPr>
-        </p:nvSpPr>
-        <p:spPr>
-          <a:xfrm>
-            <a:off x="708900" y="2110050"/>
-            <a:ext cx="7726200" cy="923400"/>
-          </a:xfrm>
-          <a:prstGeom prst="rect">
-            <a:avLst/>
-          </a:prstGeom>
-          <a:noFill/>
-          <a:ln>
-            <a:noFill/>
-          </a:ln>
-        </p:spPr>
-        <p:txBody>
-          <a:bodyPr anchorCtr="0" anchor="t" bIns="91425" lIns="91425" spcFirstLastPara="1" rIns="91425" wrap="square" tIns="91425">
-            <a:spAutoFit/>
-          </a:bodyPr>
-          <a:lstStyle/>
-          <a:p>
-            <a:pPr indent="0" lvl="0" marL="0" rtl="0" algn="l">
-              <a:lnSpc>
-                <a:spcPct val="100000"/>
-              </a:lnSpc>
-              <a:spcBef>
-                <a:spcPts val="0"/>
-              </a:spcBef>
-              <a:spcAft>
-                <a:spcPts val="0"/>
-              </a:spcAft>
-              <a:buSzPts val="2400"/>
-              <a:buNone/>
-            </a:pPr>
-            <a:r>
-              <a:rPr lang="en-GB"/>
-              <a:t>Practice Project: Pets API - Testing the API with Insomnia</a:t>
-            </a:r>
-            <a:endParaRPr/>
-          </a:p>
-        </p:txBody>
-      </p:sp>
-      <p:sp>
-        <p:nvSpPr>
-          <p:cNvPr id="331" name="Google Shape;331;g225db79a03c_2_5"/>
-          <p:cNvSpPr txBox="1"/>
-          <p:nvPr/>
-        </p:nvSpPr>
-        <p:spPr>
-          <a:xfrm>
-            <a:off x="815975" y="1067850"/>
-            <a:ext cx="7528500" cy="400200"/>
-          </a:xfrm>
-          <a:prstGeom prst="rect">
-            <a:avLst/>
-          </a:prstGeom>
-          <a:noFill/>
-          <a:ln>
-            <a:noFill/>
-          </a:ln>
-        </p:spPr>
-        <p:txBody>
-          <a:bodyPr anchorCtr="0" anchor="t" bIns="91425" lIns="91425" spcFirstLastPara="1" rIns="91425" wrap="square" tIns="91425">
-            <a:spAutoFit/>
-          </a:bodyPr>
-          <a:lstStyle/>
-          <a:p>
-            <a:pPr indent="0" lvl="0" marL="0" rtl="0" algn="l">
-              <a:spcBef>
-                <a:spcPts val="0"/>
-              </a:spcBef>
-              <a:spcAft>
-                <a:spcPts val="0"/>
-              </a:spcAft>
-              <a:buNone/>
-            </a:pPr>
-            <a:r>
-              <a:t/>
-            </a:r>
-            <a:endParaRPr>
-              <a:solidFill>
-                <a:schemeClr val="dk1"/>
-              </a:solidFill>
-              <a:latin typeface="Plus Jakarta Sans"/>
-              <a:ea typeface="Plus Jakarta Sans"/>
-              <a:cs typeface="Plus Jakarta Sans"/>
-              <a:sym typeface="Plus Jakarta Sans"/>
-            </a:endParaRPr>
-          </a:p>
-        </p:txBody>
-      </p:sp>
-    </p:spTree>
-  </p:cSld>
-  <p:clrMapOvr>
-    <a:masterClrMapping/>
-  </p:clrMapOvr>
-</p:sld>
-</file>
-
-<file path=ppt/slides/slide51.xml><?xml version="1.0" encoding="utf-8"?>
-<p:sld xmlns:a="http://schemas.openxmlformats.org/drawingml/2006/main" xmlns:r="http://schemas.openxmlformats.org/officeDocument/2006/relationships" xmlns:mc="http://schemas.openxmlformats.org/markup-compatibility/2006" xmlns:mv="urn:schemas-microsoft-com:mac:vml" xmlns:p="http://schemas.openxmlformats.org/presentationml/2006/main" xmlns:c="http://schemas.openxmlformats.org/drawingml/2006/chart" xmlns:dgm="http://schemas.openxmlformats.org/drawingml/2006/diagram" xmlns:o="urn:schemas-microsoft-com:office:office" xmlns:v="urn:schemas-microsoft-com:vml" xmlns:pvml="urn:schemas-microsoft-com:office:powerpoint" xmlns:com="http://schemas.openxmlformats.org/drawingml/2006/compatibility" xmlns:p14="http://schemas.microsoft.com/office/powerpoint/2010/main" xmlns:p15="http://schemas.microsoft.com/office/powerpoint/2012/main" xmlns:ahyp="http://schemas.microsoft.com/office/drawing/2018/hyperlinkcolor">
-  <p:cSld>
-    <p:spTree>
-      <p:nvGrpSpPr>
-        <p:cNvPr id="335" name="Shape 335"/>
-        <p:cNvGrpSpPr/>
-        <p:nvPr/>
-      </p:nvGrpSpPr>
-      <p:grpSpPr>
-        <a:xfrm>
-          <a:off x="0" y="0"/>
-          <a:ext cx="0" cy="0"/>
-          <a:chOff x="0" y="0"/>
-          <a:chExt cx="0" cy="0"/>
-        </a:xfrm>
-      </p:grpSpPr>
-      <p:sp>
-        <p:nvSpPr>
-          <p:cNvPr id="336" name="Google Shape;336;g225db79a03c_2_15"/>
+          <p:cNvPr id="331" name="Google Shape;331;g225db79a03c_2_15"/>
           <p:cNvSpPr txBox="1"/>
           <p:nvPr>
             <p:ph type="title"/>
@@ -26968,7 +27013,7 @@
       </p:sp>
       <p:sp>
         <p:nvSpPr>
-          <p:cNvPr id="337" name="Google Shape;337;g225db79a03c_2_15"/>
+          <p:cNvPr id="332" name="Google Shape;332;g225db79a03c_2_15"/>
           <p:cNvSpPr txBox="1"/>
           <p:nvPr/>
         </p:nvSpPr>
@@ -27165,12 +27210,12 @@
 </p:sld>
 </file>
 
-<file path=ppt/slides/slide52.xml><?xml version="1.0" encoding="utf-8"?>
+<file path=ppt/slides/slide51.xml><?xml version="1.0" encoding="utf-8"?>
 <p:sld xmlns:a="http://schemas.openxmlformats.org/drawingml/2006/main" xmlns:r="http://schemas.openxmlformats.org/officeDocument/2006/relationships" xmlns:mc="http://schemas.openxmlformats.org/markup-compatibility/2006" xmlns:mv="urn:schemas-microsoft-com:mac:vml" xmlns:p="http://schemas.openxmlformats.org/presentationml/2006/main" xmlns:c="http://schemas.openxmlformats.org/drawingml/2006/chart" xmlns:dgm="http://schemas.openxmlformats.org/drawingml/2006/diagram" xmlns:o="urn:schemas-microsoft-com:office:office" xmlns:v="urn:schemas-microsoft-com:vml" xmlns:pvml="urn:schemas-microsoft-com:office:powerpoint" xmlns:com="http://schemas.openxmlformats.org/drawingml/2006/compatibility" xmlns:p14="http://schemas.microsoft.com/office/powerpoint/2010/main" xmlns:p15="http://schemas.microsoft.com/office/powerpoint/2012/main" xmlns:ahyp="http://schemas.microsoft.com/office/drawing/2018/hyperlinkcolor">
   <p:cSld>
     <p:spTree>
       <p:nvGrpSpPr>
-        <p:cNvPr id="341" name="Shape 341"/>
+        <p:cNvPr id="336" name="Shape 336"/>
         <p:cNvGrpSpPr/>
         <p:nvPr/>
       </p:nvGrpSpPr>
@@ -27184,7 +27229,7 @@
       </p:grpSpPr>
       <p:sp>
         <p:nvSpPr>
-          <p:cNvPr id="342" name="Google Shape;342;g225db79a03c_2_23"/>
+          <p:cNvPr id="337" name="Google Shape;337;g225db79a03c_2_23"/>
           <p:cNvSpPr txBox="1"/>
           <p:nvPr>
             <p:ph type="title"/>
@@ -27232,14 +27277,14 @@
       </p:sp>
       <p:sp>
         <p:nvSpPr>
-          <p:cNvPr id="343" name="Google Shape;343;g225db79a03c_2_23"/>
+          <p:cNvPr id="338" name="Google Shape;338;g225db79a03c_2_23"/>
           <p:cNvSpPr txBox="1"/>
           <p:nvPr/>
         </p:nvSpPr>
         <p:spPr>
           <a:xfrm>
             <a:off x="815975" y="986400"/>
-            <a:ext cx="7528500" cy="3170700"/>
+            <a:ext cx="7528500" cy="3355500"/>
           </a:xfrm>
           <a:prstGeom prst="rect">
             <a:avLst/>
@@ -27613,7 +27658,7 @@
                 <a:cs typeface="Source Code Pro SemiBold"/>
                 <a:sym typeface="Source Code Pro SemiBold"/>
               </a:rPr>
-              <a:t>// Fetch the first page of todos</a:t>
+              <a:t>// Fetch the first page of todos. In reality, todos should be coming from the database.</a:t>
             </a:r>
             <a:endParaRPr sz="1200">
               <a:solidFill>
@@ -27659,6 +27704,58 @@
           </a:p>
         </p:txBody>
       </p:sp>
+    </p:spTree>
+  </p:cSld>
+  <p:clrMapOvr>
+    <a:masterClrMapping/>
+  </p:clrMapOvr>
+</p:sld>
+</file>
+
+<file path=ppt/slides/slide52.xml><?xml version="1.0" encoding="utf-8"?>
+<p:sld xmlns:a="http://schemas.openxmlformats.org/drawingml/2006/main" xmlns:r="http://schemas.openxmlformats.org/officeDocument/2006/relationships" xmlns:mc="http://schemas.openxmlformats.org/markup-compatibility/2006" xmlns:mv="urn:schemas-microsoft-com:mac:vml" xmlns:p="http://schemas.openxmlformats.org/presentationml/2006/main" xmlns:c="http://schemas.openxmlformats.org/drawingml/2006/chart" xmlns:dgm="http://schemas.openxmlformats.org/drawingml/2006/diagram" xmlns:o="urn:schemas-microsoft-com:office:office" xmlns:v="urn:schemas-microsoft-com:vml" xmlns:pvml="urn:schemas-microsoft-com:office:powerpoint" xmlns:com="http://schemas.openxmlformats.org/drawingml/2006/compatibility" xmlns:p14="http://schemas.microsoft.com/office/powerpoint/2010/main" xmlns:p15="http://schemas.microsoft.com/office/powerpoint/2012/main" xmlns:ahyp="http://schemas.microsoft.com/office/drawing/2018/hyperlinkcolor">
+  <p:cSld>
+    <p:spTree>
+      <p:nvGrpSpPr>
+        <p:cNvPr id="342" name="Shape 342"/>
+        <p:cNvGrpSpPr/>
+        <p:nvPr/>
+      </p:nvGrpSpPr>
+      <p:grpSpPr>
+        <a:xfrm>
+          <a:off x="0" y="0"/>
+          <a:ext cx="0" cy="0"/>
+          <a:chOff x="0" y="0"/>
+          <a:chExt cx="0" cy="0"/>
+        </a:xfrm>
+      </p:grpSpPr>
+      <p:pic>
+        <p:nvPicPr>
+          <p:cNvPr id="343" name="Google Shape;343;g225db79a03c_2_31"/>
+          <p:cNvPicPr preferRelativeResize="0"/>
+          <p:nvPr/>
+        </p:nvPicPr>
+        <p:blipFill rotWithShape="1">
+          <a:blip r:embed="rId3">
+            <a:alphaModFix/>
+          </a:blip>
+          <a:srcRect b="0" l="5052" r="5052" t="0"/>
+          <a:stretch/>
+        </p:blipFill>
+        <p:spPr>
+          <a:xfrm>
+            <a:off x="1542001" y="886425"/>
+            <a:ext cx="6059997" cy="3370650"/>
+          </a:xfrm>
+          <a:prstGeom prst="rect">
+            <a:avLst/>
+          </a:prstGeom>
+          <a:noFill/>
+          <a:ln>
+            <a:noFill/>
+          </a:ln>
+        </p:spPr>
+      </p:pic>
     </p:spTree>
   </p:cSld>
   <p:clrMapOvr>
@@ -27684,62 +27781,9 @@
           <a:chExt cx="0" cy="0"/>
         </a:xfrm>
       </p:grpSpPr>
-      <p:pic>
-        <p:nvPicPr>
-          <p:cNvPr id="348" name="Google Shape;348;g225db79a03c_2_31"/>
-          <p:cNvPicPr preferRelativeResize="0"/>
-          <p:nvPr/>
-        </p:nvPicPr>
-        <p:blipFill>
-          <a:blip r:embed="rId3">
-            <a:alphaModFix/>
-          </a:blip>
-          <a:stretch>
-            <a:fillRect/>
-          </a:stretch>
-        </p:blipFill>
-        <p:spPr>
-          <a:xfrm>
-            <a:off x="1542001" y="886425"/>
-            <a:ext cx="6059999" cy="3370650"/>
-          </a:xfrm>
-          <a:prstGeom prst="rect">
-            <a:avLst/>
-          </a:prstGeom>
-          <a:noFill/>
-          <a:ln>
-            <a:noFill/>
-          </a:ln>
-        </p:spPr>
-      </p:pic>
-    </p:spTree>
-  </p:cSld>
-  <p:clrMapOvr>
-    <a:masterClrMapping/>
-  </p:clrMapOvr>
-</p:sld>
-</file>
-
-<file path=ppt/slides/slide54.xml><?xml version="1.0" encoding="utf-8"?>
-<p:sld xmlns:a="http://schemas.openxmlformats.org/drawingml/2006/main" xmlns:r="http://schemas.openxmlformats.org/officeDocument/2006/relationships" xmlns:mc="http://schemas.openxmlformats.org/markup-compatibility/2006" xmlns:mv="urn:schemas-microsoft-com:mac:vml" xmlns:p="http://schemas.openxmlformats.org/presentationml/2006/main" xmlns:c="http://schemas.openxmlformats.org/drawingml/2006/chart" xmlns:dgm="http://schemas.openxmlformats.org/drawingml/2006/diagram" xmlns:o="urn:schemas-microsoft-com:office:office" xmlns:v="urn:schemas-microsoft-com:vml" xmlns:pvml="urn:schemas-microsoft-com:office:powerpoint" xmlns:com="http://schemas.openxmlformats.org/drawingml/2006/compatibility" xmlns:p14="http://schemas.microsoft.com/office/powerpoint/2010/main" xmlns:p15="http://schemas.microsoft.com/office/powerpoint/2012/main" xmlns:ahyp="http://schemas.microsoft.com/office/drawing/2018/hyperlinkcolor">
-  <p:cSld>
-    <p:spTree>
-      <p:nvGrpSpPr>
-        <p:cNvPr id="352" name="Shape 352"/>
-        <p:cNvGrpSpPr/>
-        <p:nvPr/>
-      </p:nvGrpSpPr>
-      <p:grpSpPr>
-        <a:xfrm>
-          <a:off x="0" y="0"/>
-          <a:ext cx="0" cy="0"/>
-          <a:chOff x="0" y="0"/>
-          <a:chExt cx="0" cy="0"/>
-        </a:xfrm>
-      </p:grpSpPr>
       <p:sp>
         <p:nvSpPr>
-          <p:cNvPr id="353" name="Google Shape;353;g225db79a03c_2_37"/>
+          <p:cNvPr id="348" name="Google Shape;348;g225db79a03c_2_37"/>
           <p:cNvSpPr txBox="1"/>
           <p:nvPr>
             <p:ph type="title"/>
@@ -27787,7 +27831,7 @@
       </p:sp>
       <p:sp>
         <p:nvSpPr>
-          <p:cNvPr id="354" name="Google Shape;354;g225db79a03c_2_37"/>
+          <p:cNvPr id="349" name="Google Shape;349;g225db79a03c_2_37"/>
           <p:cNvSpPr txBox="1"/>
           <p:nvPr/>
         </p:nvSpPr>
@@ -28315,12 +28359,12 @@
 </p:sld>
 </file>
 
-<file path=ppt/slides/slide55.xml><?xml version="1.0" encoding="utf-8"?>
+<file path=ppt/slides/slide54.xml><?xml version="1.0" encoding="utf-8"?>
 <p:sld xmlns:a="http://schemas.openxmlformats.org/drawingml/2006/main" xmlns:r="http://schemas.openxmlformats.org/officeDocument/2006/relationships" xmlns:mc="http://schemas.openxmlformats.org/markup-compatibility/2006" xmlns:mv="urn:schemas-microsoft-com:mac:vml" xmlns:p="http://schemas.openxmlformats.org/presentationml/2006/main" xmlns:c="http://schemas.openxmlformats.org/drawingml/2006/chart" xmlns:dgm="http://schemas.openxmlformats.org/drawingml/2006/diagram" xmlns:o="urn:schemas-microsoft-com:office:office" xmlns:v="urn:schemas-microsoft-com:vml" xmlns:pvml="urn:schemas-microsoft-com:office:powerpoint" xmlns:com="http://schemas.openxmlformats.org/drawingml/2006/compatibility" xmlns:p14="http://schemas.microsoft.com/office/powerpoint/2010/main" xmlns:p15="http://schemas.microsoft.com/office/powerpoint/2012/main" xmlns:ahyp="http://schemas.microsoft.com/office/drawing/2018/hyperlinkcolor">
   <p:cSld>
     <p:spTree>
       <p:nvGrpSpPr>
-        <p:cNvPr id="358" name="Shape 358"/>
+        <p:cNvPr id="353" name="Shape 353"/>
         <p:cNvGrpSpPr/>
         <p:nvPr/>
       </p:nvGrpSpPr>
@@ -28334,7 +28378,7 @@
       </p:grpSpPr>
       <p:sp>
         <p:nvSpPr>
-          <p:cNvPr id="359" name="Google Shape;359;g225db79a03c_2_57"/>
+          <p:cNvPr id="354" name="Google Shape;354;g225db79a03c_2_57"/>
           <p:cNvSpPr txBox="1"/>
           <p:nvPr>
             <p:ph type="title"/>
@@ -28386,14 +28430,14 @@
       </p:sp>
       <p:sp>
         <p:nvSpPr>
-          <p:cNvPr id="360" name="Google Shape;360;g225db79a03c_2_57"/>
+          <p:cNvPr id="355" name="Google Shape;355;g225db79a03c_2_57"/>
           <p:cNvSpPr txBox="1"/>
           <p:nvPr/>
         </p:nvSpPr>
         <p:spPr>
           <a:xfrm>
             <a:off x="807750" y="991650"/>
-            <a:ext cx="7528500" cy="4155900"/>
+            <a:ext cx="7528500" cy="1908600"/>
           </a:xfrm>
           <a:prstGeom prst="rect">
             <a:avLst/>
@@ -28428,7 +28472,7 @@
                 <a:cs typeface="Source Code Pro SemiBold"/>
                 <a:sym typeface="Source Code Pro SemiBold"/>
               </a:rPr>
-              <a:t>https://example.com/todos?sortBy=createdAt&amp;sortOrder=desc</a:t>
+              <a:t>https://example.com/todos?sortBy=title&amp;sortOrder=desc</a:t>
             </a:r>
             <a:endParaRPr>
               <a:solidFill>
@@ -28538,62 +28582,7 @@
                 <a:cs typeface="Plus Jakarta Sans"/>
                 <a:sym typeface="Plus Jakarta Sans"/>
               </a:rPr>
-              <a:t>Let's see it with example:</a:t>
-            </a:r>
-            <a:endParaRPr>
-              <a:solidFill>
-                <a:schemeClr val="dk1"/>
-              </a:solidFill>
-              <a:latin typeface="Plus Jakarta Sans"/>
-              <a:ea typeface="Plus Jakarta Sans"/>
-              <a:cs typeface="Plus Jakarta Sans"/>
-              <a:sym typeface="Plus Jakarta Sans"/>
-            </a:endParaRPr>
-          </a:p>
-          <a:p>
-            <a:pPr indent="0" lvl="0" marL="0" rtl="0" algn="l">
-              <a:spcBef>
-                <a:spcPts val="0"/>
-              </a:spcBef>
-              <a:spcAft>
-                <a:spcPts val="0"/>
-              </a:spcAft>
-              <a:buNone/>
-            </a:pPr>
-            <a:r>
-              <a:t/>
-            </a:r>
-            <a:endParaRPr>
-              <a:solidFill>
-                <a:schemeClr val="dk1"/>
-              </a:solidFill>
-              <a:latin typeface="Plus Jakarta Sans"/>
-              <a:ea typeface="Plus Jakarta Sans"/>
-              <a:cs typeface="Plus Jakarta Sans"/>
-              <a:sym typeface="Plus Jakarta Sans"/>
-            </a:endParaRPr>
-          </a:p>
-          <a:p>
-            <a:pPr indent="0" lvl="0" marL="0" rtl="0" algn="l">
-              <a:spcBef>
-                <a:spcPts val="0"/>
-              </a:spcBef>
-              <a:spcAft>
-                <a:spcPts val="0"/>
-              </a:spcAft>
-              <a:buNone/>
-            </a:pPr>
-            <a:r>
-              <a:rPr lang="en-GB" sz="1200">
-                <a:solidFill>
-                  <a:schemeClr val="dk1"/>
-                </a:solidFill>
-                <a:latin typeface="Source Code Pro SemiBold"/>
-                <a:ea typeface="Source Code Pro SemiBold"/>
-                <a:cs typeface="Source Code Pro SemiBold"/>
-                <a:sym typeface="Source Code Pro SemiBold"/>
-              </a:rPr>
-              <a:t>const sortBy = req.query.sortBy; // createdAt</a:t>
+              <a:t>Let's see it with example: (in next slide)</a:t>
             </a:r>
             <a:endParaRPr sz="1200">
               <a:solidFill>
@@ -28605,18 +28594,101 @@
               <a:sym typeface="Source Code Pro SemiBold"/>
             </a:endParaRPr>
           </a:p>
-          <a:p>
-            <a:pPr indent="0" lvl="0" marL="0" rtl="0" algn="l">
-              <a:spcBef>
-                <a:spcPts val="0"/>
-              </a:spcBef>
-              <a:spcAft>
-                <a:spcPts val="0"/>
-              </a:spcAft>
-              <a:buNone/>
-            </a:pPr>
-            <a:r>
-              <a:rPr lang="en-GB" sz="1200">
+        </p:txBody>
+      </p:sp>
+    </p:spTree>
+  </p:cSld>
+  <p:clrMapOvr>
+    <a:masterClrMapping/>
+  </p:clrMapOvr>
+</p:sld>
+</file>
+
+<file path=ppt/slides/slide55.xml><?xml version="1.0" encoding="utf-8"?>
+<p:sld xmlns:a="http://schemas.openxmlformats.org/drawingml/2006/main" xmlns:r="http://schemas.openxmlformats.org/officeDocument/2006/relationships" xmlns:mc="http://schemas.openxmlformats.org/markup-compatibility/2006" xmlns:mv="urn:schemas-microsoft-com:mac:vml" xmlns:p="http://schemas.openxmlformats.org/presentationml/2006/main" xmlns:c="http://schemas.openxmlformats.org/drawingml/2006/chart" xmlns:dgm="http://schemas.openxmlformats.org/drawingml/2006/diagram" xmlns:o="urn:schemas-microsoft-com:office:office" xmlns:v="urn:schemas-microsoft-com:vml" xmlns:pvml="urn:schemas-microsoft-com:office:powerpoint" xmlns:com="http://schemas.openxmlformats.org/drawingml/2006/compatibility" xmlns:p14="http://schemas.microsoft.com/office/powerpoint/2010/main" xmlns:p15="http://schemas.microsoft.com/office/powerpoint/2012/main" xmlns:ahyp="http://schemas.microsoft.com/office/drawing/2018/hyperlinkcolor">
+  <p:cSld>
+    <p:spTree>
+      <p:nvGrpSpPr>
+        <p:cNvPr id="359" name="Shape 359"/>
+        <p:cNvGrpSpPr/>
+        <p:nvPr/>
+      </p:nvGrpSpPr>
+      <p:grpSpPr>
+        <a:xfrm>
+          <a:off x="0" y="0"/>
+          <a:ext cx="0" cy="0"/>
+          <a:chOff x="0" y="0"/>
+          <a:chExt cx="0" cy="0"/>
+        </a:xfrm>
+      </p:grpSpPr>
+      <p:sp>
+        <p:nvSpPr>
+          <p:cNvPr id="360" name="Google Shape;360;g22606a26049_2_1"/>
+          <p:cNvSpPr txBox="1"/>
+          <p:nvPr/>
+        </p:nvSpPr>
+        <p:spPr>
+          <a:xfrm>
+            <a:off x="807750" y="970950"/>
+            <a:ext cx="7528500" cy="3201600"/>
+          </a:xfrm>
+          <a:prstGeom prst="rect">
+            <a:avLst/>
+          </a:prstGeom>
+          <a:noFill/>
+          <a:ln>
+            <a:noFill/>
+          </a:ln>
+        </p:spPr>
+        <p:txBody>
+          <a:bodyPr anchorCtr="0" anchor="t" bIns="91425" lIns="91425" spcFirstLastPara="1" rIns="91425" wrap="square" tIns="91425">
+            <a:spAutoFit/>
+          </a:bodyPr>
+          <a:lstStyle/>
+          <a:p>
+            <a:pPr indent="0" lvl="0" marL="0" rtl="0" algn="l">
+              <a:spcBef>
+                <a:spcPts val="0"/>
+              </a:spcBef>
+              <a:spcAft>
+                <a:spcPts val="0"/>
+              </a:spcAft>
+              <a:buNone/>
+            </a:pPr>
+            <a:r>
+              <a:rPr lang="en-GB">
+                <a:solidFill>
+                  <a:schemeClr val="dk1"/>
+                </a:solidFill>
+                <a:latin typeface="Source Code Pro SemiBold"/>
+                <a:ea typeface="Source Code Pro SemiBold"/>
+                <a:cs typeface="Source Code Pro SemiBold"/>
+                <a:sym typeface="Source Code Pro SemiBold"/>
+              </a:rPr>
+              <a:t>const sortBy = req.query.sortBy; // title</a:t>
+            </a:r>
+            <a:endParaRPr>
+              <a:solidFill>
+                <a:schemeClr val="dk1"/>
+              </a:solidFill>
+              <a:latin typeface="Source Code Pro SemiBold"/>
+              <a:ea typeface="Source Code Pro SemiBold"/>
+              <a:cs typeface="Source Code Pro SemiBold"/>
+              <a:sym typeface="Source Code Pro SemiBold"/>
+            </a:endParaRPr>
+          </a:p>
+          <a:p>
+            <a:pPr indent="0" lvl="0" marL="0" rtl="0" algn="l">
+              <a:spcBef>
+                <a:spcPts val="0"/>
+              </a:spcBef>
+              <a:spcAft>
+                <a:spcPts val="0"/>
+              </a:spcAft>
+              <a:buNone/>
+            </a:pPr>
+            <a:r>
+              <a:rPr lang="en-GB">
                 <a:solidFill>
                   <a:schemeClr val="dk1"/>
                 </a:solidFill>
@@ -28627,7 +28699,7 @@
               </a:rPr>
               <a:t>const sortOrder = req.query.sortOrder; // desc</a:t>
             </a:r>
-            <a:endParaRPr sz="1200">
+            <a:endParaRPr>
               <a:solidFill>
                 <a:schemeClr val="dk1"/>
               </a:solidFill>
@@ -28650,7 +28722,7 @@
             <a:r>
               <a:t/>
             </a:r>
-            <a:endParaRPr sz="1200">
+            <a:endParaRPr>
               <a:solidFill>
                 <a:schemeClr val="dk1"/>
               </a:solidFill>
@@ -28671,7 +28743,7 @@
               <a:buNone/>
             </a:pPr>
             <a:r>
-              <a:rPr lang="en-GB" sz="1200">
+              <a:rPr lang="en-GB">
                 <a:solidFill>
                   <a:schemeClr val="dk1"/>
                 </a:solidFill>
@@ -28680,9 +28752,9 @@
                 <a:cs typeface="Source Code Pro SemiBold"/>
                 <a:sym typeface="Source Code Pro SemiBold"/>
               </a:rPr>
-              <a:t>// Sort the todos by createdAt in descending order</a:t>
-            </a:r>
-            <a:endParaRPr sz="1200">
+              <a:t>// Sort the todos by [sortBy] in [sortOrder] order</a:t>
+            </a:r>
+            <a:endParaRPr>
               <a:solidFill>
                 <a:schemeClr val="dk1"/>
               </a:solidFill>
@@ -28703,7 +28775,7 @@
               <a:buNone/>
             </a:pPr>
             <a:r>
-              <a:rPr lang="en-GB" sz="1200">
+              <a:rPr lang="en-GB">
                 <a:solidFill>
                   <a:schemeClr val="dk1"/>
                 </a:solidFill>
@@ -28714,7 +28786,7 @@
               </a:rPr>
               <a:t>todos.sort((a, b) =&gt; {</a:t>
             </a:r>
-            <a:endParaRPr sz="1200">
+            <a:endParaRPr>
               <a:solidFill>
                 <a:schemeClr val="dk1"/>
               </a:solidFill>
@@ -28735,7 +28807,71 @@
               <a:buNone/>
             </a:pPr>
             <a:r>
-              <a:rPr lang="en-GB" sz="1200">
+              <a:rPr lang="en-GB">
+                <a:solidFill>
+                  <a:schemeClr val="dk1"/>
+                </a:solidFill>
+                <a:latin typeface="Source Code Pro SemiBold"/>
+                <a:ea typeface="Source Code Pro SemiBold"/>
+                <a:cs typeface="Source Code Pro SemiBold"/>
+                <a:sym typeface="Source Code Pro SemiBold"/>
+              </a:rPr>
+              <a:t>  // This only works for strings.</a:t>
+            </a:r>
+            <a:endParaRPr>
+              <a:solidFill>
+                <a:schemeClr val="dk1"/>
+              </a:solidFill>
+              <a:latin typeface="Source Code Pro SemiBold"/>
+              <a:ea typeface="Source Code Pro SemiBold"/>
+              <a:cs typeface="Source Code Pro SemiBold"/>
+              <a:sym typeface="Source Code Pro SemiBold"/>
+            </a:endParaRPr>
+          </a:p>
+          <a:p>
+            <a:pPr indent="0" lvl="0" marL="0" rtl="0" algn="l">
+              <a:spcBef>
+                <a:spcPts val="0"/>
+              </a:spcBef>
+              <a:spcAft>
+                <a:spcPts val="0"/>
+              </a:spcAft>
+              <a:buNone/>
+            </a:pPr>
+            <a:r>
+              <a:rPr lang="en-GB">
+                <a:solidFill>
+                  <a:schemeClr val="dk1"/>
+                </a:solidFill>
+                <a:latin typeface="Source Code Pro SemiBold"/>
+                <a:ea typeface="Source Code Pro SemiBold"/>
+                <a:cs typeface="Source Code Pro SemiBold"/>
+                <a:sym typeface="Source Code Pro SemiBold"/>
+              </a:rPr>
+              <a:t>  // For numbers, use (b - a) for desc and (a - b) for asc</a:t>
+            </a:r>
+            <a:endParaRPr>
+              <a:solidFill>
+                <a:schemeClr val="dk1"/>
+              </a:solidFill>
+              <a:latin typeface="Source Code Pro SemiBold"/>
+              <a:ea typeface="Source Code Pro SemiBold"/>
+              <a:cs typeface="Source Code Pro SemiBold"/>
+              <a:sym typeface="Source Code Pro SemiBold"/>
+            </a:endParaRPr>
+          </a:p>
+          <a:p>
+            <a:pPr indent="0" lvl="0" marL="0" rtl="0" algn="l">
+              <a:spcBef>
+                <a:spcPts val="0"/>
+              </a:spcBef>
+              <a:spcAft>
+                <a:spcPts val="0"/>
+              </a:spcAft>
+              <a:buNone/>
+            </a:pPr>
+            <a:r>
+              <a:rPr lang="en-GB">
                 <a:solidFill>
                   <a:schemeClr val="dk1"/>
                 </a:solidFill>
@@ -28746,7 +28882,7 @@
               </a:rPr>
               <a:t>  if (sortOrder === "desc") {</a:t>
             </a:r>
-            <a:endParaRPr sz="1200">
+            <a:endParaRPr>
               <a:solidFill>
                 <a:schemeClr val="dk1"/>
               </a:solidFill>
@@ -28767,7 +28903,7 @@
               <a:buNone/>
             </a:pPr>
             <a:r>
-              <a:rPr lang="en-GB" sz="1200">
+              <a:rPr lang="en-GB">
                 <a:solidFill>
                   <a:schemeClr val="dk1"/>
                 </a:solidFill>
@@ -28776,9 +28912,9 @@
                 <a:cs typeface="Source Code Pro SemiBold"/>
                 <a:sym typeface="Source Code Pro SemiBold"/>
               </a:rPr>
-              <a:t>    return new Date(b[sortBy]) - new Date(a[sortBy]);</a:t>
-            </a:r>
-            <a:endParaRPr sz="1200">
+              <a:t>    return b[sortBy].localeCompare(a[sortBy]);</a:t>
+            </a:r>
+            <a:endParaRPr>
               <a:solidFill>
                 <a:schemeClr val="dk1"/>
               </a:solidFill>
@@ -28799,7 +28935,7 @@
               <a:buNone/>
             </a:pPr>
             <a:r>
-              <a:rPr lang="en-GB" sz="1200">
+              <a:rPr lang="en-GB">
                 <a:solidFill>
                   <a:schemeClr val="dk1"/>
                 </a:solidFill>
@@ -28810,7 +28946,7 @@
               </a:rPr>
               <a:t>  } else if (sortOrder === "asc") {</a:t>
             </a:r>
-            <a:endParaRPr sz="1200">
+            <a:endParaRPr>
               <a:solidFill>
                 <a:schemeClr val="dk1"/>
               </a:solidFill>
@@ -28831,7 +28967,7 @@
               <a:buNone/>
             </a:pPr>
             <a:r>
-              <a:rPr lang="en-GB" sz="1200">
+              <a:rPr lang="en-GB">
                 <a:solidFill>
                   <a:schemeClr val="dk1"/>
                 </a:solidFill>
@@ -28840,9 +28976,9 @@
                 <a:cs typeface="Source Code Pro SemiBold"/>
                 <a:sym typeface="Source Code Pro SemiBold"/>
               </a:rPr>
-              <a:t>    return new Date(a[sortBy]) - new Date(b[sortBy]);</a:t>
-            </a:r>
-            <a:endParaRPr sz="1200">
+              <a:t>    return a[sortBy].localeCompare(b[sortBy]);</a:t>
+            </a:r>
+            <a:endParaRPr>
               <a:solidFill>
                 <a:schemeClr val="dk1"/>
               </a:solidFill>
@@ -28863,7 +28999,7 @@
               <a:buNone/>
             </a:pPr>
             <a:r>
-              <a:rPr lang="en-GB" sz="1200">
+              <a:rPr lang="en-GB">
                 <a:solidFill>
                   <a:schemeClr val="dk1"/>
                 </a:solidFill>
@@ -28874,7 +29010,7 @@
               </a:rPr>
               <a:t>  }</a:t>
             </a:r>
-            <a:endParaRPr sz="1200">
+            <a:endParaRPr>
               <a:solidFill>
                 <a:schemeClr val="dk1"/>
               </a:solidFill>
@@ -28895,7 +29031,39 @@
               <a:buNone/>
             </a:pPr>
             <a:r>
-              <a:rPr lang="en-GB" sz="1200">
+              <a:rPr lang="en-GB">
+                <a:solidFill>
+                  <a:schemeClr val="dk1"/>
+                </a:solidFill>
+                <a:latin typeface="Source Code Pro SemiBold"/>
+                <a:ea typeface="Source Code Pro SemiBold"/>
+                <a:cs typeface="Source Code Pro SemiBold"/>
+                <a:sym typeface="Source Code Pro SemiBold"/>
+              </a:rPr>
+              <a:t>  return 0;</a:t>
+            </a:r>
+            <a:endParaRPr>
+              <a:solidFill>
+                <a:schemeClr val="dk1"/>
+              </a:solidFill>
+              <a:latin typeface="Source Code Pro SemiBold"/>
+              <a:ea typeface="Source Code Pro SemiBold"/>
+              <a:cs typeface="Source Code Pro SemiBold"/>
+              <a:sym typeface="Source Code Pro SemiBold"/>
+            </a:endParaRPr>
+          </a:p>
+          <a:p>
+            <a:pPr indent="0" lvl="0" marL="0" rtl="0" algn="l">
+              <a:spcBef>
+                <a:spcPts val="0"/>
+              </a:spcBef>
+              <a:spcAft>
+                <a:spcPts val="0"/>
+              </a:spcAft>
+              <a:buNone/>
+            </a:pPr>
+            <a:r>
+              <a:rPr lang="en-GB">
                 <a:solidFill>
                   <a:schemeClr val="dk1"/>
                 </a:solidFill>
@@ -28906,7 +29074,7 @@
               </a:rPr>
               <a:t>});</a:t>
             </a:r>
-            <a:endParaRPr sz="1200">
+            <a:endParaRPr>
               <a:solidFill>
                 <a:schemeClr val="dk1"/>
               </a:solidFill>
@@ -28953,13 +29121,13 @@
           <a:blip r:embed="rId3">
             <a:alphaModFix/>
           </a:blip>
-          <a:srcRect b="2480" l="0" r="0" t="2480"/>
+          <a:srcRect b="7475" l="0" r="0" t="7475"/>
           <a:stretch/>
         </p:blipFill>
         <p:spPr>
           <a:xfrm>
             <a:off x="1542001" y="886425"/>
-            <a:ext cx="6059998" cy="3370649"/>
+            <a:ext cx="6059999" cy="3370648"/>
           </a:xfrm>
           <a:prstGeom prst="rect">
             <a:avLst/>
@@ -29094,7 +29262,7 @@
                 <a:cs typeface="Plus Jakarta Sans"/>
                 <a:sym typeface="Plus Jakarta Sans"/>
               </a:rPr>
-              <a:t>the code sorts the todos by the `createdAt` field in descending order. </a:t>
+              <a:t>the code sorts the todos by title field in descending order. </a:t>
             </a:r>
             <a:endParaRPr>
               <a:solidFill>
@@ -29149,7 +29317,7 @@
                 <a:cs typeface="Plus Jakarta Sans"/>
                 <a:sym typeface="Plus Jakarta Sans"/>
               </a:rPr>
-              <a:t>The `sortOrder` variable specifies the order of sorting. </a:t>
+              <a:t>The sortOrder variable specifies the order of sorting. </a:t>
             </a:r>
             <a:endParaRPr>
               <a:solidFill>
@@ -29204,7 +29372,7 @@
                 <a:cs typeface="Plus Jakarta Sans"/>
                 <a:sym typeface="Plus Jakarta Sans"/>
               </a:rPr>
-              <a:t>If it's `desc`, then we're sorting the todos in descending order. Otherwise, we're sorting them in ascending order.</a:t>
+              <a:t>If it's desc, then we're sorting the todos in descending order. Otherwise, we're sorting them in ascending order.</a:t>
             </a:r>
             <a:endParaRPr>
               <a:solidFill>
@@ -30469,7 +30637,7 @@
       </p:grpSpPr>
       <p:sp>
         <p:nvSpPr>
-          <p:cNvPr id="398" name="Google Shape;398;g225db79a03c_2_109"/>
+          <p:cNvPr id="398" name="Google Shape;398;g22606a26049_0_0"/>
           <p:cNvSpPr txBox="1"/>
           <p:nvPr>
             <p:ph type="title"/>
@@ -30508,7 +30676,7 @@
             </a:pPr>
             <a:r>
               <a:rPr lang="en-GB"/>
-              <a:t>Error Handling and Response Codes</a:t>
+              <a:t>Third-party middlewares</a:t>
             </a:r>
             <a:endParaRPr/>
           </a:p>
@@ -30516,14 +30684,14 @@
       </p:sp>
       <p:sp>
         <p:nvSpPr>
-          <p:cNvPr id="399" name="Google Shape;399;g225db79a03c_2_109"/>
+          <p:cNvPr id="399" name="Google Shape;399;g22606a26049_0_0"/>
           <p:cNvSpPr txBox="1"/>
           <p:nvPr/>
         </p:nvSpPr>
         <p:spPr>
           <a:xfrm>
-            <a:off x="807750" y="1617450"/>
-            <a:ext cx="7528500" cy="1908600"/>
+            <a:off x="807750" y="1725150"/>
+            <a:ext cx="7528500" cy="2555100"/>
           </a:xfrm>
           <a:prstGeom prst="rect">
             <a:avLst/>
@@ -30558,7 +30726,7 @@
                 <a:cs typeface="Plus Jakarta Sans"/>
                 <a:sym typeface="Plus Jakarta Sans"/>
               </a:rPr>
-              <a:t>Error handling is an essential aspect of building robust APIs. In Express.js, we can handle errors using middleware functions and send appropriate response codes to indicate the status of the request.</a:t>
+              <a:t>When developing an Express application, you may need to add additional functionality to your routes or handle common tasks such as authentication, parsing request data, logging, and more. Instead of building these functionalities from scratch, you can save time by using third-party middleware packages available in the npm library.</a:t>
             </a:r>
             <a:endParaRPr>
               <a:solidFill>
@@ -30587,10 +30755,10 @@
               <a:solidFill>
                 <a:schemeClr val="dk1"/>
               </a:solidFill>
-              <a:latin typeface="Source Code Pro SemiBold"/>
-              <a:ea typeface="Source Code Pro SemiBold"/>
-              <a:cs typeface="Source Code Pro SemiBold"/>
-              <a:sym typeface="Source Code Pro SemiBold"/>
+              <a:latin typeface="Plus Jakarta Sans"/>
+              <a:ea typeface="Plus Jakarta Sans"/>
+              <a:cs typeface="Plus Jakarta Sans"/>
+              <a:sym typeface="Plus Jakarta Sans"/>
             </a:endParaRPr>
           </a:p>
           <a:p>
@@ -30613,7 +30781,118 @@
                 <a:cs typeface="Plus Jakarta Sans"/>
                 <a:sym typeface="Plus Jakarta Sans"/>
               </a:rPr>
-              <a:t>To handle errors, we can create custom middleware functions that catch errors and pass them to the Express error handling middleware. The error handling middleware can then send an appropriate error response to the client, along with the corresponding HTTP status code.</a:t>
+              <a:t>Here are a few popular middleware packages that you can consider using with Express:</a:t>
+            </a:r>
+            <a:endParaRPr>
+              <a:solidFill>
+                <a:schemeClr val="dk1"/>
+              </a:solidFill>
+              <a:latin typeface="Plus Jakarta Sans"/>
+              <a:ea typeface="Plus Jakarta Sans"/>
+              <a:cs typeface="Plus Jakarta Sans"/>
+              <a:sym typeface="Plus Jakarta Sans"/>
+            </a:endParaRPr>
+          </a:p>
+          <a:p>
+            <a:pPr indent="-317500" lvl="0" marL="457200" rtl="0" algn="l">
+              <a:spcBef>
+                <a:spcPts val="0"/>
+              </a:spcBef>
+              <a:spcAft>
+                <a:spcPts val="0"/>
+              </a:spcAft>
+              <a:buClr>
+                <a:schemeClr val="dk1"/>
+              </a:buClr>
+              <a:buSzPts val="1400"/>
+              <a:buFont typeface="Plus Jakarta Sans"/>
+              <a:buChar char="-"/>
+            </a:pPr>
+            <a:r>
+              <a:rPr lang="en-GB">
+                <a:solidFill>
+                  <a:schemeClr val="dk1"/>
+                </a:solidFill>
+                <a:latin typeface="Plus Jakarta Sans"/>
+                <a:ea typeface="Plus Jakarta Sans"/>
+                <a:cs typeface="Plus Jakarta Sans"/>
+                <a:sym typeface="Plus Jakarta Sans"/>
+              </a:rPr>
+              <a:t>PassportJS: This package helps you add authentication/authorization to the API.</a:t>
+            </a:r>
+            <a:endParaRPr>
+              <a:solidFill>
+                <a:schemeClr val="dk1"/>
+              </a:solidFill>
+              <a:latin typeface="Plus Jakarta Sans"/>
+              <a:ea typeface="Plus Jakarta Sans"/>
+              <a:cs typeface="Plus Jakarta Sans"/>
+              <a:sym typeface="Plus Jakarta Sans"/>
+            </a:endParaRPr>
+          </a:p>
+          <a:p>
+            <a:pPr indent="-317500" lvl="0" marL="457200" rtl="0" algn="l">
+              <a:spcBef>
+                <a:spcPts val="0"/>
+              </a:spcBef>
+              <a:spcAft>
+                <a:spcPts val="0"/>
+              </a:spcAft>
+              <a:buClr>
+                <a:schemeClr val="dk1"/>
+              </a:buClr>
+              <a:buSzPts val="1400"/>
+              <a:buFont typeface="Plus Jakarta Sans"/>
+              <a:buChar char="-"/>
+            </a:pPr>
+            <a:r>
+              <a:rPr lang="en-GB">
+                <a:solidFill>
+                  <a:schemeClr val="dk1"/>
+                </a:solidFill>
+                <a:latin typeface="Plus Jakarta Sans"/>
+                <a:ea typeface="Plus Jakarta Sans"/>
+                <a:cs typeface="Plus Jakarta Sans"/>
+                <a:sym typeface="Plus Jakarta Sans"/>
+              </a:rPr>
+              <a:t>Cookie Parser: Simplifies the process of parsing cookies sent by clients in the request headers.</a:t>
+            </a:r>
+            <a:endParaRPr>
+              <a:solidFill>
+                <a:schemeClr val="dk1"/>
+              </a:solidFill>
+              <a:latin typeface="Plus Jakarta Sans"/>
+              <a:ea typeface="Plus Jakarta Sans"/>
+              <a:cs typeface="Plus Jakarta Sans"/>
+              <a:sym typeface="Plus Jakarta Sans"/>
+            </a:endParaRPr>
+          </a:p>
+          <a:p>
+            <a:pPr indent="-317500" lvl="0" marL="457200" rtl="0" algn="l">
+              <a:spcBef>
+                <a:spcPts val="0"/>
+              </a:spcBef>
+              <a:spcAft>
+                <a:spcPts val="0"/>
+              </a:spcAft>
+              <a:buClr>
+                <a:schemeClr val="dk1"/>
+              </a:buClr>
+              <a:buSzPts val="1400"/>
+              <a:buFont typeface="Plus Jakarta Sans"/>
+              <a:buChar char="-"/>
+            </a:pPr>
+            <a:r>
+              <a:rPr lang="en-GB">
+                <a:solidFill>
+                  <a:schemeClr val="dk1"/>
+                </a:solidFill>
+                <a:latin typeface="Plus Jakarta Sans"/>
+                <a:ea typeface="Plus Jakarta Sans"/>
+                <a:cs typeface="Plus Jakarta Sans"/>
+                <a:sym typeface="Plus Jakarta Sans"/>
+              </a:rPr>
+              <a:t>Compression: Enables gzip compression of responses, reducing the size of data transmitted over the network and improving performance.</a:t>
             </a:r>
             <a:endParaRPr>
               <a:solidFill>
@@ -30654,7 +30933,7 @@
       </p:grpSpPr>
       <p:sp>
         <p:nvSpPr>
-          <p:cNvPr id="404" name="Google Shape;404;g225db79a03c_2_118"/>
+          <p:cNvPr id="404" name="Google Shape;404;g225db79a03c_2_109"/>
           <p:cNvSpPr txBox="1"/>
           <p:nvPr>
             <p:ph type="title"/>
@@ -30693,7 +30972,7 @@
             </a:pPr>
             <a:r>
               <a:rPr lang="en-GB"/>
-              <a:t>Error Handling and Response Codes: Example</a:t>
+              <a:t>Error Handling and Response Codes</a:t>
             </a:r>
             <a:endParaRPr/>
           </a:p>
@@ -30701,14 +30980,14 @@
       </p:sp>
       <p:sp>
         <p:nvSpPr>
-          <p:cNvPr id="405" name="Google Shape;405;g225db79a03c_2_118"/>
+          <p:cNvPr id="405" name="Google Shape;405;g225db79a03c_2_109"/>
           <p:cNvSpPr txBox="1"/>
           <p:nvPr/>
         </p:nvSpPr>
         <p:spPr>
           <a:xfrm>
-            <a:off x="807750" y="1001700"/>
-            <a:ext cx="7528500" cy="3140100"/>
+            <a:off x="807750" y="1617450"/>
+            <a:ext cx="7528500" cy="1908600"/>
           </a:xfrm>
           <a:prstGeom prst="rect">
             <a:avLst/>
@@ -30734,18 +31013,41 @@
               <a:buNone/>
             </a:pPr>
             <a:r>
-              <a:rPr lang="en-GB" sz="1200">
+              <a:rPr lang="en-GB">
                 <a:solidFill>
                   <a:schemeClr val="dk1"/>
                 </a:solidFill>
-                <a:latin typeface="Source Code Pro SemiBold"/>
-                <a:ea typeface="Source Code Pro SemiBold"/>
-                <a:cs typeface="Source Code Pro SemiBold"/>
-                <a:sym typeface="Source Code Pro SemiBold"/>
+                <a:latin typeface="Plus Jakarta Sans"/>
+                <a:ea typeface="Plus Jakarta Sans"/>
+                <a:cs typeface="Plus Jakarta Sans"/>
+                <a:sym typeface="Plus Jakarta Sans"/>
               </a:rPr>
-              <a:t>app.get("/todos", (req, res, next) =&gt; {</a:t>
-            </a:r>
-            <a:endParaRPr sz="1200">
+              <a:t>Error handling is an essential aspect of building robust APIs. In Express.js, we can handle errors using middleware functions and send appropriate response codes to indicate the status of the request.</a:t>
+            </a:r>
+            <a:endParaRPr>
+              <a:solidFill>
+                <a:schemeClr val="dk1"/>
+              </a:solidFill>
+              <a:latin typeface="Plus Jakarta Sans"/>
+              <a:ea typeface="Plus Jakarta Sans"/>
+              <a:cs typeface="Plus Jakarta Sans"/>
+              <a:sym typeface="Plus Jakarta Sans"/>
+            </a:endParaRPr>
+          </a:p>
+          <a:p>
+            <a:pPr indent="0" lvl="0" marL="0" rtl="0" algn="l">
+              <a:spcBef>
+                <a:spcPts val="0"/>
+              </a:spcBef>
+              <a:spcAft>
+                <a:spcPts val="0"/>
+              </a:spcAft>
+              <a:buNone/>
+            </a:pPr>
+            <a:r>
+              <a:t/>
+            </a:r>
+            <a:endParaRPr>
               <a:solidFill>
                 <a:schemeClr val="dk1"/>
               </a:solidFill>
@@ -30766,455 +31068,16 @@
               <a:buNone/>
             </a:pPr>
             <a:r>
-              <a:rPr lang="en-GB" sz="1200">
+              <a:rPr lang="en-GB">
                 <a:solidFill>
                   <a:schemeClr val="dk1"/>
                 </a:solidFill>
-                <a:latin typeface="Source Code Pro SemiBold"/>
-                <a:ea typeface="Source Code Pro SemiBold"/>
-                <a:cs typeface="Source Code Pro SemiBold"/>
-                <a:sym typeface="Source Code Pro SemiBold"/>
+                <a:latin typeface="Plus Jakarta Sans"/>
+                <a:ea typeface="Plus Jakarta Sans"/>
+                <a:cs typeface="Plus Jakarta Sans"/>
+                <a:sym typeface="Plus Jakarta Sans"/>
               </a:rPr>
-              <a:t>  // An error occurs</a:t>
-            </a:r>
-            <a:endParaRPr sz="1200">
-              <a:solidFill>
-                <a:schemeClr val="dk1"/>
-              </a:solidFill>
-              <a:latin typeface="Source Code Pro SemiBold"/>
-              <a:ea typeface="Source Code Pro SemiBold"/>
-              <a:cs typeface="Source Code Pro SemiBold"/>
-              <a:sym typeface="Source Code Pro SemiBold"/>
-            </a:endParaRPr>
-          </a:p>
-          <a:p>
-            <a:pPr indent="0" lvl="0" marL="0" rtl="0" algn="l">
-              <a:spcBef>
-                <a:spcPts val="0"/>
-              </a:spcBef>
-              <a:spcAft>
-                <a:spcPts val="0"/>
-              </a:spcAft>
-              <a:buNone/>
-            </a:pPr>
-            <a:r>
-              <a:rPr lang="en-GB" sz="1200">
-                <a:solidFill>
-                  <a:schemeClr val="dk1"/>
-                </a:solidFill>
-                <a:latin typeface="Source Code Pro SemiBold"/>
-                <a:ea typeface="Source Code Pro SemiBold"/>
-                <a:cs typeface="Source Code Pro SemiBold"/>
-                <a:sym typeface="Source Code Pro SemiBold"/>
-              </a:rPr>
-              <a:t>  const error = new Error("Internal Server Error");</a:t>
-            </a:r>
-            <a:endParaRPr sz="1200">
-              <a:solidFill>
-                <a:schemeClr val="dk1"/>
-              </a:solidFill>
-              <a:latin typeface="Source Code Pro SemiBold"/>
-              <a:ea typeface="Source Code Pro SemiBold"/>
-              <a:cs typeface="Source Code Pro SemiBold"/>
-              <a:sym typeface="Source Code Pro SemiBold"/>
-            </a:endParaRPr>
-          </a:p>
-          <a:p>
-            <a:pPr indent="0" lvl="0" marL="0" rtl="0" algn="l">
-              <a:spcBef>
-                <a:spcPts val="0"/>
-              </a:spcBef>
-              <a:spcAft>
-                <a:spcPts val="0"/>
-              </a:spcAft>
-              <a:buNone/>
-            </a:pPr>
-            <a:r>
-              <a:rPr lang="en-GB" sz="1200">
-                <a:solidFill>
-                  <a:schemeClr val="dk1"/>
-                </a:solidFill>
-                <a:latin typeface="Source Code Pro SemiBold"/>
-                <a:ea typeface="Source Code Pro SemiBold"/>
-                <a:cs typeface="Source Code Pro SemiBold"/>
-                <a:sym typeface="Source Code Pro SemiBold"/>
-              </a:rPr>
-              <a:t>  error.status = 500;</a:t>
-            </a:r>
-            <a:endParaRPr sz="1200">
-              <a:solidFill>
-                <a:schemeClr val="dk1"/>
-              </a:solidFill>
-              <a:latin typeface="Source Code Pro SemiBold"/>
-              <a:ea typeface="Source Code Pro SemiBold"/>
-              <a:cs typeface="Source Code Pro SemiBold"/>
-              <a:sym typeface="Source Code Pro SemiBold"/>
-            </a:endParaRPr>
-          </a:p>
-          <a:p>
-            <a:pPr indent="0" lvl="0" marL="0" rtl="0" algn="l">
-              <a:spcBef>
-                <a:spcPts val="0"/>
-              </a:spcBef>
-              <a:spcAft>
-                <a:spcPts val="0"/>
-              </a:spcAft>
-              <a:buNone/>
-            </a:pPr>
-            <a:r>
-              <a:rPr lang="en-GB" sz="1200">
-                <a:solidFill>
-                  <a:schemeClr val="dk1"/>
-                </a:solidFill>
-                <a:latin typeface="Source Code Pro SemiBold"/>
-                <a:ea typeface="Source Code Pro SemiBold"/>
-                <a:cs typeface="Source Code Pro SemiBold"/>
-                <a:sym typeface="Source Code Pro SemiBold"/>
-              </a:rPr>
-              <a:t>  next(error);</a:t>
-            </a:r>
-            <a:endParaRPr sz="1200">
-              <a:solidFill>
-                <a:schemeClr val="dk1"/>
-              </a:solidFill>
-              <a:latin typeface="Source Code Pro SemiBold"/>
-              <a:ea typeface="Source Code Pro SemiBold"/>
-              <a:cs typeface="Source Code Pro SemiBold"/>
-              <a:sym typeface="Source Code Pro SemiBold"/>
-            </a:endParaRPr>
-          </a:p>
-          <a:p>
-            <a:pPr indent="0" lvl="0" marL="0" rtl="0" algn="l">
-              <a:spcBef>
-                <a:spcPts val="0"/>
-              </a:spcBef>
-              <a:spcAft>
-                <a:spcPts val="0"/>
-              </a:spcAft>
-              <a:buNone/>
-            </a:pPr>
-            <a:r>
-              <a:rPr lang="en-GB" sz="1200">
-                <a:solidFill>
-                  <a:schemeClr val="dk1"/>
-                </a:solidFill>
-                <a:latin typeface="Source Code Pro SemiBold"/>
-                <a:ea typeface="Source Code Pro SemiBold"/>
-                <a:cs typeface="Source Code Pro SemiBold"/>
-                <a:sym typeface="Source Code Pro SemiBold"/>
-              </a:rPr>
-              <a:t>});</a:t>
-            </a:r>
-            <a:endParaRPr sz="1200">
-              <a:solidFill>
-                <a:schemeClr val="dk1"/>
-              </a:solidFill>
-              <a:latin typeface="Source Code Pro SemiBold"/>
-              <a:ea typeface="Source Code Pro SemiBold"/>
-              <a:cs typeface="Source Code Pro SemiBold"/>
-              <a:sym typeface="Source Code Pro SemiBold"/>
-            </a:endParaRPr>
-          </a:p>
-          <a:p>
-            <a:pPr indent="0" lvl="0" marL="0" rtl="0" algn="l">
-              <a:spcBef>
-                <a:spcPts val="0"/>
-              </a:spcBef>
-              <a:spcAft>
-                <a:spcPts val="0"/>
-              </a:spcAft>
-              <a:buNone/>
-            </a:pPr>
-            <a:r>
-              <a:t/>
-            </a:r>
-            <a:endParaRPr sz="1200">
-              <a:solidFill>
-                <a:schemeClr val="dk1"/>
-              </a:solidFill>
-              <a:latin typeface="Source Code Pro SemiBold"/>
-              <a:ea typeface="Source Code Pro SemiBold"/>
-              <a:cs typeface="Source Code Pro SemiBold"/>
-              <a:sym typeface="Source Code Pro SemiBold"/>
-            </a:endParaRPr>
-          </a:p>
-          <a:p>
-            <a:pPr indent="0" lvl="0" marL="0" rtl="0" algn="l">
-              <a:spcBef>
-                <a:spcPts val="0"/>
-              </a:spcBef>
-              <a:spcAft>
-                <a:spcPts val="0"/>
-              </a:spcAft>
-              <a:buNone/>
-            </a:pPr>
-            <a:r>
-              <a:rPr lang="en-GB" sz="1200">
-                <a:solidFill>
-                  <a:schemeClr val="dk1"/>
-                </a:solidFill>
-                <a:latin typeface="Source Code Pro SemiBold"/>
-                <a:ea typeface="Source Code Pro SemiBold"/>
-                <a:cs typeface="Source Code Pro SemiBold"/>
-                <a:sym typeface="Source Code Pro SemiBold"/>
-              </a:rPr>
-              <a:t>// Error handling middleware</a:t>
-            </a:r>
-            <a:endParaRPr sz="1200">
-              <a:solidFill>
-                <a:schemeClr val="dk1"/>
-              </a:solidFill>
-              <a:latin typeface="Source Code Pro SemiBold"/>
-              <a:ea typeface="Source Code Pro SemiBold"/>
-              <a:cs typeface="Source Code Pro SemiBold"/>
-              <a:sym typeface="Source Code Pro SemiBold"/>
-            </a:endParaRPr>
-          </a:p>
-          <a:p>
-            <a:pPr indent="0" lvl="0" marL="0" rtl="0" algn="l">
-              <a:spcBef>
-                <a:spcPts val="0"/>
-              </a:spcBef>
-              <a:spcAft>
-                <a:spcPts val="0"/>
-              </a:spcAft>
-              <a:buNone/>
-            </a:pPr>
-            <a:r>
-              <a:rPr lang="en-GB" sz="1200">
-                <a:solidFill>
-                  <a:schemeClr val="dk1"/>
-                </a:solidFill>
-                <a:latin typeface="Source Code Pro SemiBold"/>
-                <a:ea typeface="Source Code Pro SemiBold"/>
-                <a:cs typeface="Source Code Pro SemiBold"/>
-                <a:sym typeface="Source Code Pro SemiBold"/>
-              </a:rPr>
-              <a:t>app.use((err, req, res, next) =&gt; {</a:t>
-            </a:r>
-            <a:endParaRPr sz="1200">
-              <a:solidFill>
-                <a:schemeClr val="dk1"/>
-              </a:solidFill>
-              <a:latin typeface="Source Code Pro SemiBold"/>
-              <a:ea typeface="Source Code Pro SemiBold"/>
-              <a:cs typeface="Source Code Pro SemiBold"/>
-              <a:sym typeface="Source Code Pro SemiBold"/>
-            </a:endParaRPr>
-          </a:p>
-          <a:p>
-            <a:pPr indent="0" lvl="0" marL="0" rtl="0" algn="l">
-              <a:spcBef>
-                <a:spcPts val="0"/>
-              </a:spcBef>
-              <a:spcAft>
-                <a:spcPts val="0"/>
-              </a:spcAft>
-              <a:buNone/>
-            </a:pPr>
-            <a:r>
-              <a:rPr lang="en-GB" sz="1200">
-                <a:solidFill>
-                  <a:schemeClr val="dk1"/>
-                </a:solidFill>
-                <a:latin typeface="Source Code Pro SemiBold"/>
-                <a:ea typeface="Source Code Pro SemiBold"/>
-                <a:cs typeface="Source Code Pro SemiBold"/>
-                <a:sym typeface="Source Code Pro SemiBold"/>
-              </a:rPr>
-              <a:t>  res.status(err.status || 500);</a:t>
-            </a:r>
-            <a:endParaRPr sz="1200">
-              <a:solidFill>
-                <a:schemeClr val="dk1"/>
-              </a:solidFill>
-              <a:latin typeface="Source Code Pro SemiBold"/>
-              <a:ea typeface="Source Code Pro SemiBold"/>
-              <a:cs typeface="Source Code Pro SemiBold"/>
-              <a:sym typeface="Source Code Pro SemiBold"/>
-            </a:endParaRPr>
-          </a:p>
-          <a:p>
-            <a:pPr indent="0" lvl="0" marL="0" rtl="0" algn="l">
-              <a:spcBef>
-                <a:spcPts val="0"/>
-              </a:spcBef>
-              <a:spcAft>
-                <a:spcPts val="0"/>
-              </a:spcAft>
-              <a:buNone/>
-            </a:pPr>
-            <a:r>
-              <a:rPr lang="en-GB" sz="1200">
-                <a:solidFill>
-                  <a:schemeClr val="dk1"/>
-                </a:solidFill>
-                <a:latin typeface="Source Code Pro SemiBold"/>
-                <a:ea typeface="Source Code Pro SemiBold"/>
-                <a:cs typeface="Source Code Pro SemiBold"/>
-                <a:sym typeface="Source Code Pro SemiBold"/>
-              </a:rPr>
-              <a:t>  res.json({</a:t>
-            </a:r>
-            <a:endParaRPr sz="1200">
-              <a:solidFill>
-                <a:schemeClr val="dk1"/>
-              </a:solidFill>
-              <a:latin typeface="Source Code Pro SemiBold"/>
-              <a:ea typeface="Source Code Pro SemiBold"/>
-              <a:cs typeface="Source Code Pro SemiBold"/>
-              <a:sym typeface="Source Code Pro SemiBold"/>
-            </a:endParaRPr>
-          </a:p>
-          <a:p>
-            <a:pPr indent="0" lvl="0" marL="0" rtl="0" algn="l">
-              <a:spcBef>
-                <a:spcPts val="0"/>
-              </a:spcBef>
-              <a:spcAft>
-                <a:spcPts val="0"/>
-              </a:spcAft>
-              <a:buNone/>
-            </a:pPr>
-            <a:r>
-              <a:rPr lang="en-GB" sz="1200">
-                <a:solidFill>
-                  <a:schemeClr val="dk1"/>
-                </a:solidFill>
-                <a:latin typeface="Source Code Pro SemiBold"/>
-                <a:ea typeface="Source Code Pro SemiBold"/>
-                <a:cs typeface="Source Code Pro SemiBold"/>
-                <a:sym typeface="Source Code Pro SemiBold"/>
-              </a:rPr>
-              <a:t>    error: {</a:t>
-            </a:r>
-            <a:endParaRPr sz="1200">
-              <a:solidFill>
-                <a:schemeClr val="dk1"/>
-              </a:solidFill>
-              <a:latin typeface="Source Code Pro SemiBold"/>
-              <a:ea typeface="Source Code Pro SemiBold"/>
-              <a:cs typeface="Source Code Pro SemiBold"/>
-              <a:sym typeface="Source Code Pro SemiBold"/>
-            </a:endParaRPr>
-          </a:p>
-          <a:p>
-            <a:pPr indent="0" lvl="0" marL="0" rtl="0" algn="l">
-              <a:spcBef>
-                <a:spcPts val="0"/>
-              </a:spcBef>
-              <a:spcAft>
-                <a:spcPts val="0"/>
-              </a:spcAft>
-              <a:buNone/>
-            </a:pPr>
-            <a:r>
-              <a:rPr lang="en-GB" sz="1200">
-                <a:solidFill>
-                  <a:schemeClr val="dk1"/>
-                </a:solidFill>
-                <a:latin typeface="Source Code Pro SemiBold"/>
-                <a:ea typeface="Source Code Pro SemiBold"/>
-                <a:cs typeface="Source Code Pro SemiBold"/>
-                <a:sym typeface="Source Code Pro SemiBold"/>
-              </a:rPr>
-              <a:t>      message: err.message,</a:t>
-            </a:r>
-            <a:endParaRPr sz="1200">
-              <a:solidFill>
-                <a:schemeClr val="dk1"/>
-              </a:solidFill>
-              <a:latin typeface="Source Code Pro SemiBold"/>
-              <a:ea typeface="Source Code Pro SemiBold"/>
-              <a:cs typeface="Source Code Pro SemiBold"/>
-              <a:sym typeface="Source Code Pro SemiBold"/>
-            </a:endParaRPr>
-          </a:p>
-          <a:p>
-            <a:pPr indent="0" lvl="0" marL="0" rtl="0" algn="l">
-              <a:spcBef>
-                <a:spcPts val="0"/>
-              </a:spcBef>
-              <a:spcAft>
-                <a:spcPts val="0"/>
-              </a:spcAft>
-              <a:buNone/>
-            </a:pPr>
-            <a:r>
-              <a:rPr lang="en-GB" sz="1200">
-                <a:solidFill>
-                  <a:schemeClr val="dk1"/>
-                </a:solidFill>
-                <a:latin typeface="Source Code Pro SemiBold"/>
-                <a:ea typeface="Source Code Pro SemiBold"/>
-                <a:cs typeface="Source Code Pro SemiBold"/>
-                <a:sym typeface="Source Code Pro SemiBold"/>
-              </a:rPr>
-              <a:t>    },</a:t>
-            </a:r>
-            <a:endParaRPr sz="1200">
-              <a:solidFill>
-                <a:schemeClr val="dk1"/>
-              </a:solidFill>
-              <a:latin typeface="Source Code Pro SemiBold"/>
-              <a:ea typeface="Source Code Pro SemiBold"/>
-              <a:cs typeface="Source Code Pro SemiBold"/>
-              <a:sym typeface="Source Code Pro SemiBold"/>
-            </a:endParaRPr>
-          </a:p>
-          <a:p>
-            <a:pPr indent="0" lvl="0" marL="0" rtl="0" algn="l">
-              <a:spcBef>
-                <a:spcPts val="0"/>
-              </a:spcBef>
-              <a:spcAft>
-                <a:spcPts val="0"/>
-              </a:spcAft>
-              <a:buNone/>
-            </a:pPr>
-            <a:r>
-              <a:rPr lang="en-GB" sz="1200">
-                <a:solidFill>
-                  <a:schemeClr val="dk1"/>
-                </a:solidFill>
-                <a:latin typeface="Source Code Pro SemiBold"/>
-                <a:ea typeface="Source Code Pro SemiBold"/>
-                <a:cs typeface="Source Code Pro SemiBold"/>
-                <a:sym typeface="Source Code Pro SemiBold"/>
-              </a:rPr>
-              <a:t>  });</a:t>
-            </a:r>
-            <a:endParaRPr sz="1200">
-              <a:solidFill>
-                <a:schemeClr val="dk1"/>
-              </a:solidFill>
-              <a:latin typeface="Source Code Pro SemiBold"/>
-              <a:ea typeface="Source Code Pro SemiBold"/>
-              <a:cs typeface="Source Code Pro SemiBold"/>
-              <a:sym typeface="Source Code Pro SemiBold"/>
-            </a:endParaRPr>
-          </a:p>
-          <a:p>
-            <a:pPr indent="0" lvl="0" marL="0" rtl="0" algn="l">
-              <a:spcBef>
-                <a:spcPts val="0"/>
-              </a:spcBef>
-              <a:spcAft>
-                <a:spcPts val="0"/>
-              </a:spcAft>
-              <a:buNone/>
-            </a:pPr>
-            <a:r>
-              <a:rPr lang="en-GB" sz="1200">
-                <a:solidFill>
-                  <a:schemeClr val="dk1"/>
-                </a:solidFill>
-                <a:latin typeface="Source Code Pro SemiBold"/>
-                <a:ea typeface="Source Code Pro SemiBold"/>
-                <a:cs typeface="Source Code Pro SemiBold"/>
-                <a:sym typeface="Source Code Pro SemiBold"/>
-              </a:rPr>
-              <a:t>});</a:t>
+              <a:t>To handle errors, we can create custom middleware functions that catch errors and pass them to the Express error handling middleware. The error handling middleware can then send an appropriate error response to the client, along with the corresponding HTTP status code.</a:t>
             </a:r>
             <a:endParaRPr>
               <a:solidFill>
@@ -31253,9 +31116,610 @@
           <a:chExt cx="0" cy="0"/>
         </a:xfrm>
       </p:grpSpPr>
+      <p:sp>
+        <p:nvSpPr>
+          <p:cNvPr id="410" name="Google Shape;410;g225db79a03c_2_118"/>
+          <p:cNvSpPr txBox="1"/>
+          <p:nvPr>
+            <p:ph type="title"/>
+          </p:nvPr>
+        </p:nvSpPr>
+        <p:spPr>
+          <a:xfrm>
+            <a:off x="793325" y="551900"/>
+            <a:ext cx="7726200" cy="554100"/>
+          </a:xfrm>
+          <a:prstGeom prst="rect">
+            <a:avLst/>
+          </a:prstGeom>
+          <a:noFill/>
+          <a:ln>
+            <a:noFill/>
+          </a:ln>
+        </p:spPr>
+        <p:txBody>
+          <a:bodyPr anchorCtr="0" anchor="t" bIns="91425" lIns="91425" spcFirstLastPara="1" rIns="91425" wrap="square" tIns="91425">
+            <a:spAutoFit/>
+          </a:bodyPr>
+          <a:lstStyle/>
+          <a:p>
+            <a:pPr indent="0" lvl="0" marL="0" rtl="0" algn="l">
+              <a:lnSpc>
+                <a:spcPct val="100000"/>
+              </a:lnSpc>
+              <a:spcBef>
+                <a:spcPts val="0"/>
+              </a:spcBef>
+              <a:spcAft>
+                <a:spcPts val="0"/>
+              </a:spcAft>
+              <a:buNone/>
+            </a:pPr>
+            <a:r>
+              <a:rPr lang="en-GB"/>
+              <a:t>Error Handling and Response Codes: Example</a:t>
+            </a:r>
+            <a:endParaRPr/>
+          </a:p>
+        </p:txBody>
+      </p:sp>
+      <p:sp>
+        <p:nvSpPr>
+          <p:cNvPr id="411" name="Google Shape;411;g225db79a03c_2_118"/>
+          <p:cNvSpPr txBox="1"/>
+          <p:nvPr/>
+        </p:nvSpPr>
+        <p:spPr>
+          <a:xfrm>
+            <a:off x="807750" y="1001700"/>
+            <a:ext cx="7528500" cy="3140100"/>
+          </a:xfrm>
+          <a:prstGeom prst="rect">
+            <a:avLst/>
+          </a:prstGeom>
+          <a:noFill/>
+          <a:ln>
+            <a:noFill/>
+          </a:ln>
+        </p:spPr>
+        <p:txBody>
+          <a:bodyPr anchorCtr="0" anchor="t" bIns="91425" lIns="91425" spcFirstLastPara="1" rIns="91425" wrap="square" tIns="91425">
+            <a:spAutoFit/>
+          </a:bodyPr>
+          <a:lstStyle/>
+          <a:p>
+            <a:pPr indent="0" lvl="0" marL="0" rtl="0" algn="l">
+              <a:spcBef>
+                <a:spcPts val="0"/>
+              </a:spcBef>
+              <a:spcAft>
+                <a:spcPts val="0"/>
+              </a:spcAft>
+              <a:buNone/>
+            </a:pPr>
+            <a:r>
+              <a:rPr lang="en-GB" sz="1200">
+                <a:solidFill>
+                  <a:schemeClr val="dk1"/>
+                </a:solidFill>
+                <a:latin typeface="Source Code Pro SemiBold"/>
+                <a:ea typeface="Source Code Pro SemiBold"/>
+                <a:cs typeface="Source Code Pro SemiBold"/>
+                <a:sym typeface="Source Code Pro SemiBold"/>
+              </a:rPr>
+              <a:t>app.get("/todos", (req, res, next) =&gt; {</a:t>
+            </a:r>
+            <a:endParaRPr sz="1200">
+              <a:solidFill>
+                <a:schemeClr val="dk1"/>
+              </a:solidFill>
+              <a:latin typeface="Source Code Pro SemiBold"/>
+              <a:ea typeface="Source Code Pro SemiBold"/>
+              <a:cs typeface="Source Code Pro SemiBold"/>
+              <a:sym typeface="Source Code Pro SemiBold"/>
+            </a:endParaRPr>
+          </a:p>
+          <a:p>
+            <a:pPr indent="0" lvl="0" marL="0" rtl="0" algn="l">
+              <a:spcBef>
+                <a:spcPts val="0"/>
+              </a:spcBef>
+              <a:spcAft>
+                <a:spcPts val="0"/>
+              </a:spcAft>
+              <a:buNone/>
+            </a:pPr>
+            <a:r>
+              <a:rPr lang="en-GB" sz="1200">
+                <a:solidFill>
+                  <a:schemeClr val="dk1"/>
+                </a:solidFill>
+                <a:latin typeface="Source Code Pro SemiBold"/>
+                <a:ea typeface="Source Code Pro SemiBold"/>
+                <a:cs typeface="Source Code Pro SemiBold"/>
+                <a:sym typeface="Source Code Pro SemiBold"/>
+              </a:rPr>
+              <a:t>  // An error occurs</a:t>
+            </a:r>
+            <a:endParaRPr sz="1200">
+              <a:solidFill>
+                <a:schemeClr val="dk1"/>
+              </a:solidFill>
+              <a:latin typeface="Source Code Pro SemiBold"/>
+              <a:ea typeface="Source Code Pro SemiBold"/>
+              <a:cs typeface="Source Code Pro SemiBold"/>
+              <a:sym typeface="Source Code Pro SemiBold"/>
+            </a:endParaRPr>
+          </a:p>
+          <a:p>
+            <a:pPr indent="0" lvl="0" marL="0" rtl="0" algn="l">
+              <a:spcBef>
+                <a:spcPts val="0"/>
+              </a:spcBef>
+              <a:spcAft>
+                <a:spcPts val="0"/>
+              </a:spcAft>
+              <a:buNone/>
+            </a:pPr>
+            <a:r>
+              <a:rPr lang="en-GB" sz="1200">
+                <a:solidFill>
+                  <a:schemeClr val="dk1"/>
+                </a:solidFill>
+                <a:latin typeface="Source Code Pro SemiBold"/>
+                <a:ea typeface="Source Code Pro SemiBold"/>
+                <a:cs typeface="Source Code Pro SemiBold"/>
+                <a:sym typeface="Source Code Pro SemiBold"/>
+              </a:rPr>
+              <a:t>  const error = new Error("Internal Server Error");</a:t>
+            </a:r>
+            <a:endParaRPr sz="1200">
+              <a:solidFill>
+                <a:schemeClr val="dk1"/>
+              </a:solidFill>
+              <a:latin typeface="Source Code Pro SemiBold"/>
+              <a:ea typeface="Source Code Pro SemiBold"/>
+              <a:cs typeface="Source Code Pro SemiBold"/>
+              <a:sym typeface="Source Code Pro SemiBold"/>
+            </a:endParaRPr>
+          </a:p>
+          <a:p>
+            <a:pPr indent="0" lvl="0" marL="0" rtl="0" algn="l">
+              <a:spcBef>
+                <a:spcPts val="0"/>
+              </a:spcBef>
+              <a:spcAft>
+                <a:spcPts val="0"/>
+              </a:spcAft>
+              <a:buNone/>
+            </a:pPr>
+            <a:r>
+              <a:rPr lang="en-GB" sz="1200">
+                <a:solidFill>
+                  <a:schemeClr val="dk1"/>
+                </a:solidFill>
+                <a:latin typeface="Source Code Pro SemiBold"/>
+                <a:ea typeface="Source Code Pro SemiBold"/>
+                <a:cs typeface="Source Code Pro SemiBold"/>
+                <a:sym typeface="Source Code Pro SemiBold"/>
+              </a:rPr>
+              <a:t>  error.status = 500;</a:t>
+            </a:r>
+            <a:endParaRPr sz="1200">
+              <a:solidFill>
+                <a:schemeClr val="dk1"/>
+              </a:solidFill>
+              <a:latin typeface="Source Code Pro SemiBold"/>
+              <a:ea typeface="Source Code Pro SemiBold"/>
+              <a:cs typeface="Source Code Pro SemiBold"/>
+              <a:sym typeface="Source Code Pro SemiBold"/>
+            </a:endParaRPr>
+          </a:p>
+          <a:p>
+            <a:pPr indent="0" lvl="0" marL="0" rtl="0" algn="l">
+              <a:spcBef>
+                <a:spcPts val="0"/>
+              </a:spcBef>
+              <a:spcAft>
+                <a:spcPts val="0"/>
+              </a:spcAft>
+              <a:buNone/>
+            </a:pPr>
+            <a:r>
+              <a:rPr lang="en-GB" sz="1200">
+                <a:solidFill>
+                  <a:schemeClr val="dk1"/>
+                </a:solidFill>
+                <a:latin typeface="Source Code Pro SemiBold"/>
+                <a:ea typeface="Source Code Pro SemiBold"/>
+                <a:cs typeface="Source Code Pro SemiBold"/>
+                <a:sym typeface="Source Code Pro SemiBold"/>
+              </a:rPr>
+              <a:t>  next(error);</a:t>
+            </a:r>
+            <a:endParaRPr sz="1200">
+              <a:solidFill>
+                <a:schemeClr val="dk1"/>
+              </a:solidFill>
+              <a:latin typeface="Source Code Pro SemiBold"/>
+              <a:ea typeface="Source Code Pro SemiBold"/>
+              <a:cs typeface="Source Code Pro SemiBold"/>
+              <a:sym typeface="Source Code Pro SemiBold"/>
+            </a:endParaRPr>
+          </a:p>
+          <a:p>
+            <a:pPr indent="0" lvl="0" marL="0" rtl="0" algn="l">
+              <a:spcBef>
+                <a:spcPts val="0"/>
+              </a:spcBef>
+              <a:spcAft>
+                <a:spcPts val="0"/>
+              </a:spcAft>
+              <a:buNone/>
+            </a:pPr>
+            <a:r>
+              <a:rPr lang="en-GB" sz="1200">
+                <a:solidFill>
+                  <a:schemeClr val="dk1"/>
+                </a:solidFill>
+                <a:latin typeface="Source Code Pro SemiBold"/>
+                <a:ea typeface="Source Code Pro SemiBold"/>
+                <a:cs typeface="Source Code Pro SemiBold"/>
+                <a:sym typeface="Source Code Pro SemiBold"/>
+              </a:rPr>
+              <a:t>});</a:t>
+            </a:r>
+            <a:endParaRPr sz="1200">
+              <a:solidFill>
+                <a:schemeClr val="dk1"/>
+              </a:solidFill>
+              <a:latin typeface="Source Code Pro SemiBold"/>
+              <a:ea typeface="Source Code Pro SemiBold"/>
+              <a:cs typeface="Source Code Pro SemiBold"/>
+              <a:sym typeface="Source Code Pro SemiBold"/>
+            </a:endParaRPr>
+          </a:p>
+          <a:p>
+            <a:pPr indent="0" lvl="0" marL="0" rtl="0" algn="l">
+              <a:spcBef>
+                <a:spcPts val="0"/>
+              </a:spcBef>
+              <a:spcAft>
+                <a:spcPts val="0"/>
+              </a:spcAft>
+              <a:buNone/>
+            </a:pPr>
+            <a:r>
+              <a:t/>
+            </a:r>
+            <a:endParaRPr sz="1200">
+              <a:solidFill>
+                <a:schemeClr val="dk1"/>
+              </a:solidFill>
+              <a:latin typeface="Source Code Pro SemiBold"/>
+              <a:ea typeface="Source Code Pro SemiBold"/>
+              <a:cs typeface="Source Code Pro SemiBold"/>
+              <a:sym typeface="Source Code Pro SemiBold"/>
+            </a:endParaRPr>
+          </a:p>
+          <a:p>
+            <a:pPr indent="0" lvl="0" marL="0" rtl="0" algn="l">
+              <a:spcBef>
+                <a:spcPts val="0"/>
+              </a:spcBef>
+              <a:spcAft>
+                <a:spcPts val="0"/>
+              </a:spcAft>
+              <a:buNone/>
+            </a:pPr>
+            <a:r>
+              <a:rPr lang="en-GB" sz="1200">
+                <a:solidFill>
+                  <a:schemeClr val="dk1"/>
+                </a:solidFill>
+                <a:latin typeface="Source Code Pro SemiBold"/>
+                <a:ea typeface="Source Code Pro SemiBold"/>
+                <a:cs typeface="Source Code Pro SemiBold"/>
+                <a:sym typeface="Source Code Pro SemiBold"/>
+              </a:rPr>
+              <a:t>// Error handling middleware</a:t>
+            </a:r>
+            <a:endParaRPr sz="1200">
+              <a:solidFill>
+                <a:schemeClr val="dk1"/>
+              </a:solidFill>
+              <a:latin typeface="Source Code Pro SemiBold"/>
+              <a:ea typeface="Source Code Pro SemiBold"/>
+              <a:cs typeface="Source Code Pro SemiBold"/>
+              <a:sym typeface="Source Code Pro SemiBold"/>
+            </a:endParaRPr>
+          </a:p>
+          <a:p>
+            <a:pPr indent="0" lvl="0" marL="0" rtl="0" algn="l">
+              <a:spcBef>
+                <a:spcPts val="0"/>
+              </a:spcBef>
+              <a:spcAft>
+                <a:spcPts val="0"/>
+              </a:spcAft>
+              <a:buNone/>
+            </a:pPr>
+            <a:r>
+              <a:rPr lang="en-GB" sz="1200">
+                <a:solidFill>
+                  <a:schemeClr val="dk1"/>
+                </a:solidFill>
+                <a:latin typeface="Source Code Pro SemiBold"/>
+                <a:ea typeface="Source Code Pro SemiBold"/>
+                <a:cs typeface="Source Code Pro SemiBold"/>
+                <a:sym typeface="Source Code Pro SemiBold"/>
+              </a:rPr>
+              <a:t>app.use((err, req, res, next) =&gt; {</a:t>
+            </a:r>
+            <a:endParaRPr sz="1200">
+              <a:solidFill>
+                <a:schemeClr val="dk1"/>
+              </a:solidFill>
+              <a:latin typeface="Source Code Pro SemiBold"/>
+              <a:ea typeface="Source Code Pro SemiBold"/>
+              <a:cs typeface="Source Code Pro SemiBold"/>
+              <a:sym typeface="Source Code Pro SemiBold"/>
+            </a:endParaRPr>
+          </a:p>
+          <a:p>
+            <a:pPr indent="0" lvl="0" marL="0" rtl="0" algn="l">
+              <a:spcBef>
+                <a:spcPts val="0"/>
+              </a:spcBef>
+              <a:spcAft>
+                <a:spcPts val="0"/>
+              </a:spcAft>
+              <a:buNone/>
+            </a:pPr>
+            <a:r>
+              <a:rPr lang="en-GB" sz="1200">
+                <a:solidFill>
+                  <a:schemeClr val="dk1"/>
+                </a:solidFill>
+                <a:latin typeface="Source Code Pro SemiBold"/>
+                <a:ea typeface="Source Code Pro SemiBold"/>
+                <a:cs typeface="Source Code Pro SemiBold"/>
+                <a:sym typeface="Source Code Pro SemiBold"/>
+              </a:rPr>
+              <a:t>  res.status(err.status || 500);</a:t>
+            </a:r>
+            <a:endParaRPr sz="1200">
+              <a:solidFill>
+                <a:schemeClr val="dk1"/>
+              </a:solidFill>
+              <a:latin typeface="Source Code Pro SemiBold"/>
+              <a:ea typeface="Source Code Pro SemiBold"/>
+              <a:cs typeface="Source Code Pro SemiBold"/>
+              <a:sym typeface="Source Code Pro SemiBold"/>
+            </a:endParaRPr>
+          </a:p>
+          <a:p>
+            <a:pPr indent="0" lvl="0" marL="0" rtl="0" algn="l">
+              <a:spcBef>
+                <a:spcPts val="0"/>
+              </a:spcBef>
+              <a:spcAft>
+                <a:spcPts val="0"/>
+              </a:spcAft>
+              <a:buNone/>
+            </a:pPr>
+            <a:r>
+              <a:rPr lang="en-GB" sz="1200">
+                <a:solidFill>
+                  <a:schemeClr val="dk1"/>
+                </a:solidFill>
+                <a:latin typeface="Source Code Pro SemiBold"/>
+                <a:ea typeface="Source Code Pro SemiBold"/>
+                <a:cs typeface="Source Code Pro SemiBold"/>
+                <a:sym typeface="Source Code Pro SemiBold"/>
+              </a:rPr>
+              <a:t>  res.json({</a:t>
+            </a:r>
+            <a:endParaRPr sz="1200">
+              <a:solidFill>
+                <a:schemeClr val="dk1"/>
+              </a:solidFill>
+              <a:latin typeface="Source Code Pro SemiBold"/>
+              <a:ea typeface="Source Code Pro SemiBold"/>
+              <a:cs typeface="Source Code Pro SemiBold"/>
+              <a:sym typeface="Source Code Pro SemiBold"/>
+            </a:endParaRPr>
+          </a:p>
+          <a:p>
+            <a:pPr indent="0" lvl="0" marL="0" rtl="0" algn="l">
+              <a:spcBef>
+                <a:spcPts val="0"/>
+              </a:spcBef>
+              <a:spcAft>
+                <a:spcPts val="0"/>
+              </a:spcAft>
+              <a:buNone/>
+            </a:pPr>
+            <a:r>
+              <a:rPr lang="en-GB" sz="1200">
+                <a:solidFill>
+                  <a:schemeClr val="dk1"/>
+                </a:solidFill>
+                <a:latin typeface="Source Code Pro SemiBold"/>
+                <a:ea typeface="Source Code Pro SemiBold"/>
+                <a:cs typeface="Source Code Pro SemiBold"/>
+                <a:sym typeface="Source Code Pro SemiBold"/>
+              </a:rPr>
+              <a:t>    error: {</a:t>
+            </a:r>
+            <a:endParaRPr sz="1200">
+              <a:solidFill>
+                <a:schemeClr val="dk1"/>
+              </a:solidFill>
+              <a:latin typeface="Source Code Pro SemiBold"/>
+              <a:ea typeface="Source Code Pro SemiBold"/>
+              <a:cs typeface="Source Code Pro SemiBold"/>
+              <a:sym typeface="Source Code Pro SemiBold"/>
+            </a:endParaRPr>
+          </a:p>
+          <a:p>
+            <a:pPr indent="0" lvl="0" marL="0" rtl="0" algn="l">
+              <a:spcBef>
+                <a:spcPts val="0"/>
+              </a:spcBef>
+              <a:spcAft>
+                <a:spcPts val="0"/>
+              </a:spcAft>
+              <a:buNone/>
+            </a:pPr>
+            <a:r>
+              <a:rPr lang="en-GB" sz="1200">
+                <a:solidFill>
+                  <a:schemeClr val="dk1"/>
+                </a:solidFill>
+                <a:latin typeface="Source Code Pro SemiBold"/>
+                <a:ea typeface="Source Code Pro SemiBold"/>
+                <a:cs typeface="Source Code Pro SemiBold"/>
+                <a:sym typeface="Source Code Pro SemiBold"/>
+              </a:rPr>
+              <a:t>      message: err.message,</a:t>
+            </a:r>
+            <a:endParaRPr sz="1200">
+              <a:solidFill>
+                <a:schemeClr val="dk1"/>
+              </a:solidFill>
+              <a:latin typeface="Source Code Pro SemiBold"/>
+              <a:ea typeface="Source Code Pro SemiBold"/>
+              <a:cs typeface="Source Code Pro SemiBold"/>
+              <a:sym typeface="Source Code Pro SemiBold"/>
+            </a:endParaRPr>
+          </a:p>
+          <a:p>
+            <a:pPr indent="0" lvl="0" marL="0" rtl="0" algn="l">
+              <a:spcBef>
+                <a:spcPts val="0"/>
+              </a:spcBef>
+              <a:spcAft>
+                <a:spcPts val="0"/>
+              </a:spcAft>
+              <a:buNone/>
+            </a:pPr>
+            <a:r>
+              <a:rPr lang="en-GB" sz="1200">
+                <a:solidFill>
+                  <a:schemeClr val="dk1"/>
+                </a:solidFill>
+                <a:latin typeface="Source Code Pro SemiBold"/>
+                <a:ea typeface="Source Code Pro SemiBold"/>
+                <a:cs typeface="Source Code Pro SemiBold"/>
+                <a:sym typeface="Source Code Pro SemiBold"/>
+              </a:rPr>
+              <a:t>    },</a:t>
+            </a:r>
+            <a:endParaRPr sz="1200">
+              <a:solidFill>
+                <a:schemeClr val="dk1"/>
+              </a:solidFill>
+              <a:latin typeface="Source Code Pro SemiBold"/>
+              <a:ea typeface="Source Code Pro SemiBold"/>
+              <a:cs typeface="Source Code Pro SemiBold"/>
+              <a:sym typeface="Source Code Pro SemiBold"/>
+            </a:endParaRPr>
+          </a:p>
+          <a:p>
+            <a:pPr indent="0" lvl="0" marL="0" rtl="0" algn="l">
+              <a:spcBef>
+                <a:spcPts val="0"/>
+              </a:spcBef>
+              <a:spcAft>
+                <a:spcPts val="0"/>
+              </a:spcAft>
+              <a:buNone/>
+            </a:pPr>
+            <a:r>
+              <a:rPr lang="en-GB" sz="1200">
+                <a:solidFill>
+                  <a:schemeClr val="dk1"/>
+                </a:solidFill>
+                <a:latin typeface="Source Code Pro SemiBold"/>
+                <a:ea typeface="Source Code Pro SemiBold"/>
+                <a:cs typeface="Source Code Pro SemiBold"/>
+                <a:sym typeface="Source Code Pro SemiBold"/>
+              </a:rPr>
+              <a:t>  });</a:t>
+            </a:r>
+            <a:endParaRPr sz="1200">
+              <a:solidFill>
+                <a:schemeClr val="dk1"/>
+              </a:solidFill>
+              <a:latin typeface="Source Code Pro SemiBold"/>
+              <a:ea typeface="Source Code Pro SemiBold"/>
+              <a:cs typeface="Source Code Pro SemiBold"/>
+              <a:sym typeface="Source Code Pro SemiBold"/>
+            </a:endParaRPr>
+          </a:p>
+          <a:p>
+            <a:pPr indent="0" lvl="0" marL="0" rtl="0" algn="l">
+              <a:spcBef>
+                <a:spcPts val="0"/>
+              </a:spcBef>
+              <a:spcAft>
+                <a:spcPts val="0"/>
+              </a:spcAft>
+              <a:buNone/>
+            </a:pPr>
+            <a:r>
+              <a:rPr lang="en-GB" sz="1200">
+                <a:solidFill>
+                  <a:schemeClr val="dk1"/>
+                </a:solidFill>
+                <a:latin typeface="Source Code Pro SemiBold"/>
+                <a:ea typeface="Source Code Pro SemiBold"/>
+                <a:cs typeface="Source Code Pro SemiBold"/>
+                <a:sym typeface="Source Code Pro SemiBold"/>
+              </a:rPr>
+              <a:t>});</a:t>
+            </a:r>
+            <a:endParaRPr>
+              <a:solidFill>
+                <a:schemeClr val="dk1"/>
+              </a:solidFill>
+              <a:latin typeface="Plus Jakarta Sans"/>
+              <a:ea typeface="Plus Jakarta Sans"/>
+              <a:cs typeface="Plus Jakarta Sans"/>
+              <a:sym typeface="Plus Jakarta Sans"/>
+            </a:endParaRPr>
+          </a:p>
+        </p:txBody>
+      </p:sp>
+    </p:spTree>
+  </p:cSld>
+  <p:clrMapOvr>
+    <a:masterClrMapping/>
+  </p:clrMapOvr>
+</p:sld>
+</file>
+
+<file path=ppt/slides/slide65.xml><?xml version="1.0" encoding="utf-8"?>
+<p:sld xmlns:a="http://schemas.openxmlformats.org/drawingml/2006/main" xmlns:r="http://schemas.openxmlformats.org/officeDocument/2006/relationships" xmlns:mc="http://schemas.openxmlformats.org/markup-compatibility/2006" xmlns:mv="urn:schemas-microsoft-com:mac:vml" xmlns:p="http://schemas.openxmlformats.org/presentationml/2006/main" xmlns:c="http://schemas.openxmlformats.org/drawingml/2006/chart" xmlns:dgm="http://schemas.openxmlformats.org/drawingml/2006/diagram" xmlns:o="urn:schemas-microsoft-com:office:office" xmlns:v="urn:schemas-microsoft-com:vml" xmlns:pvml="urn:schemas-microsoft-com:office:powerpoint" xmlns:com="http://schemas.openxmlformats.org/drawingml/2006/compatibility" xmlns:p14="http://schemas.microsoft.com/office/powerpoint/2010/main" xmlns:p15="http://schemas.microsoft.com/office/powerpoint/2012/main" xmlns:ahyp="http://schemas.microsoft.com/office/drawing/2018/hyperlinkcolor">
+  <p:cSld>
+    <p:spTree>
+      <p:nvGrpSpPr>
+        <p:cNvPr id="415" name="Shape 415"/>
+        <p:cNvGrpSpPr/>
+        <p:nvPr/>
+      </p:nvGrpSpPr>
+      <p:grpSpPr>
+        <a:xfrm>
+          <a:off x="0" y="0"/>
+          <a:ext cx="0" cy="0"/>
+          <a:chOff x="0" y="0"/>
+          <a:chExt cx="0" cy="0"/>
+        </a:xfrm>
+      </p:grpSpPr>
       <p:pic>
         <p:nvPicPr>
-          <p:cNvPr id="410" name="Google Shape;410;g225db79a03c_2_124"/>
+          <p:cNvPr id="416" name="Google Shape;416;g225db79a03c_2_124"/>
           <p:cNvPicPr preferRelativeResize="0"/>
           <p:nvPr/>
         </p:nvPicPr>
@@ -31289,12 +31753,12 @@
 </p:sld>
 </file>
 
-<file path=ppt/slides/slide65.xml><?xml version="1.0" encoding="utf-8"?>
+<file path=ppt/slides/slide66.xml><?xml version="1.0" encoding="utf-8"?>
 <p:sld xmlns:a="http://schemas.openxmlformats.org/drawingml/2006/main" xmlns:r="http://schemas.openxmlformats.org/officeDocument/2006/relationships" xmlns:mc="http://schemas.openxmlformats.org/markup-compatibility/2006" xmlns:mv="urn:schemas-microsoft-com:mac:vml" xmlns:p="http://schemas.openxmlformats.org/presentationml/2006/main" xmlns:c="http://schemas.openxmlformats.org/drawingml/2006/chart" xmlns:dgm="http://schemas.openxmlformats.org/drawingml/2006/diagram" xmlns:o="urn:schemas-microsoft-com:office:office" xmlns:v="urn:schemas-microsoft-com:vml" xmlns:pvml="urn:schemas-microsoft-com:office:powerpoint" xmlns:com="http://schemas.openxmlformats.org/drawingml/2006/compatibility" xmlns:p14="http://schemas.microsoft.com/office/powerpoint/2010/main" xmlns:p15="http://schemas.microsoft.com/office/powerpoint/2012/main" xmlns:ahyp="http://schemas.microsoft.com/office/drawing/2018/hyperlinkcolor">
   <p:cSld>
     <p:spTree>
       <p:nvGrpSpPr>
-        <p:cNvPr id="414" name="Shape 414"/>
+        <p:cNvPr id="420" name="Shape 420"/>
         <p:cNvGrpSpPr/>
         <p:nvPr/>
       </p:nvGrpSpPr>
@@ -31308,7 +31772,7 @@
       </p:grpSpPr>
       <p:sp>
         <p:nvSpPr>
-          <p:cNvPr id="415" name="Google Shape;415;g225db79a03c_2_130"/>
+          <p:cNvPr id="421" name="Google Shape;421;g225db79a03c_2_130"/>
           <p:cNvSpPr txBox="1"/>
           <p:nvPr>
             <p:ph type="title"/>
@@ -31355,7 +31819,7 @@
       </p:sp>
       <p:sp>
         <p:nvSpPr>
-          <p:cNvPr id="416" name="Google Shape;416;g225db79a03c_2_130"/>
+          <p:cNvPr id="422" name="Google Shape;422;g225db79a03c_2_130"/>
           <p:cNvSpPr txBox="1"/>
           <p:nvPr/>
         </p:nvSpPr>
@@ -31462,767 +31926,6 @@
               <a:ea typeface="Plus Jakarta Sans"/>
               <a:cs typeface="Plus Jakarta Sans"/>
               <a:sym typeface="Plus Jakarta Sans"/>
-            </a:endParaRPr>
-          </a:p>
-        </p:txBody>
-      </p:sp>
-    </p:spTree>
-  </p:cSld>
-  <p:clrMapOvr>
-    <a:masterClrMapping/>
-  </p:clrMapOvr>
-</p:sld>
-</file>
-
-<file path=ppt/slides/slide66.xml><?xml version="1.0" encoding="utf-8"?>
-<p:sld xmlns:a="http://schemas.openxmlformats.org/drawingml/2006/main" xmlns:r="http://schemas.openxmlformats.org/officeDocument/2006/relationships" xmlns:mc="http://schemas.openxmlformats.org/markup-compatibility/2006" xmlns:mv="urn:schemas-microsoft-com:mac:vml" xmlns:p="http://schemas.openxmlformats.org/presentationml/2006/main" xmlns:c="http://schemas.openxmlformats.org/drawingml/2006/chart" xmlns:dgm="http://schemas.openxmlformats.org/drawingml/2006/diagram" xmlns:o="urn:schemas-microsoft-com:office:office" xmlns:v="urn:schemas-microsoft-com:vml" xmlns:pvml="urn:schemas-microsoft-com:office:powerpoint" xmlns:com="http://schemas.openxmlformats.org/drawingml/2006/compatibility" xmlns:p14="http://schemas.microsoft.com/office/powerpoint/2010/main" xmlns:p15="http://schemas.microsoft.com/office/powerpoint/2012/main" xmlns:ahyp="http://schemas.microsoft.com/office/drawing/2018/hyperlinkcolor">
-  <p:cSld>
-    <p:spTree>
-      <p:nvGrpSpPr>
-        <p:cNvPr id="420" name="Shape 420"/>
-        <p:cNvGrpSpPr/>
-        <p:nvPr/>
-      </p:nvGrpSpPr>
-      <p:grpSpPr>
-        <a:xfrm>
-          <a:off x="0" y="0"/>
-          <a:ext cx="0" cy="0"/>
-          <a:chOff x="0" y="0"/>
-          <a:chExt cx="0" cy="0"/>
-        </a:xfrm>
-      </p:grpSpPr>
-      <p:sp>
-        <p:nvSpPr>
-          <p:cNvPr id="421" name="Google Shape;421;g225db79a03c_2_135"/>
-          <p:cNvSpPr txBox="1"/>
-          <p:nvPr>
-            <p:ph type="title"/>
-          </p:nvPr>
-        </p:nvSpPr>
-        <p:spPr>
-          <a:xfrm>
-            <a:off x="793325" y="551900"/>
-            <a:ext cx="7726200" cy="554100"/>
-          </a:xfrm>
-          <a:prstGeom prst="rect">
-            <a:avLst/>
-          </a:prstGeom>
-          <a:noFill/>
-          <a:ln>
-            <a:noFill/>
-          </a:ln>
-        </p:spPr>
-        <p:txBody>
-          <a:bodyPr anchorCtr="0" anchor="t" bIns="91425" lIns="91425" spcFirstLastPara="1" rIns="91425" wrap="square" tIns="91425">
-            <a:spAutoFit/>
-          </a:bodyPr>
-          <a:lstStyle/>
-          <a:p>
-            <a:pPr indent="0" lvl="0" marL="0" rtl="0" algn="l">
-              <a:lnSpc>
-                <a:spcPct val="100000"/>
-              </a:lnSpc>
-              <a:spcBef>
-                <a:spcPts val="0"/>
-              </a:spcBef>
-              <a:spcAft>
-                <a:spcPts val="0"/>
-              </a:spcAft>
-              <a:buNone/>
-            </a:pPr>
-            <a:r>
-              <a:rPr lang="en-GB"/>
-              <a:t>Error Handling and Response Codes: Example</a:t>
-            </a:r>
-            <a:endParaRPr/>
-          </a:p>
-        </p:txBody>
-      </p:sp>
-      <p:sp>
-        <p:nvSpPr>
-          <p:cNvPr id="422" name="Google Shape;422;g225db79a03c_2_135"/>
-          <p:cNvSpPr txBox="1"/>
-          <p:nvPr/>
-        </p:nvSpPr>
-        <p:spPr>
-          <a:xfrm>
-            <a:off x="807750" y="1067850"/>
-            <a:ext cx="7528500" cy="4063500"/>
-          </a:xfrm>
-          <a:prstGeom prst="rect">
-            <a:avLst/>
-          </a:prstGeom>
-          <a:noFill/>
-          <a:ln>
-            <a:noFill/>
-          </a:ln>
-        </p:spPr>
-        <p:txBody>
-          <a:bodyPr anchorCtr="0" anchor="t" bIns="91425" lIns="91425" spcFirstLastPara="1" rIns="91425" wrap="square" tIns="91425">
-            <a:spAutoFit/>
-          </a:bodyPr>
-          <a:lstStyle/>
-          <a:p>
-            <a:pPr indent="0" lvl="0" marL="0" rtl="0" algn="l">
-              <a:spcBef>
-                <a:spcPts val="0"/>
-              </a:spcBef>
-              <a:spcAft>
-                <a:spcPts val="0"/>
-              </a:spcAft>
-              <a:buNone/>
-            </a:pPr>
-            <a:r>
-              <a:rPr lang="en-GB" sz="1200">
-                <a:solidFill>
-                  <a:schemeClr val="dk1"/>
-                </a:solidFill>
-                <a:latin typeface="Source Code Pro SemiBold"/>
-                <a:ea typeface="Source Code Pro SemiBold"/>
-                <a:cs typeface="Source Code Pro SemiBold"/>
-                <a:sym typeface="Source Code Pro SemiBold"/>
-              </a:rPr>
-              <a:t>// Example using express-validator</a:t>
-            </a:r>
-            <a:endParaRPr sz="1200">
-              <a:solidFill>
-                <a:schemeClr val="dk1"/>
-              </a:solidFill>
-              <a:latin typeface="Source Code Pro SemiBold"/>
-              <a:ea typeface="Source Code Pro SemiBold"/>
-              <a:cs typeface="Source Code Pro SemiBold"/>
-              <a:sym typeface="Source Code Pro SemiBold"/>
-            </a:endParaRPr>
-          </a:p>
-          <a:p>
-            <a:pPr indent="0" lvl="0" marL="0" rtl="0" algn="l">
-              <a:spcBef>
-                <a:spcPts val="0"/>
-              </a:spcBef>
-              <a:spcAft>
-                <a:spcPts val="0"/>
-              </a:spcAft>
-              <a:buNone/>
-            </a:pPr>
-            <a:r>
-              <a:rPr lang="en-GB" sz="1200">
-                <a:solidFill>
-                  <a:schemeClr val="dk1"/>
-                </a:solidFill>
-                <a:latin typeface="Source Code Pro SemiBold"/>
-                <a:ea typeface="Source Code Pro SemiBold"/>
-                <a:cs typeface="Source Code Pro SemiBold"/>
-                <a:sym typeface="Source Code Pro SemiBold"/>
-              </a:rPr>
-              <a:t>const { body, validationResult } = require("express-validator");</a:t>
-            </a:r>
-            <a:endParaRPr sz="1200">
-              <a:solidFill>
-                <a:schemeClr val="dk1"/>
-              </a:solidFill>
-              <a:latin typeface="Source Code Pro SemiBold"/>
-              <a:ea typeface="Source Code Pro SemiBold"/>
-              <a:cs typeface="Source Code Pro SemiBold"/>
-              <a:sym typeface="Source Code Pro SemiBold"/>
-            </a:endParaRPr>
-          </a:p>
-          <a:p>
-            <a:pPr indent="0" lvl="0" marL="0" rtl="0" algn="l">
-              <a:spcBef>
-                <a:spcPts val="0"/>
-              </a:spcBef>
-              <a:spcAft>
-                <a:spcPts val="0"/>
-              </a:spcAft>
-              <a:buNone/>
-            </a:pPr>
-            <a:r>
-              <a:rPr lang="en-GB" sz="1200">
-                <a:solidFill>
-                  <a:schemeClr val="dk1"/>
-                </a:solidFill>
-                <a:latin typeface="Source Code Pro SemiBold"/>
-                <a:ea typeface="Source Code Pro SemiBold"/>
-                <a:cs typeface="Source Code Pro SemiBold"/>
-                <a:sym typeface="Source Code Pro SemiBold"/>
-              </a:rPr>
-              <a:t>app.use(express.json());</a:t>
-            </a:r>
-            <a:endParaRPr sz="1200">
-              <a:solidFill>
-                <a:schemeClr val="dk1"/>
-              </a:solidFill>
-              <a:latin typeface="Source Code Pro SemiBold"/>
-              <a:ea typeface="Source Code Pro SemiBold"/>
-              <a:cs typeface="Source Code Pro SemiBold"/>
-              <a:sym typeface="Source Code Pro SemiBold"/>
-            </a:endParaRPr>
-          </a:p>
-          <a:p>
-            <a:pPr indent="0" lvl="0" marL="0" rtl="0" algn="l">
-              <a:spcBef>
-                <a:spcPts val="0"/>
-              </a:spcBef>
-              <a:spcAft>
-                <a:spcPts val="0"/>
-              </a:spcAft>
-              <a:buNone/>
-            </a:pPr>
-            <a:r>
-              <a:rPr lang="en-GB" sz="1200">
-                <a:solidFill>
-                  <a:schemeClr val="dk1"/>
-                </a:solidFill>
-                <a:latin typeface="Source Code Pro SemiBold"/>
-                <a:ea typeface="Source Code Pro SemiBold"/>
-                <a:cs typeface="Source Code Pro SemiBold"/>
-                <a:sym typeface="Source Code Pro SemiBold"/>
-              </a:rPr>
-              <a:t>app.post(</a:t>
-            </a:r>
-            <a:endParaRPr sz="1200">
-              <a:solidFill>
-                <a:schemeClr val="dk1"/>
-              </a:solidFill>
-              <a:latin typeface="Source Code Pro SemiBold"/>
-              <a:ea typeface="Source Code Pro SemiBold"/>
-              <a:cs typeface="Source Code Pro SemiBold"/>
-              <a:sym typeface="Source Code Pro SemiBold"/>
-            </a:endParaRPr>
-          </a:p>
-          <a:p>
-            <a:pPr indent="0" lvl="0" marL="0" rtl="0" algn="l">
-              <a:spcBef>
-                <a:spcPts val="0"/>
-              </a:spcBef>
-              <a:spcAft>
-                <a:spcPts val="0"/>
-              </a:spcAft>
-              <a:buNone/>
-            </a:pPr>
-            <a:r>
-              <a:rPr lang="en-GB" sz="1200">
-                <a:solidFill>
-                  <a:schemeClr val="dk1"/>
-                </a:solidFill>
-                <a:latin typeface="Source Code Pro SemiBold"/>
-                <a:ea typeface="Source Code Pro SemiBold"/>
-                <a:cs typeface="Source Code Pro SemiBold"/>
-                <a:sym typeface="Source Code Pro SemiBold"/>
-              </a:rPr>
-              <a:t>  "/todos",</a:t>
-            </a:r>
-            <a:endParaRPr sz="1200">
-              <a:solidFill>
-                <a:schemeClr val="dk1"/>
-              </a:solidFill>
-              <a:latin typeface="Source Code Pro SemiBold"/>
-              <a:ea typeface="Source Code Pro SemiBold"/>
-              <a:cs typeface="Source Code Pro SemiBold"/>
-              <a:sym typeface="Source Code Pro SemiBold"/>
-            </a:endParaRPr>
-          </a:p>
-          <a:p>
-            <a:pPr indent="0" lvl="0" marL="0" rtl="0" algn="l">
-              <a:spcBef>
-                <a:spcPts val="0"/>
-              </a:spcBef>
-              <a:spcAft>
-                <a:spcPts val="0"/>
-              </a:spcAft>
-              <a:buNone/>
-            </a:pPr>
-            <a:r>
-              <a:rPr lang="en-GB" sz="1200">
-                <a:solidFill>
-                  <a:schemeClr val="dk1"/>
-                </a:solidFill>
-                <a:latin typeface="Source Code Pro SemiBold"/>
-                <a:ea typeface="Source Code Pro SemiBold"/>
-                <a:cs typeface="Source Code Pro SemiBold"/>
-                <a:sym typeface="Source Code Pro SemiBold"/>
-              </a:rPr>
-              <a:t>  [</a:t>
-            </a:r>
-            <a:endParaRPr sz="1200">
-              <a:solidFill>
-                <a:schemeClr val="dk1"/>
-              </a:solidFill>
-              <a:latin typeface="Source Code Pro SemiBold"/>
-              <a:ea typeface="Source Code Pro SemiBold"/>
-              <a:cs typeface="Source Code Pro SemiBold"/>
-              <a:sym typeface="Source Code Pro SemiBold"/>
-            </a:endParaRPr>
-          </a:p>
-          <a:p>
-            <a:pPr indent="0" lvl="0" marL="0" rtl="0" algn="l">
-              <a:spcBef>
-                <a:spcPts val="0"/>
-              </a:spcBef>
-              <a:spcAft>
-                <a:spcPts val="0"/>
-              </a:spcAft>
-              <a:buNone/>
-            </a:pPr>
-            <a:r>
-              <a:rPr lang="en-GB" sz="1200">
-                <a:solidFill>
-                  <a:schemeClr val="dk1"/>
-                </a:solidFill>
-                <a:latin typeface="Source Code Pro SemiBold"/>
-                <a:ea typeface="Source Code Pro SemiBold"/>
-                <a:cs typeface="Source Code Pro SemiBold"/>
-                <a:sym typeface="Source Code Pro SemiBold"/>
-              </a:rPr>
-              <a:t>    // Validate and sanitize input</a:t>
-            </a:r>
-            <a:endParaRPr sz="1200">
-              <a:solidFill>
-                <a:schemeClr val="dk1"/>
-              </a:solidFill>
-              <a:latin typeface="Source Code Pro SemiBold"/>
-              <a:ea typeface="Source Code Pro SemiBold"/>
-              <a:cs typeface="Source Code Pro SemiBold"/>
-              <a:sym typeface="Source Code Pro SemiBold"/>
-            </a:endParaRPr>
-          </a:p>
-          <a:p>
-            <a:pPr indent="0" lvl="0" marL="0" rtl="0" algn="l">
-              <a:spcBef>
-                <a:spcPts val="0"/>
-              </a:spcBef>
-              <a:spcAft>
-                <a:spcPts val="0"/>
-              </a:spcAft>
-              <a:buNone/>
-            </a:pPr>
-            <a:r>
-              <a:rPr lang="en-GB" sz="1200">
-                <a:solidFill>
-                  <a:schemeClr val="dk1"/>
-                </a:solidFill>
-                <a:latin typeface="Source Code Pro SemiBold"/>
-                <a:ea typeface="Source Code Pro SemiBold"/>
-                <a:cs typeface="Source Code Pro SemiBold"/>
-                <a:sym typeface="Source Code Pro SemiBold"/>
-              </a:rPr>
-              <a:t>    body("title").trim().isLength({ min: 5 }),</a:t>
-            </a:r>
-            <a:endParaRPr sz="1200">
-              <a:solidFill>
-                <a:schemeClr val="dk1"/>
-              </a:solidFill>
-              <a:latin typeface="Source Code Pro SemiBold"/>
-              <a:ea typeface="Source Code Pro SemiBold"/>
-              <a:cs typeface="Source Code Pro SemiBold"/>
-              <a:sym typeface="Source Code Pro SemiBold"/>
-            </a:endParaRPr>
-          </a:p>
-          <a:p>
-            <a:pPr indent="0" lvl="0" marL="0" rtl="0" algn="l">
-              <a:spcBef>
-                <a:spcPts val="0"/>
-              </a:spcBef>
-              <a:spcAft>
-                <a:spcPts val="0"/>
-              </a:spcAft>
-              <a:buNone/>
-            </a:pPr>
-            <a:r>
-              <a:rPr lang="en-GB" sz="1200">
-                <a:solidFill>
-                  <a:schemeClr val="dk1"/>
-                </a:solidFill>
-                <a:latin typeface="Source Code Pro SemiBold"/>
-                <a:ea typeface="Source Code Pro SemiBold"/>
-                <a:cs typeface="Source Code Pro SemiBold"/>
-                <a:sym typeface="Source Code Pro SemiBold"/>
-              </a:rPr>
-              <a:t>    body("dueDate").isISO8601(),</a:t>
-            </a:r>
-            <a:endParaRPr sz="1200">
-              <a:solidFill>
-                <a:schemeClr val="dk1"/>
-              </a:solidFill>
-              <a:latin typeface="Source Code Pro SemiBold"/>
-              <a:ea typeface="Source Code Pro SemiBold"/>
-              <a:cs typeface="Source Code Pro SemiBold"/>
-              <a:sym typeface="Source Code Pro SemiBold"/>
-            </a:endParaRPr>
-          </a:p>
-          <a:p>
-            <a:pPr indent="0" lvl="0" marL="0" rtl="0" algn="l">
-              <a:spcBef>
-                <a:spcPts val="0"/>
-              </a:spcBef>
-              <a:spcAft>
-                <a:spcPts val="0"/>
-              </a:spcAft>
-              <a:buNone/>
-            </a:pPr>
-            <a:r>
-              <a:rPr lang="en-GB" sz="1200">
-                <a:solidFill>
-                  <a:schemeClr val="dk1"/>
-                </a:solidFill>
-                <a:latin typeface="Source Code Pro SemiBold"/>
-                <a:ea typeface="Source Code Pro SemiBold"/>
-                <a:cs typeface="Source Code Pro SemiBold"/>
-                <a:sym typeface="Source Code Pro SemiBold"/>
-              </a:rPr>
-              <a:t>  ],</a:t>
-            </a:r>
-            <a:endParaRPr sz="1200">
-              <a:solidFill>
-                <a:schemeClr val="dk1"/>
-              </a:solidFill>
-              <a:latin typeface="Source Code Pro SemiBold"/>
-              <a:ea typeface="Source Code Pro SemiBold"/>
-              <a:cs typeface="Source Code Pro SemiBold"/>
-              <a:sym typeface="Source Code Pro SemiBold"/>
-            </a:endParaRPr>
-          </a:p>
-          <a:p>
-            <a:pPr indent="0" lvl="0" marL="0" rtl="0" algn="l">
-              <a:spcBef>
-                <a:spcPts val="0"/>
-              </a:spcBef>
-              <a:spcAft>
-                <a:spcPts val="0"/>
-              </a:spcAft>
-              <a:buNone/>
-            </a:pPr>
-            <a:r>
-              <a:rPr lang="en-GB" sz="1200">
-                <a:solidFill>
-                  <a:schemeClr val="dk1"/>
-                </a:solidFill>
-                <a:latin typeface="Source Code Pro SemiBold"/>
-                <a:ea typeface="Source Code Pro SemiBold"/>
-                <a:cs typeface="Source Code Pro SemiBold"/>
-                <a:sym typeface="Source Code Pro SemiBold"/>
-              </a:rPr>
-              <a:t>  (req, res) =&gt; {</a:t>
-            </a:r>
-            <a:endParaRPr sz="1200">
-              <a:solidFill>
-                <a:schemeClr val="dk1"/>
-              </a:solidFill>
-              <a:latin typeface="Source Code Pro SemiBold"/>
-              <a:ea typeface="Source Code Pro SemiBold"/>
-              <a:cs typeface="Source Code Pro SemiBold"/>
-              <a:sym typeface="Source Code Pro SemiBold"/>
-            </a:endParaRPr>
-          </a:p>
-          <a:p>
-            <a:pPr indent="0" lvl="0" marL="0" rtl="0" algn="l">
-              <a:spcBef>
-                <a:spcPts val="0"/>
-              </a:spcBef>
-              <a:spcAft>
-                <a:spcPts val="0"/>
-              </a:spcAft>
-              <a:buNone/>
-            </a:pPr>
-            <a:r>
-              <a:rPr lang="en-GB" sz="1200">
-                <a:solidFill>
-                  <a:schemeClr val="dk1"/>
-                </a:solidFill>
-                <a:latin typeface="Source Code Pro SemiBold"/>
-                <a:ea typeface="Source Code Pro SemiBold"/>
-                <a:cs typeface="Source Code Pro SemiBold"/>
-                <a:sym typeface="Source Code Pro SemiBold"/>
-              </a:rPr>
-              <a:t>    // Handle the validated input</a:t>
-            </a:r>
-            <a:endParaRPr sz="1200">
-              <a:solidFill>
-                <a:schemeClr val="dk1"/>
-              </a:solidFill>
-              <a:latin typeface="Source Code Pro SemiBold"/>
-              <a:ea typeface="Source Code Pro SemiBold"/>
-              <a:cs typeface="Source Code Pro SemiBold"/>
-              <a:sym typeface="Source Code Pro SemiBold"/>
-            </a:endParaRPr>
-          </a:p>
-          <a:p>
-            <a:pPr indent="0" lvl="0" marL="0" rtl="0" algn="l">
-              <a:spcBef>
-                <a:spcPts val="0"/>
-              </a:spcBef>
-              <a:spcAft>
-                <a:spcPts val="0"/>
-              </a:spcAft>
-              <a:buNone/>
-            </a:pPr>
-            <a:r>
-              <a:rPr lang="en-GB" sz="1200">
-                <a:solidFill>
-                  <a:schemeClr val="dk1"/>
-                </a:solidFill>
-                <a:latin typeface="Source Code Pro SemiBold"/>
-                <a:ea typeface="Source Code Pro SemiBold"/>
-                <a:cs typeface="Source Code Pro SemiBold"/>
-                <a:sym typeface="Source Code Pro SemiBold"/>
-              </a:rPr>
-              <a:t>    const errors = validationResult(req);</a:t>
-            </a:r>
-            <a:endParaRPr sz="1200">
-              <a:solidFill>
-                <a:schemeClr val="dk1"/>
-              </a:solidFill>
-              <a:latin typeface="Source Code Pro SemiBold"/>
-              <a:ea typeface="Source Code Pro SemiBold"/>
-              <a:cs typeface="Source Code Pro SemiBold"/>
-              <a:sym typeface="Source Code Pro SemiBold"/>
-            </a:endParaRPr>
-          </a:p>
-          <a:p>
-            <a:pPr indent="0" lvl="0" marL="0" rtl="0" algn="l">
-              <a:spcBef>
-                <a:spcPts val="0"/>
-              </a:spcBef>
-              <a:spcAft>
-                <a:spcPts val="0"/>
-              </a:spcAft>
-              <a:buNone/>
-            </a:pPr>
-            <a:r>
-              <a:rPr lang="en-GB" sz="1200">
-                <a:solidFill>
-                  <a:schemeClr val="dk1"/>
-                </a:solidFill>
-                <a:latin typeface="Source Code Pro SemiBold"/>
-                <a:ea typeface="Source Code Pro SemiBold"/>
-                <a:cs typeface="Source Code Pro SemiBold"/>
-                <a:sym typeface="Source Code Pro SemiBold"/>
-              </a:rPr>
-              <a:t>    if (!errors.isEmpty()) {</a:t>
-            </a:r>
-            <a:endParaRPr sz="1200">
-              <a:solidFill>
-                <a:schemeClr val="dk1"/>
-              </a:solidFill>
-              <a:latin typeface="Source Code Pro SemiBold"/>
-              <a:ea typeface="Source Code Pro SemiBold"/>
-              <a:cs typeface="Source Code Pro SemiBold"/>
-              <a:sym typeface="Source Code Pro SemiBold"/>
-            </a:endParaRPr>
-          </a:p>
-          <a:p>
-            <a:pPr indent="0" lvl="0" marL="0" rtl="0" algn="l">
-              <a:spcBef>
-                <a:spcPts val="0"/>
-              </a:spcBef>
-              <a:spcAft>
-                <a:spcPts val="0"/>
-              </a:spcAft>
-              <a:buNone/>
-            </a:pPr>
-            <a:r>
-              <a:rPr lang="en-GB" sz="1200">
-                <a:solidFill>
-                  <a:schemeClr val="dk1"/>
-                </a:solidFill>
-                <a:latin typeface="Source Code Pro SemiBold"/>
-                <a:ea typeface="Source Code Pro SemiBold"/>
-                <a:cs typeface="Source Code Pro SemiBold"/>
-                <a:sym typeface="Source Code Pro SemiBold"/>
-              </a:rPr>
-              <a:t>      return res.status(400).json({ errors: errors.array() });</a:t>
-            </a:r>
-            <a:endParaRPr sz="1200">
-              <a:solidFill>
-                <a:schemeClr val="dk1"/>
-              </a:solidFill>
-              <a:latin typeface="Source Code Pro SemiBold"/>
-              <a:ea typeface="Source Code Pro SemiBold"/>
-              <a:cs typeface="Source Code Pro SemiBold"/>
-              <a:sym typeface="Source Code Pro SemiBold"/>
-            </a:endParaRPr>
-          </a:p>
-          <a:p>
-            <a:pPr indent="0" lvl="0" marL="0" rtl="0" algn="l">
-              <a:spcBef>
-                <a:spcPts val="0"/>
-              </a:spcBef>
-              <a:spcAft>
-                <a:spcPts val="0"/>
-              </a:spcAft>
-              <a:buNone/>
-            </a:pPr>
-            <a:r>
-              <a:rPr lang="en-GB" sz="1200">
-                <a:solidFill>
-                  <a:schemeClr val="dk1"/>
-                </a:solidFill>
-                <a:latin typeface="Source Code Pro SemiBold"/>
-                <a:ea typeface="Source Code Pro SemiBold"/>
-                <a:cs typeface="Source Code Pro SemiBold"/>
-                <a:sym typeface="Source Code Pro SemiBold"/>
-              </a:rPr>
-              <a:t>    }</a:t>
-            </a:r>
-            <a:endParaRPr sz="1200">
-              <a:solidFill>
-                <a:schemeClr val="dk1"/>
-              </a:solidFill>
-              <a:latin typeface="Source Code Pro SemiBold"/>
-              <a:ea typeface="Source Code Pro SemiBold"/>
-              <a:cs typeface="Source Code Pro SemiBold"/>
-              <a:sym typeface="Source Code Pro SemiBold"/>
-            </a:endParaRPr>
-          </a:p>
-          <a:p>
-            <a:pPr indent="0" lvl="0" marL="0" rtl="0" algn="l">
-              <a:spcBef>
-                <a:spcPts val="0"/>
-              </a:spcBef>
-              <a:spcAft>
-                <a:spcPts val="0"/>
-              </a:spcAft>
-              <a:buNone/>
-            </a:pPr>
-            <a:r>
-              <a:t/>
-            </a:r>
-            <a:endParaRPr sz="1200">
-              <a:solidFill>
-                <a:schemeClr val="dk1"/>
-              </a:solidFill>
-              <a:latin typeface="Source Code Pro SemiBold"/>
-              <a:ea typeface="Source Code Pro SemiBold"/>
-              <a:cs typeface="Source Code Pro SemiBold"/>
-              <a:sym typeface="Source Code Pro SemiBold"/>
-            </a:endParaRPr>
-          </a:p>
-          <a:p>
-            <a:pPr indent="0" lvl="0" marL="0" rtl="0" algn="l">
-              <a:spcBef>
-                <a:spcPts val="0"/>
-              </a:spcBef>
-              <a:spcAft>
-                <a:spcPts val="0"/>
-              </a:spcAft>
-              <a:buNone/>
-            </a:pPr>
-            <a:r>
-              <a:rPr lang="en-GB" sz="1200">
-                <a:solidFill>
-                  <a:schemeClr val="dk1"/>
-                </a:solidFill>
-                <a:latin typeface="Source Code Pro SemiBold"/>
-                <a:ea typeface="Source Code Pro SemiBold"/>
-                <a:cs typeface="Source Code Pro SemiBold"/>
-                <a:sym typeface="Source Code Pro SemiBold"/>
-              </a:rPr>
-              <a:t>    // Process the valid input</a:t>
-            </a:r>
-            <a:endParaRPr sz="1200">
-              <a:solidFill>
-                <a:schemeClr val="dk1"/>
-              </a:solidFill>
-              <a:latin typeface="Source Code Pro SemiBold"/>
-              <a:ea typeface="Source Code Pro SemiBold"/>
-              <a:cs typeface="Source Code Pro SemiBold"/>
-              <a:sym typeface="Source Code Pro SemiBold"/>
-            </a:endParaRPr>
-          </a:p>
-          <a:p>
-            <a:pPr indent="0" lvl="0" marL="0" rtl="0" algn="l">
-              <a:spcBef>
-                <a:spcPts val="0"/>
-              </a:spcBef>
-              <a:spcAft>
-                <a:spcPts val="0"/>
-              </a:spcAft>
-              <a:buNone/>
-            </a:pPr>
-            <a:r>
-              <a:rPr lang="en-GB" sz="1200">
-                <a:solidFill>
-                  <a:schemeClr val="dk1"/>
-                </a:solidFill>
-                <a:latin typeface="Source Code Pro SemiBold"/>
-                <a:ea typeface="Source Code Pro SemiBold"/>
-                <a:cs typeface="Source Code Pro SemiBold"/>
-                <a:sym typeface="Source Code Pro SemiBold"/>
-              </a:rPr>
-              <a:t>    // ...</a:t>
-            </a:r>
-            <a:endParaRPr sz="1200">
-              <a:solidFill>
-                <a:schemeClr val="dk1"/>
-              </a:solidFill>
-              <a:latin typeface="Source Code Pro SemiBold"/>
-              <a:ea typeface="Source Code Pro SemiBold"/>
-              <a:cs typeface="Source Code Pro SemiBold"/>
-              <a:sym typeface="Source Code Pro SemiBold"/>
-            </a:endParaRPr>
-          </a:p>
-          <a:p>
-            <a:pPr indent="0" lvl="0" marL="0" rtl="0" algn="l">
-              <a:spcBef>
-                <a:spcPts val="0"/>
-              </a:spcBef>
-              <a:spcAft>
-                <a:spcPts val="0"/>
-              </a:spcAft>
-              <a:buNone/>
-            </a:pPr>
-            <a:r>
-              <a:rPr lang="en-GB" sz="1200">
-                <a:solidFill>
-                  <a:schemeClr val="dk1"/>
-                </a:solidFill>
-                <a:latin typeface="Source Code Pro SemiBold"/>
-                <a:ea typeface="Source Code Pro SemiBold"/>
-                <a:cs typeface="Source Code Pro SemiBold"/>
-                <a:sym typeface="Source Code Pro SemiBold"/>
-              </a:rPr>
-              <a:t>  }</a:t>
-            </a:r>
-            <a:endParaRPr sz="1200">
-              <a:solidFill>
-                <a:schemeClr val="dk1"/>
-              </a:solidFill>
-              <a:latin typeface="Source Code Pro SemiBold"/>
-              <a:ea typeface="Source Code Pro SemiBold"/>
-              <a:cs typeface="Source Code Pro SemiBold"/>
-              <a:sym typeface="Source Code Pro SemiBold"/>
-            </a:endParaRPr>
-          </a:p>
-          <a:p>
-            <a:pPr indent="0" lvl="0" marL="0" rtl="0" algn="l">
-              <a:spcBef>
-                <a:spcPts val="0"/>
-              </a:spcBef>
-              <a:spcAft>
-                <a:spcPts val="0"/>
-              </a:spcAft>
-              <a:buNone/>
-            </a:pPr>
-            <a:r>
-              <a:rPr lang="en-GB" sz="1200">
-                <a:solidFill>
-                  <a:schemeClr val="dk1"/>
-                </a:solidFill>
-                <a:latin typeface="Source Code Pro SemiBold"/>
-                <a:ea typeface="Source Code Pro SemiBold"/>
-                <a:cs typeface="Source Code Pro SemiBold"/>
-                <a:sym typeface="Source Code Pro SemiBold"/>
-              </a:rPr>
-              <a:t>);</a:t>
-            </a:r>
-            <a:endParaRPr sz="1200">
-              <a:solidFill>
-                <a:schemeClr val="dk1"/>
-              </a:solidFill>
-              <a:latin typeface="Source Code Pro SemiBold"/>
-              <a:ea typeface="Source Code Pro SemiBold"/>
-              <a:cs typeface="Source Code Pro SemiBold"/>
-              <a:sym typeface="Source Code Pro SemiBold"/>
             </a:endParaRPr>
           </a:p>
         </p:txBody>
@@ -32252,9 +31955,770 @@
           <a:chExt cx="0" cy="0"/>
         </a:xfrm>
       </p:grpSpPr>
+      <p:sp>
+        <p:nvSpPr>
+          <p:cNvPr id="427" name="Google Shape;427;g225db79a03c_2_135"/>
+          <p:cNvSpPr txBox="1"/>
+          <p:nvPr>
+            <p:ph type="title"/>
+          </p:nvPr>
+        </p:nvSpPr>
+        <p:spPr>
+          <a:xfrm>
+            <a:off x="793325" y="551900"/>
+            <a:ext cx="7726200" cy="554100"/>
+          </a:xfrm>
+          <a:prstGeom prst="rect">
+            <a:avLst/>
+          </a:prstGeom>
+          <a:noFill/>
+          <a:ln>
+            <a:noFill/>
+          </a:ln>
+        </p:spPr>
+        <p:txBody>
+          <a:bodyPr anchorCtr="0" anchor="t" bIns="91425" lIns="91425" spcFirstLastPara="1" rIns="91425" wrap="square" tIns="91425">
+            <a:spAutoFit/>
+          </a:bodyPr>
+          <a:lstStyle/>
+          <a:p>
+            <a:pPr indent="0" lvl="0" marL="0" rtl="0" algn="l">
+              <a:lnSpc>
+                <a:spcPct val="100000"/>
+              </a:lnSpc>
+              <a:spcBef>
+                <a:spcPts val="0"/>
+              </a:spcBef>
+              <a:spcAft>
+                <a:spcPts val="0"/>
+              </a:spcAft>
+              <a:buNone/>
+            </a:pPr>
+            <a:r>
+              <a:rPr lang="en-GB"/>
+              <a:t>Error Handling and Response Codes: Example</a:t>
+            </a:r>
+            <a:endParaRPr/>
+          </a:p>
+        </p:txBody>
+      </p:sp>
+      <p:sp>
+        <p:nvSpPr>
+          <p:cNvPr id="428" name="Google Shape;428;g225db79a03c_2_135"/>
+          <p:cNvSpPr txBox="1"/>
+          <p:nvPr/>
+        </p:nvSpPr>
+        <p:spPr>
+          <a:xfrm>
+            <a:off x="807750" y="1067850"/>
+            <a:ext cx="7528500" cy="4063500"/>
+          </a:xfrm>
+          <a:prstGeom prst="rect">
+            <a:avLst/>
+          </a:prstGeom>
+          <a:noFill/>
+          <a:ln>
+            <a:noFill/>
+          </a:ln>
+        </p:spPr>
+        <p:txBody>
+          <a:bodyPr anchorCtr="0" anchor="t" bIns="91425" lIns="91425" spcFirstLastPara="1" rIns="91425" wrap="square" tIns="91425">
+            <a:spAutoFit/>
+          </a:bodyPr>
+          <a:lstStyle/>
+          <a:p>
+            <a:pPr indent="0" lvl="0" marL="0" rtl="0" algn="l">
+              <a:spcBef>
+                <a:spcPts val="0"/>
+              </a:spcBef>
+              <a:spcAft>
+                <a:spcPts val="0"/>
+              </a:spcAft>
+              <a:buNone/>
+            </a:pPr>
+            <a:r>
+              <a:rPr lang="en-GB" sz="1200">
+                <a:solidFill>
+                  <a:schemeClr val="dk1"/>
+                </a:solidFill>
+                <a:latin typeface="Source Code Pro SemiBold"/>
+                <a:ea typeface="Source Code Pro SemiBold"/>
+                <a:cs typeface="Source Code Pro SemiBold"/>
+                <a:sym typeface="Source Code Pro SemiBold"/>
+              </a:rPr>
+              <a:t>// Example using express-validator</a:t>
+            </a:r>
+            <a:endParaRPr sz="1200">
+              <a:solidFill>
+                <a:schemeClr val="dk1"/>
+              </a:solidFill>
+              <a:latin typeface="Source Code Pro SemiBold"/>
+              <a:ea typeface="Source Code Pro SemiBold"/>
+              <a:cs typeface="Source Code Pro SemiBold"/>
+              <a:sym typeface="Source Code Pro SemiBold"/>
+            </a:endParaRPr>
+          </a:p>
+          <a:p>
+            <a:pPr indent="0" lvl="0" marL="0" rtl="0" algn="l">
+              <a:spcBef>
+                <a:spcPts val="0"/>
+              </a:spcBef>
+              <a:spcAft>
+                <a:spcPts val="0"/>
+              </a:spcAft>
+              <a:buNone/>
+            </a:pPr>
+            <a:r>
+              <a:rPr lang="en-GB" sz="1200">
+                <a:solidFill>
+                  <a:schemeClr val="dk1"/>
+                </a:solidFill>
+                <a:latin typeface="Source Code Pro SemiBold"/>
+                <a:ea typeface="Source Code Pro SemiBold"/>
+                <a:cs typeface="Source Code Pro SemiBold"/>
+                <a:sym typeface="Source Code Pro SemiBold"/>
+              </a:rPr>
+              <a:t>const { body, validationResult } = require("express-validator");</a:t>
+            </a:r>
+            <a:endParaRPr sz="1200">
+              <a:solidFill>
+                <a:schemeClr val="dk1"/>
+              </a:solidFill>
+              <a:latin typeface="Source Code Pro SemiBold"/>
+              <a:ea typeface="Source Code Pro SemiBold"/>
+              <a:cs typeface="Source Code Pro SemiBold"/>
+              <a:sym typeface="Source Code Pro SemiBold"/>
+            </a:endParaRPr>
+          </a:p>
+          <a:p>
+            <a:pPr indent="0" lvl="0" marL="0" rtl="0" algn="l">
+              <a:spcBef>
+                <a:spcPts val="0"/>
+              </a:spcBef>
+              <a:spcAft>
+                <a:spcPts val="0"/>
+              </a:spcAft>
+              <a:buNone/>
+            </a:pPr>
+            <a:r>
+              <a:rPr lang="en-GB" sz="1200">
+                <a:solidFill>
+                  <a:schemeClr val="dk1"/>
+                </a:solidFill>
+                <a:latin typeface="Source Code Pro SemiBold"/>
+                <a:ea typeface="Source Code Pro SemiBold"/>
+                <a:cs typeface="Source Code Pro SemiBold"/>
+                <a:sym typeface="Source Code Pro SemiBold"/>
+              </a:rPr>
+              <a:t>app.use(express.json());</a:t>
+            </a:r>
+            <a:endParaRPr sz="1200">
+              <a:solidFill>
+                <a:schemeClr val="dk1"/>
+              </a:solidFill>
+              <a:latin typeface="Source Code Pro SemiBold"/>
+              <a:ea typeface="Source Code Pro SemiBold"/>
+              <a:cs typeface="Source Code Pro SemiBold"/>
+              <a:sym typeface="Source Code Pro SemiBold"/>
+            </a:endParaRPr>
+          </a:p>
+          <a:p>
+            <a:pPr indent="0" lvl="0" marL="0" rtl="0" algn="l">
+              <a:spcBef>
+                <a:spcPts val="0"/>
+              </a:spcBef>
+              <a:spcAft>
+                <a:spcPts val="0"/>
+              </a:spcAft>
+              <a:buNone/>
+            </a:pPr>
+            <a:r>
+              <a:rPr lang="en-GB" sz="1200">
+                <a:solidFill>
+                  <a:schemeClr val="dk1"/>
+                </a:solidFill>
+                <a:latin typeface="Source Code Pro SemiBold"/>
+                <a:ea typeface="Source Code Pro SemiBold"/>
+                <a:cs typeface="Source Code Pro SemiBold"/>
+                <a:sym typeface="Source Code Pro SemiBold"/>
+              </a:rPr>
+              <a:t>app.post(</a:t>
+            </a:r>
+            <a:endParaRPr sz="1200">
+              <a:solidFill>
+                <a:schemeClr val="dk1"/>
+              </a:solidFill>
+              <a:latin typeface="Source Code Pro SemiBold"/>
+              <a:ea typeface="Source Code Pro SemiBold"/>
+              <a:cs typeface="Source Code Pro SemiBold"/>
+              <a:sym typeface="Source Code Pro SemiBold"/>
+            </a:endParaRPr>
+          </a:p>
+          <a:p>
+            <a:pPr indent="0" lvl="0" marL="0" rtl="0" algn="l">
+              <a:spcBef>
+                <a:spcPts val="0"/>
+              </a:spcBef>
+              <a:spcAft>
+                <a:spcPts val="0"/>
+              </a:spcAft>
+              <a:buNone/>
+            </a:pPr>
+            <a:r>
+              <a:rPr lang="en-GB" sz="1200">
+                <a:solidFill>
+                  <a:schemeClr val="dk1"/>
+                </a:solidFill>
+                <a:latin typeface="Source Code Pro SemiBold"/>
+                <a:ea typeface="Source Code Pro SemiBold"/>
+                <a:cs typeface="Source Code Pro SemiBold"/>
+                <a:sym typeface="Source Code Pro SemiBold"/>
+              </a:rPr>
+              <a:t>  "/todos",</a:t>
+            </a:r>
+            <a:endParaRPr sz="1200">
+              <a:solidFill>
+                <a:schemeClr val="dk1"/>
+              </a:solidFill>
+              <a:latin typeface="Source Code Pro SemiBold"/>
+              <a:ea typeface="Source Code Pro SemiBold"/>
+              <a:cs typeface="Source Code Pro SemiBold"/>
+              <a:sym typeface="Source Code Pro SemiBold"/>
+            </a:endParaRPr>
+          </a:p>
+          <a:p>
+            <a:pPr indent="0" lvl="0" marL="0" rtl="0" algn="l">
+              <a:spcBef>
+                <a:spcPts val="0"/>
+              </a:spcBef>
+              <a:spcAft>
+                <a:spcPts val="0"/>
+              </a:spcAft>
+              <a:buNone/>
+            </a:pPr>
+            <a:r>
+              <a:rPr lang="en-GB" sz="1200">
+                <a:solidFill>
+                  <a:schemeClr val="dk1"/>
+                </a:solidFill>
+                <a:latin typeface="Source Code Pro SemiBold"/>
+                <a:ea typeface="Source Code Pro SemiBold"/>
+                <a:cs typeface="Source Code Pro SemiBold"/>
+                <a:sym typeface="Source Code Pro SemiBold"/>
+              </a:rPr>
+              <a:t>  [</a:t>
+            </a:r>
+            <a:endParaRPr sz="1200">
+              <a:solidFill>
+                <a:schemeClr val="dk1"/>
+              </a:solidFill>
+              <a:latin typeface="Source Code Pro SemiBold"/>
+              <a:ea typeface="Source Code Pro SemiBold"/>
+              <a:cs typeface="Source Code Pro SemiBold"/>
+              <a:sym typeface="Source Code Pro SemiBold"/>
+            </a:endParaRPr>
+          </a:p>
+          <a:p>
+            <a:pPr indent="0" lvl="0" marL="0" rtl="0" algn="l">
+              <a:spcBef>
+                <a:spcPts val="0"/>
+              </a:spcBef>
+              <a:spcAft>
+                <a:spcPts val="0"/>
+              </a:spcAft>
+              <a:buNone/>
+            </a:pPr>
+            <a:r>
+              <a:rPr lang="en-GB" sz="1200">
+                <a:solidFill>
+                  <a:schemeClr val="dk1"/>
+                </a:solidFill>
+                <a:latin typeface="Source Code Pro SemiBold"/>
+                <a:ea typeface="Source Code Pro SemiBold"/>
+                <a:cs typeface="Source Code Pro SemiBold"/>
+                <a:sym typeface="Source Code Pro SemiBold"/>
+              </a:rPr>
+              <a:t>    // Validate and sanitize input</a:t>
+            </a:r>
+            <a:endParaRPr sz="1200">
+              <a:solidFill>
+                <a:schemeClr val="dk1"/>
+              </a:solidFill>
+              <a:latin typeface="Source Code Pro SemiBold"/>
+              <a:ea typeface="Source Code Pro SemiBold"/>
+              <a:cs typeface="Source Code Pro SemiBold"/>
+              <a:sym typeface="Source Code Pro SemiBold"/>
+            </a:endParaRPr>
+          </a:p>
+          <a:p>
+            <a:pPr indent="0" lvl="0" marL="0" rtl="0" algn="l">
+              <a:spcBef>
+                <a:spcPts val="0"/>
+              </a:spcBef>
+              <a:spcAft>
+                <a:spcPts val="0"/>
+              </a:spcAft>
+              <a:buNone/>
+            </a:pPr>
+            <a:r>
+              <a:rPr lang="en-GB" sz="1200">
+                <a:solidFill>
+                  <a:schemeClr val="dk1"/>
+                </a:solidFill>
+                <a:latin typeface="Source Code Pro SemiBold"/>
+                <a:ea typeface="Source Code Pro SemiBold"/>
+                <a:cs typeface="Source Code Pro SemiBold"/>
+                <a:sym typeface="Source Code Pro SemiBold"/>
+              </a:rPr>
+              <a:t>    body("title").trim().isLength({ min: 5 }),</a:t>
+            </a:r>
+            <a:endParaRPr sz="1200">
+              <a:solidFill>
+                <a:schemeClr val="dk1"/>
+              </a:solidFill>
+              <a:latin typeface="Source Code Pro SemiBold"/>
+              <a:ea typeface="Source Code Pro SemiBold"/>
+              <a:cs typeface="Source Code Pro SemiBold"/>
+              <a:sym typeface="Source Code Pro SemiBold"/>
+            </a:endParaRPr>
+          </a:p>
+          <a:p>
+            <a:pPr indent="0" lvl="0" marL="0" rtl="0" algn="l">
+              <a:spcBef>
+                <a:spcPts val="0"/>
+              </a:spcBef>
+              <a:spcAft>
+                <a:spcPts val="0"/>
+              </a:spcAft>
+              <a:buNone/>
+            </a:pPr>
+            <a:r>
+              <a:rPr lang="en-GB" sz="1200">
+                <a:solidFill>
+                  <a:schemeClr val="dk1"/>
+                </a:solidFill>
+                <a:latin typeface="Source Code Pro SemiBold"/>
+                <a:ea typeface="Source Code Pro SemiBold"/>
+                <a:cs typeface="Source Code Pro SemiBold"/>
+                <a:sym typeface="Source Code Pro SemiBold"/>
+              </a:rPr>
+              <a:t>    body("dueDate").isISO8601(),</a:t>
+            </a:r>
+            <a:endParaRPr sz="1200">
+              <a:solidFill>
+                <a:schemeClr val="dk1"/>
+              </a:solidFill>
+              <a:latin typeface="Source Code Pro SemiBold"/>
+              <a:ea typeface="Source Code Pro SemiBold"/>
+              <a:cs typeface="Source Code Pro SemiBold"/>
+              <a:sym typeface="Source Code Pro SemiBold"/>
+            </a:endParaRPr>
+          </a:p>
+          <a:p>
+            <a:pPr indent="0" lvl="0" marL="0" rtl="0" algn="l">
+              <a:spcBef>
+                <a:spcPts val="0"/>
+              </a:spcBef>
+              <a:spcAft>
+                <a:spcPts val="0"/>
+              </a:spcAft>
+              <a:buNone/>
+            </a:pPr>
+            <a:r>
+              <a:rPr lang="en-GB" sz="1200">
+                <a:solidFill>
+                  <a:schemeClr val="dk1"/>
+                </a:solidFill>
+                <a:latin typeface="Source Code Pro SemiBold"/>
+                <a:ea typeface="Source Code Pro SemiBold"/>
+                <a:cs typeface="Source Code Pro SemiBold"/>
+                <a:sym typeface="Source Code Pro SemiBold"/>
+              </a:rPr>
+              <a:t>  ],</a:t>
+            </a:r>
+            <a:endParaRPr sz="1200">
+              <a:solidFill>
+                <a:schemeClr val="dk1"/>
+              </a:solidFill>
+              <a:latin typeface="Source Code Pro SemiBold"/>
+              <a:ea typeface="Source Code Pro SemiBold"/>
+              <a:cs typeface="Source Code Pro SemiBold"/>
+              <a:sym typeface="Source Code Pro SemiBold"/>
+            </a:endParaRPr>
+          </a:p>
+          <a:p>
+            <a:pPr indent="0" lvl="0" marL="0" rtl="0" algn="l">
+              <a:spcBef>
+                <a:spcPts val="0"/>
+              </a:spcBef>
+              <a:spcAft>
+                <a:spcPts val="0"/>
+              </a:spcAft>
+              <a:buNone/>
+            </a:pPr>
+            <a:r>
+              <a:rPr lang="en-GB" sz="1200">
+                <a:solidFill>
+                  <a:schemeClr val="dk1"/>
+                </a:solidFill>
+                <a:latin typeface="Source Code Pro SemiBold"/>
+                <a:ea typeface="Source Code Pro SemiBold"/>
+                <a:cs typeface="Source Code Pro SemiBold"/>
+                <a:sym typeface="Source Code Pro SemiBold"/>
+              </a:rPr>
+              <a:t>  (req, res) =&gt; {</a:t>
+            </a:r>
+            <a:endParaRPr sz="1200">
+              <a:solidFill>
+                <a:schemeClr val="dk1"/>
+              </a:solidFill>
+              <a:latin typeface="Source Code Pro SemiBold"/>
+              <a:ea typeface="Source Code Pro SemiBold"/>
+              <a:cs typeface="Source Code Pro SemiBold"/>
+              <a:sym typeface="Source Code Pro SemiBold"/>
+            </a:endParaRPr>
+          </a:p>
+          <a:p>
+            <a:pPr indent="0" lvl="0" marL="0" rtl="0" algn="l">
+              <a:spcBef>
+                <a:spcPts val="0"/>
+              </a:spcBef>
+              <a:spcAft>
+                <a:spcPts val="0"/>
+              </a:spcAft>
+              <a:buNone/>
+            </a:pPr>
+            <a:r>
+              <a:rPr lang="en-GB" sz="1200">
+                <a:solidFill>
+                  <a:schemeClr val="dk1"/>
+                </a:solidFill>
+                <a:latin typeface="Source Code Pro SemiBold"/>
+                <a:ea typeface="Source Code Pro SemiBold"/>
+                <a:cs typeface="Source Code Pro SemiBold"/>
+                <a:sym typeface="Source Code Pro SemiBold"/>
+              </a:rPr>
+              <a:t>    // Handle the validated input</a:t>
+            </a:r>
+            <a:endParaRPr sz="1200">
+              <a:solidFill>
+                <a:schemeClr val="dk1"/>
+              </a:solidFill>
+              <a:latin typeface="Source Code Pro SemiBold"/>
+              <a:ea typeface="Source Code Pro SemiBold"/>
+              <a:cs typeface="Source Code Pro SemiBold"/>
+              <a:sym typeface="Source Code Pro SemiBold"/>
+            </a:endParaRPr>
+          </a:p>
+          <a:p>
+            <a:pPr indent="0" lvl="0" marL="0" rtl="0" algn="l">
+              <a:spcBef>
+                <a:spcPts val="0"/>
+              </a:spcBef>
+              <a:spcAft>
+                <a:spcPts val="0"/>
+              </a:spcAft>
+              <a:buNone/>
+            </a:pPr>
+            <a:r>
+              <a:rPr lang="en-GB" sz="1200">
+                <a:solidFill>
+                  <a:schemeClr val="dk1"/>
+                </a:solidFill>
+                <a:latin typeface="Source Code Pro SemiBold"/>
+                <a:ea typeface="Source Code Pro SemiBold"/>
+                <a:cs typeface="Source Code Pro SemiBold"/>
+                <a:sym typeface="Source Code Pro SemiBold"/>
+              </a:rPr>
+              <a:t>    const errors = validationResult(req);</a:t>
+            </a:r>
+            <a:endParaRPr sz="1200">
+              <a:solidFill>
+                <a:schemeClr val="dk1"/>
+              </a:solidFill>
+              <a:latin typeface="Source Code Pro SemiBold"/>
+              <a:ea typeface="Source Code Pro SemiBold"/>
+              <a:cs typeface="Source Code Pro SemiBold"/>
+              <a:sym typeface="Source Code Pro SemiBold"/>
+            </a:endParaRPr>
+          </a:p>
+          <a:p>
+            <a:pPr indent="0" lvl="0" marL="0" rtl="0" algn="l">
+              <a:spcBef>
+                <a:spcPts val="0"/>
+              </a:spcBef>
+              <a:spcAft>
+                <a:spcPts val="0"/>
+              </a:spcAft>
+              <a:buNone/>
+            </a:pPr>
+            <a:r>
+              <a:rPr lang="en-GB" sz="1200">
+                <a:solidFill>
+                  <a:schemeClr val="dk1"/>
+                </a:solidFill>
+                <a:latin typeface="Source Code Pro SemiBold"/>
+                <a:ea typeface="Source Code Pro SemiBold"/>
+                <a:cs typeface="Source Code Pro SemiBold"/>
+                <a:sym typeface="Source Code Pro SemiBold"/>
+              </a:rPr>
+              <a:t>    if (!errors.isEmpty()) {</a:t>
+            </a:r>
+            <a:endParaRPr sz="1200">
+              <a:solidFill>
+                <a:schemeClr val="dk1"/>
+              </a:solidFill>
+              <a:latin typeface="Source Code Pro SemiBold"/>
+              <a:ea typeface="Source Code Pro SemiBold"/>
+              <a:cs typeface="Source Code Pro SemiBold"/>
+              <a:sym typeface="Source Code Pro SemiBold"/>
+            </a:endParaRPr>
+          </a:p>
+          <a:p>
+            <a:pPr indent="0" lvl="0" marL="0" rtl="0" algn="l">
+              <a:spcBef>
+                <a:spcPts val="0"/>
+              </a:spcBef>
+              <a:spcAft>
+                <a:spcPts val="0"/>
+              </a:spcAft>
+              <a:buNone/>
+            </a:pPr>
+            <a:r>
+              <a:rPr lang="en-GB" sz="1200">
+                <a:solidFill>
+                  <a:schemeClr val="dk1"/>
+                </a:solidFill>
+                <a:latin typeface="Source Code Pro SemiBold"/>
+                <a:ea typeface="Source Code Pro SemiBold"/>
+                <a:cs typeface="Source Code Pro SemiBold"/>
+                <a:sym typeface="Source Code Pro SemiBold"/>
+              </a:rPr>
+              <a:t>      return res.status(400).json({ errors: errors.array() });</a:t>
+            </a:r>
+            <a:endParaRPr sz="1200">
+              <a:solidFill>
+                <a:schemeClr val="dk1"/>
+              </a:solidFill>
+              <a:latin typeface="Source Code Pro SemiBold"/>
+              <a:ea typeface="Source Code Pro SemiBold"/>
+              <a:cs typeface="Source Code Pro SemiBold"/>
+              <a:sym typeface="Source Code Pro SemiBold"/>
+            </a:endParaRPr>
+          </a:p>
+          <a:p>
+            <a:pPr indent="0" lvl="0" marL="0" rtl="0" algn="l">
+              <a:spcBef>
+                <a:spcPts val="0"/>
+              </a:spcBef>
+              <a:spcAft>
+                <a:spcPts val="0"/>
+              </a:spcAft>
+              <a:buNone/>
+            </a:pPr>
+            <a:r>
+              <a:rPr lang="en-GB" sz="1200">
+                <a:solidFill>
+                  <a:schemeClr val="dk1"/>
+                </a:solidFill>
+                <a:latin typeface="Source Code Pro SemiBold"/>
+                <a:ea typeface="Source Code Pro SemiBold"/>
+                <a:cs typeface="Source Code Pro SemiBold"/>
+                <a:sym typeface="Source Code Pro SemiBold"/>
+              </a:rPr>
+              <a:t>    }</a:t>
+            </a:r>
+            <a:endParaRPr sz="1200">
+              <a:solidFill>
+                <a:schemeClr val="dk1"/>
+              </a:solidFill>
+              <a:latin typeface="Source Code Pro SemiBold"/>
+              <a:ea typeface="Source Code Pro SemiBold"/>
+              <a:cs typeface="Source Code Pro SemiBold"/>
+              <a:sym typeface="Source Code Pro SemiBold"/>
+            </a:endParaRPr>
+          </a:p>
+          <a:p>
+            <a:pPr indent="0" lvl="0" marL="0" rtl="0" algn="l">
+              <a:spcBef>
+                <a:spcPts val="0"/>
+              </a:spcBef>
+              <a:spcAft>
+                <a:spcPts val="0"/>
+              </a:spcAft>
+              <a:buNone/>
+            </a:pPr>
+            <a:r>
+              <a:t/>
+            </a:r>
+            <a:endParaRPr sz="1200">
+              <a:solidFill>
+                <a:schemeClr val="dk1"/>
+              </a:solidFill>
+              <a:latin typeface="Source Code Pro SemiBold"/>
+              <a:ea typeface="Source Code Pro SemiBold"/>
+              <a:cs typeface="Source Code Pro SemiBold"/>
+              <a:sym typeface="Source Code Pro SemiBold"/>
+            </a:endParaRPr>
+          </a:p>
+          <a:p>
+            <a:pPr indent="0" lvl="0" marL="0" rtl="0" algn="l">
+              <a:spcBef>
+                <a:spcPts val="0"/>
+              </a:spcBef>
+              <a:spcAft>
+                <a:spcPts val="0"/>
+              </a:spcAft>
+              <a:buNone/>
+            </a:pPr>
+            <a:r>
+              <a:rPr lang="en-GB" sz="1200">
+                <a:solidFill>
+                  <a:schemeClr val="dk1"/>
+                </a:solidFill>
+                <a:latin typeface="Source Code Pro SemiBold"/>
+                <a:ea typeface="Source Code Pro SemiBold"/>
+                <a:cs typeface="Source Code Pro SemiBold"/>
+                <a:sym typeface="Source Code Pro SemiBold"/>
+              </a:rPr>
+              <a:t>    // Process the valid input. Save to database, etc.</a:t>
+            </a:r>
+            <a:endParaRPr sz="1200">
+              <a:solidFill>
+                <a:schemeClr val="dk1"/>
+              </a:solidFill>
+              <a:latin typeface="Source Code Pro SemiBold"/>
+              <a:ea typeface="Source Code Pro SemiBold"/>
+              <a:cs typeface="Source Code Pro SemiBold"/>
+              <a:sym typeface="Source Code Pro SemiBold"/>
+            </a:endParaRPr>
+          </a:p>
+          <a:p>
+            <a:pPr indent="0" lvl="0" marL="0" rtl="0" algn="l">
+              <a:spcBef>
+                <a:spcPts val="0"/>
+              </a:spcBef>
+              <a:spcAft>
+                <a:spcPts val="0"/>
+              </a:spcAft>
+              <a:buNone/>
+            </a:pPr>
+            <a:r>
+              <a:rPr lang="en-GB" sz="1200">
+                <a:solidFill>
+                  <a:schemeClr val="dk1"/>
+                </a:solidFill>
+                <a:latin typeface="Source Code Pro SemiBold"/>
+                <a:ea typeface="Source Code Pro SemiBold"/>
+                <a:cs typeface="Source Code Pro SemiBold"/>
+                <a:sym typeface="Source Code Pro SemiBold"/>
+              </a:rPr>
+              <a:t>    // ...</a:t>
+            </a:r>
+            <a:endParaRPr sz="1200">
+              <a:solidFill>
+                <a:schemeClr val="dk1"/>
+              </a:solidFill>
+              <a:latin typeface="Source Code Pro SemiBold"/>
+              <a:ea typeface="Source Code Pro SemiBold"/>
+              <a:cs typeface="Source Code Pro SemiBold"/>
+              <a:sym typeface="Source Code Pro SemiBold"/>
+            </a:endParaRPr>
+          </a:p>
+          <a:p>
+            <a:pPr indent="0" lvl="0" marL="0" rtl="0" algn="l">
+              <a:spcBef>
+                <a:spcPts val="0"/>
+              </a:spcBef>
+              <a:spcAft>
+                <a:spcPts val="0"/>
+              </a:spcAft>
+              <a:buNone/>
+            </a:pPr>
+            <a:r>
+              <a:rPr lang="en-GB" sz="1200">
+                <a:solidFill>
+                  <a:schemeClr val="dk1"/>
+                </a:solidFill>
+                <a:latin typeface="Source Code Pro SemiBold"/>
+                <a:ea typeface="Source Code Pro SemiBold"/>
+                <a:cs typeface="Source Code Pro SemiBold"/>
+                <a:sym typeface="Source Code Pro SemiBold"/>
+              </a:rPr>
+              <a:t>  }</a:t>
+            </a:r>
+            <a:endParaRPr sz="1200">
+              <a:solidFill>
+                <a:schemeClr val="dk1"/>
+              </a:solidFill>
+              <a:latin typeface="Source Code Pro SemiBold"/>
+              <a:ea typeface="Source Code Pro SemiBold"/>
+              <a:cs typeface="Source Code Pro SemiBold"/>
+              <a:sym typeface="Source Code Pro SemiBold"/>
+            </a:endParaRPr>
+          </a:p>
+          <a:p>
+            <a:pPr indent="0" lvl="0" marL="0" rtl="0" algn="l">
+              <a:spcBef>
+                <a:spcPts val="0"/>
+              </a:spcBef>
+              <a:spcAft>
+                <a:spcPts val="0"/>
+              </a:spcAft>
+              <a:buNone/>
+            </a:pPr>
+            <a:r>
+              <a:rPr lang="en-GB" sz="1200">
+                <a:solidFill>
+                  <a:schemeClr val="dk1"/>
+                </a:solidFill>
+                <a:latin typeface="Source Code Pro SemiBold"/>
+                <a:ea typeface="Source Code Pro SemiBold"/>
+                <a:cs typeface="Source Code Pro SemiBold"/>
+                <a:sym typeface="Source Code Pro SemiBold"/>
+              </a:rPr>
+              <a:t>);</a:t>
+            </a:r>
+            <a:endParaRPr sz="1200">
+              <a:solidFill>
+                <a:schemeClr val="dk1"/>
+              </a:solidFill>
+              <a:latin typeface="Source Code Pro SemiBold"/>
+              <a:ea typeface="Source Code Pro SemiBold"/>
+              <a:cs typeface="Source Code Pro SemiBold"/>
+              <a:sym typeface="Source Code Pro SemiBold"/>
+            </a:endParaRPr>
+          </a:p>
+        </p:txBody>
+      </p:sp>
+    </p:spTree>
+  </p:cSld>
+  <p:clrMapOvr>
+    <a:masterClrMapping/>
+  </p:clrMapOvr>
+</p:sld>
+</file>
+
+<file path=ppt/slides/slide68.xml><?xml version="1.0" encoding="utf-8"?>
+<p:sld xmlns:a="http://schemas.openxmlformats.org/drawingml/2006/main" xmlns:r="http://schemas.openxmlformats.org/officeDocument/2006/relationships" xmlns:mc="http://schemas.openxmlformats.org/markup-compatibility/2006" xmlns:mv="urn:schemas-microsoft-com:mac:vml" xmlns:p="http://schemas.openxmlformats.org/presentationml/2006/main" xmlns:c="http://schemas.openxmlformats.org/drawingml/2006/chart" xmlns:dgm="http://schemas.openxmlformats.org/drawingml/2006/diagram" xmlns:o="urn:schemas-microsoft-com:office:office" xmlns:v="urn:schemas-microsoft-com:vml" xmlns:pvml="urn:schemas-microsoft-com:office:powerpoint" xmlns:com="http://schemas.openxmlformats.org/drawingml/2006/compatibility" xmlns:p14="http://schemas.microsoft.com/office/powerpoint/2010/main" xmlns:p15="http://schemas.microsoft.com/office/powerpoint/2012/main" xmlns:ahyp="http://schemas.microsoft.com/office/drawing/2018/hyperlinkcolor">
+  <p:cSld>
+    <p:spTree>
+      <p:nvGrpSpPr>
+        <p:cNvPr id="432" name="Shape 432"/>
+        <p:cNvGrpSpPr/>
+        <p:nvPr/>
+      </p:nvGrpSpPr>
+      <p:grpSpPr>
+        <a:xfrm>
+          <a:off x="0" y="0"/>
+          <a:ext cx="0" cy="0"/>
+          <a:chOff x="0" y="0"/>
+          <a:chExt cx="0" cy="0"/>
+        </a:xfrm>
+      </p:grpSpPr>
       <p:pic>
         <p:nvPicPr>
-          <p:cNvPr id="427" name="Google Shape;427;g225db79a03c_2_140"/>
+          <p:cNvPr id="433" name="Google Shape;433;g225db79a03c_2_140"/>
           <p:cNvPicPr preferRelativeResize="0"/>
           <p:nvPr/>
         </p:nvPicPr>
@@ -32262,13 +32726,13 @@
           <a:blip r:embed="rId3">
             <a:alphaModFix/>
           </a:blip>
-          <a:srcRect b="1634" l="0" r="0" t="1634"/>
+          <a:srcRect b="1597" l="0" r="0" t="1597"/>
           <a:stretch/>
         </p:blipFill>
         <p:spPr>
           <a:xfrm>
             <a:off x="1345355" y="152400"/>
-            <a:ext cx="6300890" cy="4838699"/>
+            <a:ext cx="6300889" cy="4838700"/>
           </a:xfrm>
           <a:prstGeom prst="rect">
             <a:avLst/>
@@ -32287,12 +32751,12 @@
 </p:sld>
 </file>
 
-<file path=ppt/slides/slide68.xml><?xml version="1.0" encoding="utf-8"?>
+<file path=ppt/slides/slide69.xml><?xml version="1.0" encoding="utf-8"?>
 <p:sld xmlns:a="http://schemas.openxmlformats.org/drawingml/2006/main" xmlns:r="http://schemas.openxmlformats.org/officeDocument/2006/relationships" xmlns:mc="http://schemas.openxmlformats.org/markup-compatibility/2006" xmlns:mv="urn:schemas-microsoft-com:mac:vml" xmlns:p="http://schemas.openxmlformats.org/presentationml/2006/main" xmlns:c="http://schemas.openxmlformats.org/drawingml/2006/chart" xmlns:dgm="http://schemas.openxmlformats.org/drawingml/2006/diagram" xmlns:o="urn:schemas-microsoft-com:office:office" xmlns:v="urn:schemas-microsoft-com:vml" xmlns:pvml="urn:schemas-microsoft-com:office:powerpoint" xmlns:com="http://schemas.openxmlformats.org/drawingml/2006/compatibility" xmlns:p14="http://schemas.microsoft.com/office/powerpoint/2010/main" xmlns:p15="http://schemas.microsoft.com/office/powerpoint/2012/main" xmlns:ahyp="http://schemas.microsoft.com/office/drawing/2018/hyperlinkcolor">
   <p:cSld>
     <p:spTree>
       <p:nvGrpSpPr>
-        <p:cNvPr id="431" name="Shape 431"/>
+        <p:cNvPr id="437" name="Shape 437"/>
         <p:cNvGrpSpPr/>
         <p:nvPr/>
       </p:nvGrpSpPr>
@@ -32306,7 +32770,7 @@
       </p:grpSpPr>
       <p:sp>
         <p:nvSpPr>
-          <p:cNvPr id="432" name="Google Shape;432;p21"/>
+          <p:cNvPr id="438" name="Google Shape;438;p21"/>
           <p:cNvSpPr txBox="1"/>
           <p:nvPr>
             <p:ph type="title"/>
@@ -32369,317 +32833,6 @@
               <a:t>Debugging App with VS Code</a:t>
             </a:r>
             <a:endParaRPr b="0" sz="1400"/>
-          </a:p>
-        </p:txBody>
-      </p:sp>
-    </p:spTree>
-  </p:cSld>
-  <p:clrMapOvr>
-    <a:masterClrMapping/>
-  </p:clrMapOvr>
-</p:sld>
-</file>
-
-<file path=ppt/slides/slide69.xml><?xml version="1.0" encoding="utf-8"?>
-<p:sld xmlns:a="http://schemas.openxmlformats.org/drawingml/2006/main" xmlns:r="http://schemas.openxmlformats.org/officeDocument/2006/relationships" xmlns:mc="http://schemas.openxmlformats.org/markup-compatibility/2006" xmlns:mv="urn:schemas-microsoft-com:mac:vml" xmlns:p="http://schemas.openxmlformats.org/presentationml/2006/main" xmlns:c="http://schemas.openxmlformats.org/drawingml/2006/chart" xmlns:dgm="http://schemas.openxmlformats.org/drawingml/2006/diagram" xmlns:o="urn:schemas-microsoft-com:office:office" xmlns:v="urn:schemas-microsoft-com:vml" xmlns:pvml="urn:schemas-microsoft-com:office:powerpoint" xmlns:com="http://schemas.openxmlformats.org/drawingml/2006/compatibility" xmlns:p14="http://schemas.microsoft.com/office/powerpoint/2010/main" xmlns:p15="http://schemas.microsoft.com/office/powerpoint/2012/main" xmlns:ahyp="http://schemas.microsoft.com/office/drawing/2018/hyperlinkcolor">
-  <p:cSld>
-    <p:spTree>
-      <p:nvGrpSpPr>
-        <p:cNvPr id="436" name="Shape 436"/>
-        <p:cNvGrpSpPr/>
-        <p:nvPr/>
-      </p:nvGrpSpPr>
-      <p:grpSpPr>
-        <a:xfrm>
-          <a:off x="0" y="0"/>
-          <a:ext cx="0" cy="0"/>
-          <a:chOff x="0" y="0"/>
-          <a:chExt cx="0" cy="0"/>
-        </a:xfrm>
-      </p:grpSpPr>
-      <p:sp>
-        <p:nvSpPr>
-          <p:cNvPr id="437" name="Google Shape;437;p22"/>
-          <p:cNvSpPr txBox="1"/>
-          <p:nvPr>
-            <p:ph type="title"/>
-          </p:nvPr>
-        </p:nvSpPr>
-        <p:spPr>
-          <a:xfrm>
-            <a:off x="708900" y="1448250"/>
-            <a:ext cx="7726200" cy="769500"/>
-          </a:xfrm>
-          <a:prstGeom prst="rect">
-            <a:avLst/>
-          </a:prstGeom>
-          <a:noFill/>
-          <a:ln>
-            <a:noFill/>
-          </a:ln>
-        </p:spPr>
-        <p:txBody>
-          <a:bodyPr anchorCtr="0" anchor="t" bIns="91425" lIns="91425" spcFirstLastPara="1" rIns="91425" wrap="square" tIns="91425">
-            <a:spAutoFit/>
-          </a:bodyPr>
-          <a:lstStyle/>
-          <a:p>
-            <a:pPr indent="0" lvl="0" marL="0" rtl="0" algn="l">
-              <a:lnSpc>
-                <a:spcPct val="100000"/>
-              </a:lnSpc>
-              <a:spcBef>
-                <a:spcPts val="0"/>
-              </a:spcBef>
-              <a:spcAft>
-                <a:spcPts val="0"/>
-              </a:spcAft>
-              <a:buSzPts val="2400"/>
-              <a:buNone/>
-            </a:pPr>
-            <a:r>
-              <a:rPr lang="en-GB"/>
-              <a:t>Task of the day</a:t>
-            </a:r>
-            <a:br>
-              <a:rPr lang="en-GB"/>
-            </a:br>
-            <a:r>
-              <a:rPr b="0" lang="en-GB" sz="1400"/>
-              <a:t>Task of the Day: Build a simple REST API that performs CRUD operations for a todolist</a:t>
-            </a:r>
-            <a:endParaRPr b="0" sz="1400"/>
-          </a:p>
-        </p:txBody>
-      </p:sp>
-      <p:sp>
-        <p:nvSpPr>
-          <p:cNvPr id="438" name="Google Shape;438;p22"/>
-          <p:cNvSpPr txBox="1"/>
-          <p:nvPr/>
-        </p:nvSpPr>
-        <p:spPr>
-          <a:xfrm>
-            <a:off x="758750" y="2217750"/>
-            <a:ext cx="7217400" cy="1477500"/>
-          </a:xfrm>
-          <a:prstGeom prst="rect">
-            <a:avLst/>
-          </a:prstGeom>
-          <a:noFill/>
-          <a:ln>
-            <a:noFill/>
-          </a:ln>
-        </p:spPr>
-        <p:txBody>
-          <a:bodyPr anchorCtr="0" anchor="t" bIns="91425" lIns="91425" spcFirstLastPara="1" rIns="91425" wrap="square" tIns="91425">
-            <a:spAutoFit/>
-          </a:bodyPr>
-          <a:lstStyle/>
-          <a:p>
-            <a:pPr indent="-317500" lvl="0" marL="457200" rtl="0" algn="l">
-              <a:spcBef>
-                <a:spcPts val="0"/>
-              </a:spcBef>
-              <a:spcAft>
-                <a:spcPts val="0"/>
-              </a:spcAft>
-              <a:buClr>
-                <a:schemeClr val="dk1"/>
-              </a:buClr>
-              <a:buSzPts val="1400"/>
-              <a:buFont typeface="Plus Jakarta Sans"/>
-              <a:buChar char="●"/>
-            </a:pPr>
-            <a:r>
-              <a:rPr lang="en-GB">
-                <a:solidFill>
-                  <a:schemeClr val="dk1"/>
-                </a:solidFill>
-                <a:latin typeface="Plus Jakarta Sans"/>
-                <a:ea typeface="Plus Jakarta Sans"/>
-                <a:cs typeface="Plus Jakarta Sans"/>
-                <a:sym typeface="Plus Jakarta Sans"/>
-              </a:rPr>
-              <a:t>Retrieve a list of all todos</a:t>
-            </a:r>
-            <a:endParaRPr>
-              <a:solidFill>
-                <a:schemeClr val="dk1"/>
-              </a:solidFill>
-              <a:latin typeface="Plus Jakarta Sans"/>
-              <a:ea typeface="Plus Jakarta Sans"/>
-              <a:cs typeface="Plus Jakarta Sans"/>
-              <a:sym typeface="Plus Jakarta Sans"/>
-            </a:endParaRPr>
-          </a:p>
-          <a:p>
-            <a:pPr indent="-317500" lvl="0" marL="457200" rtl="0" algn="l">
-              <a:spcBef>
-                <a:spcPts val="0"/>
-              </a:spcBef>
-              <a:spcAft>
-                <a:spcPts val="0"/>
-              </a:spcAft>
-              <a:buClr>
-                <a:schemeClr val="dk1"/>
-              </a:buClr>
-              <a:buSzPts val="1400"/>
-              <a:buFont typeface="Plus Jakarta Sans"/>
-              <a:buChar char="●"/>
-            </a:pPr>
-            <a:r>
-              <a:rPr lang="en-GB">
-                <a:solidFill>
-                  <a:schemeClr val="dk1"/>
-                </a:solidFill>
-                <a:latin typeface="Plus Jakarta Sans"/>
-                <a:ea typeface="Plus Jakarta Sans"/>
-                <a:cs typeface="Plus Jakarta Sans"/>
-                <a:sym typeface="Plus Jakarta Sans"/>
-              </a:rPr>
-              <a:t>Retrieve a single todo</a:t>
-            </a:r>
-            <a:endParaRPr>
-              <a:solidFill>
-                <a:schemeClr val="dk1"/>
-              </a:solidFill>
-              <a:latin typeface="Plus Jakarta Sans"/>
-              <a:ea typeface="Plus Jakarta Sans"/>
-              <a:cs typeface="Plus Jakarta Sans"/>
-              <a:sym typeface="Plus Jakarta Sans"/>
-            </a:endParaRPr>
-          </a:p>
-          <a:p>
-            <a:pPr indent="-317500" lvl="0" marL="457200" rtl="0" algn="l">
-              <a:spcBef>
-                <a:spcPts val="0"/>
-              </a:spcBef>
-              <a:spcAft>
-                <a:spcPts val="0"/>
-              </a:spcAft>
-              <a:buClr>
-                <a:schemeClr val="dk1"/>
-              </a:buClr>
-              <a:buSzPts val="1400"/>
-              <a:buFont typeface="Plus Jakarta Sans"/>
-              <a:buChar char="●"/>
-            </a:pPr>
-            <a:r>
-              <a:rPr lang="en-GB">
-                <a:solidFill>
-                  <a:schemeClr val="dk1"/>
-                </a:solidFill>
-                <a:latin typeface="Plus Jakarta Sans"/>
-                <a:ea typeface="Plus Jakarta Sans"/>
-                <a:cs typeface="Plus Jakarta Sans"/>
-                <a:sym typeface="Plus Jakarta Sans"/>
-              </a:rPr>
-              <a:t>Create a new todo</a:t>
-            </a:r>
-            <a:endParaRPr>
-              <a:solidFill>
-                <a:schemeClr val="dk1"/>
-              </a:solidFill>
-              <a:latin typeface="Plus Jakarta Sans"/>
-              <a:ea typeface="Plus Jakarta Sans"/>
-              <a:cs typeface="Plus Jakarta Sans"/>
-              <a:sym typeface="Plus Jakarta Sans"/>
-            </a:endParaRPr>
-          </a:p>
-          <a:p>
-            <a:pPr indent="-317500" lvl="0" marL="457200" rtl="0" algn="l">
-              <a:spcBef>
-                <a:spcPts val="0"/>
-              </a:spcBef>
-              <a:spcAft>
-                <a:spcPts val="0"/>
-              </a:spcAft>
-              <a:buClr>
-                <a:schemeClr val="dk1"/>
-              </a:buClr>
-              <a:buSzPts val="1400"/>
-              <a:buFont typeface="Plus Jakarta Sans"/>
-              <a:buChar char="●"/>
-            </a:pPr>
-            <a:r>
-              <a:rPr lang="en-GB">
-                <a:solidFill>
-                  <a:schemeClr val="dk1"/>
-                </a:solidFill>
-                <a:latin typeface="Plus Jakarta Sans"/>
-                <a:ea typeface="Plus Jakarta Sans"/>
-                <a:cs typeface="Plus Jakarta Sans"/>
-                <a:sym typeface="Plus Jakarta Sans"/>
-              </a:rPr>
-              <a:t>Update an existing todo</a:t>
-            </a:r>
-            <a:endParaRPr>
-              <a:solidFill>
-                <a:schemeClr val="dk1"/>
-              </a:solidFill>
-              <a:latin typeface="Plus Jakarta Sans"/>
-              <a:ea typeface="Plus Jakarta Sans"/>
-              <a:cs typeface="Plus Jakarta Sans"/>
-              <a:sym typeface="Plus Jakarta Sans"/>
-            </a:endParaRPr>
-          </a:p>
-          <a:p>
-            <a:pPr indent="-317500" lvl="0" marL="457200" rtl="0" algn="l">
-              <a:spcBef>
-                <a:spcPts val="0"/>
-              </a:spcBef>
-              <a:spcAft>
-                <a:spcPts val="0"/>
-              </a:spcAft>
-              <a:buClr>
-                <a:schemeClr val="dk1"/>
-              </a:buClr>
-              <a:buSzPts val="1400"/>
-              <a:buFont typeface="Plus Jakarta Sans"/>
-              <a:buChar char="●"/>
-            </a:pPr>
-            <a:r>
-              <a:rPr lang="en-GB">
-                <a:solidFill>
-                  <a:schemeClr val="dk1"/>
-                </a:solidFill>
-                <a:latin typeface="Plus Jakarta Sans"/>
-                <a:ea typeface="Plus Jakarta Sans"/>
-                <a:cs typeface="Plus Jakarta Sans"/>
-                <a:sym typeface="Plus Jakarta Sans"/>
-              </a:rPr>
-              <a:t>Delete a todo</a:t>
-            </a:r>
-            <a:endParaRPr>
-              <a:solidFill>
-                <a:schemeClr val="dk1"/>
-              </a:solidFill>
-              <a:latin typeface="Plus Jakarta Sans"/>
-              <a:ea typeface="Plus Jakarta Sans"/>
-              <a:cs typeface="Plus Jakarta Sans"/>
-              <a:sym typeface="Plus Jakarta Sans"/>
-            </a:endParaRPr>
-          </a:p>
-          <a:p>
-            <a:pPr indent="0" lvl="0" marL="0" rtl="0" algn="l">
-              <a:spcBef>
-                <a:spcPts val="0"/>
-              </a:spcBef>
-              <a:spcAft>
-                <a:spcPts val="0"/>
-              </a:spcAft>
-              <a:buNone/>
-            </a:pPr>
-            <a:r>
-              <a:t/>
-            </a:r>
-            <a:endParaRPr>
-              <a:latin typeface="Plus Jakarta Sans"/>
-              <a:ea typeface="Plus Jakarta Sans"/>
-              <a:cs typeface="Plus Jakarta Sans"/>
-              <a:sym typeface="Plus Jakarta Sans"/>
-            </a:endParaRPr>
           </a:p>
         </p:txBody>
       </p:sp>
@@ -32857,7 +33010,355 @@
       </p:grpSpPr>
       <p:sp>
         <p:nvSpPr>
-          <p:cNvPr id="443" name="Google Shape;443;p23"/>
+          <p:cNvPr id="443" name="Google Shape;443;p22"/>
+          <p:cNvSpPr txBox="1"/>
+          <p:nvPr>
+            <p:ph type="title"/>
+          </p:nvPr>
+        </p:nvSpPr>
+        <p:spPr>
+          <a:xfrm>
+            <a:off x="708900" y="1448250"/>
+            <a:ext cx="7726200" cy="769500"/>
+          </a:xfrm>
+          <a:prstGeom prst="rect">
+            <a:avLst/>
+          </a:prstGeom>
+          <a:noFill/>
+          <a:ln>
+            <a:noFill/>
+          </a:ln>
+        </p:spPr>
+        <p:txBody>
+          <a:bodyPr anchorCtr="0" anchor="t" bIns="91425" lIns="91425" spcFirstLastPara="1" rIns="91425" wrap="square" tIns="91425">
+            <a:spAutoFit/>
+          </a:bodyPr>
+          <a:lstStyle/>
+          <a:p>
+            <a:pPr indent="0" lvl="0" marL="0" rtl="0" algn="l">
+              <a:lnSpc>
+                <a:spcPct val="100000"/>
+              </a:lnSpc>
+              <a:spcBef>
+                <a:spcPts val="0"/>
+              </a:spcBef>
+              <a:spcAft>
+                <a:spcPts val="0"/>
+              </a:spcAft>
+              <a:buSzPts val="2400"/>
+              <a:buNone/>
+            </a:pPr>
+            <a:r>
+              <a:rPr lang="en-GB"/>
+              <a:t>Task of the day</a:t>
+            </a:r>
+            <a:br>
+              <a:rPr lang="en-GB"/>
+            </a:br>
+            <a:r>
+              <a:rPr b="0" lang="en-GB" sz="1400"/>
+              <a:t>Task of the Day: Build a simple REST API that performs CRUD operations for a todolist</a:t>
+            </a:r>
+            <a:endParaRPr b="0" sz="1400"/>
+          </a:p>
+        </p:txBody>
+      </p:sp>
+      <p:sp>
+        <p:nvSpPr>
+          <p:cNvPr id="444" name="Google Shape;444;p22"/>
+          <p:cNvSpPr txBox="1"/>
+          <p:nvPr/>
+        </p:nvSpPr>
+        <p:spPr>
+          <a:xfrm>
+            <a:off x="758750" y="2217750"/>
+            <a:ext cx="7217400" cy="1908600"/>
+          </a:xfrm>
+          <a:prstGeom prst="rect">
+            <a:avLst/>
+          </a:prstGeom>
+          <a:noFill/>
+          <a:ln>
+            <a:noFill/>
+          </a:ln>
+        </p:spPr>
+        <p:txBody>
+          <a:bodyPr anchorCtr="0" anchor="t" bIns="91425" lIns="91425" spcFirstLastPara="1" rIns="91425" wrap="square" tIns="91425">
+            <a:spAutoFit/>
+          </a:bodyPr>
+          <a:lstStyle/>
+          <a:p>
+            <a:pPr indent="-317500" lvl="0" marL="457200" rtl="0" algn="l">
+              <a:spcBef>
+                <a:spcPts val="0"/>
+              </a:spcBef>
+              <a:spcAft>
+                <a:spcPts val="0"/>
+              </a:spcAft>
+              <a:buClr>
+                <a:schemeClr val="dk1"/>
+              </a:buClr>
+              <a:buSzPts val="1400"/>
+              <a:buFont typeface="Plus Jakarta Sans"/>
+              <a:buChar char="●"/>
+            </a:pPr>
+            <a:r>
+              <a:rPr lang="en-GB">
+                <a:solidFill>
+                  <a:schemeClr val="dk1"/>
+                </a:solidFill>
+                <a:latin typeface="Plus Jakarta Sans"/>
+                <a:ea typeface="Plus Jakarta Sans"/>
+                <a:cs typeface="Plus Jakarta Sans"/>
+                <a:sym typeface="Plus Jakarta Sans"/>
+              </a:rPr>
+              <a:t>Retrieve a list of all todos (GET /todos)</a:t>
+            </a:r>
+            <a:endParaRPr>
+              <a:solidFill>
+                <a:schemeClr val="dk1"/>
+              </a:solidFill>
+              <a:latin typeface="Plus Jakarta Sans"/>
+              <a:ea typeface="Plus Jakarta Sans"/>
+              <a:cs typeface="Plus Jakarta Sans"/>
+              <a:sym typeface="Plus Jakarta Sans"/>
+            </a:endParaRPr>
+          </a:p>
+          <a:p>
+            <a:pPr indent="-317500" lvl="0" marL="457200" rtl="0" algn="l">
+              <a:spcBef>
+                <a:spcPts val="0"/>
+              </a:spcBef>
+              <a:spcAft>
+                <a:spcPts val="0"/>
+              </a:spcAft>
+              <a:buClr>
+                <a:schemeClr val="dk1"/>
+              </a:buClr>
+              <a:buSzPts val="1400"/>
+              <a:buFont typeface="Plus Jakarta Sans"/>
+              <a:buChar char="●"/>
+            </a:pPr>
+            <a:r>
+              <a:rPr lang="en-GB">
+                <a:solidFill>
+                  <a:schemeClr val="dk1"/>
+                </a:solidFill>
+                <a:latin typeface="Plus Jakarta Sans"/>
+                <a:ea typeface="Plus Jakarta Sans"/>
+                <a:cs typeface="Plus Jakarta Sans"/>
+                <a:sym typeface="Plus Jakarta Sans"/>
+              </a:rPr>
+              <a:t>Retrieve a single todo (GET /todos/:id)</a:t>
+            </a:r>
+            <a:endParaRPr>
+              <a:solidFill>
+                <a:schemeClr val="dk1"/>
+              </a:solidFill>
+              <a:latin typeface="Plus Jakarta Sans"/>
+              <a:ea typeface="Plus Jakarta Sans"/>
+              <a:cs typeface="Plus Jakarta Sans"/>
+              <a:sym typeface="Plus Jakarta Sans"/>
+            </a:endParaRPr>
+          </a:p>
+          <a:p>
+            <a:pPr indent="-317500" lvl="0" marL="457200" rtl="0" algn="l">
+              <a:spcBef>
+                <a:spcPts val="0"/>
+              </a:spcBef>
+              <a:spcAft>
+                <a:spcPts val="0"/>
+              </a:spcAft>
+              <a:buClr>
+                <a:schemeClr val="dk1"/>
+              </a:buClr>
+              <a:buSzPts val="1400"/>
+              <a:buFont typeface="Plus Jakarta Sans"/>
+              <a:buChar char="●"/>
+            </a:pPr>
+            <a:r>
+              <a:rPr lang="en-GB">
+                <a:solidFill>
+                  <a:schemeClr val="dk1"/>
+                </a:solidFill>
+                <a:latin typeface="Plus Jakarta Sans"/>
+                <a:ea typeface="Plus Jakarta Sans"/>
+                <a:cs typeface="Plus Jakarta Sans"/>
+                <a:sym typeface="Plus Jakarta Sans"/>
+              </a:rPr>
+              <a:t>Create a new todo (POST /todos)</a:t>
+            </a:r>
+            <a:endParaRPr>
+              <a:solidFill>
+                <a:schemeClr val="dk1"/>
+              </a:solidFill>
+              <a:latin typeface="Plus Jakarta Sans"/>
+              <a:ea typeface="Plus Jakarta Sans"/>
+              <a:cs typeface="Plus Jakarta Sans"/>
+              <a:sym typeface="Plus Jakarta Sans"/>
+            </a:endParaRPr>
+          </a:p>
+          <a:p>
+            <a:pPr indent="-317500" lvl="0" marL="457200" rtl="0" algn="l">
+              <a:spcBef>
+                <a:spcPts val="0"/>
+              </a:spcBef>
+              <a:spcAft>
+                <a:spcPts val="0"/>
+              </a:spcAft>
+              <a:buClr>
+                <a:schemeClr val="dk1"/>
+              </a:buClr>
+              <a:buSzPts val="1400"/>
+              <a:buFont typeface="Plus Jakarta Sans"/>
+              <a:buChar char="●"/>
+            </a:pPr>
+            <a:r>
+              <a:rPr lang="en-GB">
+                <a:solidFill>
+                  <a:schemeClr val="dk1"/>
+                </a:solidFill>
+                <a:latin typeface="Plus Jakarta Sans"/>
+                <a:ea typeface="Plus Jakarta Sans"/>
+                <a:cs typeface="Plus Jakarta Sans"/>
+                <a:sym typeface="Plus Jakarta Sans"/>
+              </a:rPr>
+              <a:t>Update an existing todo (PUT /todos/:id)</a:t>
+            </a:r>
+            <a:endParaRPr>
+              <a:solidFill>
+                <a:schemeClr val="dk1"/>
+              </a:solidFill>
+              <a:latin typeface="Plus Jakarta Sans"/>
+              <a:ea typeface="Plus Jakarta Sans"/>
+              <a:cs typeface="Plus Jakarta Sans"/>
+              <a:sym typeface="Plus Jakarta Sans"/>
+            </a:endParaRPr>
+          </a:p>
+          <a:p>
+            <a:pPr indent="-317500" lvl="0" marL="457200" rtl="0" algn="l">
+              <a:spcBef>
+                <a:spcPts val="0"/>
+              </a:spcBef>
+              <a:spcAft>
+                <a:spcPts val="0"/>
+              </a:spcAft>
+              <a:buClr>
+                <a:schemeClr val="dk1"/>
+              </a:buClr>
+              <a:buSzPts val="1400"/>
+              <a:buFont typeface="Plus Jakarta Sans"/>
+              <a:buChar char="●"/>
+            </a:pPr>
+            <a:r>
+              <a:rPr lang="en-GB">
+                <a:solidFill>
+                  <a:schemeClr val="dk1"/>
+                </a:solidFill>
+                <a:latin typeface="Plus Jakarta Sans"/>
+                <a:ea typeface="Plus Jakarta Sans"/>
+                <a:cs typeface="Plus Jakarta Sans"/>
+                <a:sym typeface="Plus Jakarta Sans"/>
+              </a:rPr>
+              <a:t>Delete a todo (DELETE /todos/:id)</a:t>
+            </a:r>
+            <a:endParaRPr>
+              <a:solidFill>
+                <a:schemeClr val="dk1"/>
+              </a:solidFill>
+              <a:latin typeface="Plus Jakarta Sans"/>
+              <a:ea typeface="Plus Jakarta Sans"/>
+              <a:cs typeface="Plus Jakarta Sans"/>
+              <a:sym typeface="Plus Jakarta Sans"/>
+            </a:endParaRPr>
+          </a:p>
+          <a:p>
+            <a:pPr indent="-317500" lvl="0" marL="457200" rtl="0" algn="l">
+              <a:spcBef>
+                <a:spcPts val="0"/>
+              </a:spcBef>
+              <a:spcAft>
+                <a:spcPts val="0"/>
+              </a:spcAft>
+              <a:buClr>
+                <a:schemeClr val="dk1"/>
+              </a:buClr>
+              <a:buSzPts val="1400"/>
+              <a:buFont typeface="Plus Jakarta Sans"/>
+              <a:buChar char="●"/>
+            </a:pPr>
+            <a:r>
+              <a:rPr lang="en-GB">
+                <a:solidFill>
+                  <a:schemeClr val="dk1"/>
+                </a:solidFill>
+                <a:latin typeface="Plus Jakarta Sans"/>
+                <a:ea typeface="Plus Jakarta Sans"/>
+                <a:cs typeface="Plus Jakarta Sans"/>
+                <a:sym typeface="Plus Jakarta Sans"/>
+              </a:rPr>
+              <a:t>Have at least 30 todos and implement pagination + sorting feature to GET /todos route</a:t>
+            </a:r>
+            <a:endParaRPr>
+              <a:solidFill>
+                <a:schemeClr val="dk1"/>
+              </a:solidFill>
+              <a:latin typeface="Plus Jakarta Sans"/>
+              <a:ea typeface="Plus Jakarta Sans"/>
+              <a:cs typeface="Plus Jakarta Sans"/>
+              <a:sym typeface="Plus Jakarta Sans"/>
+            </a:endParaRPr>
+          </a:p>
+          <a:p>
+            <a:pPr indent="0" lvl="0" marL="0" rtl="0" algn="l">
+              <a:spcBef>
+                <a:spcPts val="0"/>
+              </a:spcBef>
+              <a:spcAft>
+                <a:spcPts val="0"/>
+              </a:spcAft>
+              <a:buNone/>
+            </a:pPr>
+            <a:r>
+              <a:t/>
+            </a:r>
+            <a:endParaRPr>
+              <a:latin typeface="Plus Jakarta Sans"/>
+              <a:ea typeface="Plus Jakarta Sans"/>
+              <a:cs typeface="Plus Jakarta Sans"/>
+              <a:sym typeface="Plus Jakarta Sans"/>
+            </a:endParaRPr>
+          </a:p>
+        </p:txBody>
+      </p:sp>
+    </p:spTree>
+  </p:cSld>
+  <p:clrMapOvr>
+    <a:masterClrMapping/>
+  </p:clrMapOvr>
+</p:sld>
+</file>
+
+<file path=ppt/slides/slide71.xml><?xml version="1.0" encoding="utf-8"?>
+<p:sld xmlns:a="http://schemas.openxmlformats.org/drawingml/2006/main" xmlns:r="http://schemas.openxmlformats.org/officeDocument/2006/relationships" xmlns:mc="http://schemas.openxmlformats.org/markup-compatibility/2006" xmlns:mv="urn:schemas-microsoft-com:mac:vml" xmlns:p="http://schemas.openxmlformats.org/presentationml/2006/main" xmlns:c="http://schemas.openxmlformats.org/drawingml/2006/chart" xmlns:dgm="http://schemas.openxmlformats.org/drawingml/2006/diagram" xmlns:o="urn:schemas-microsoft-com:office:office" xmlns:v="urn:schemas-microsoft-com:vml" xmlns:pvml="urn:schemas-microsoft-com:office:powerpoint" xmlns:com="http://schemas.openxmlformats.org/drawingml/2006/compatibility" xmlns:p14="http://schemas.microsoft.com/office/powerpoint/2010/main" xmlns:p15="http://schemas.microsoft.com/office/powerpoint/2012/main" xmlns:ahyp="http://schemas.microsoft.com/office/drawing/2018/hyperlinkcolor">
+  <p:cSld>
+    <p:spTree>
+      <p:nvGrpSpPr>
+        <p:cNvPr id="448" name="Shape 448"/>
+        <p:cNvGrpSpPr/>
+        <p:nvPr/>
+      </p:nvGrpSpPr>
+      <p:grpSpPr>
+        <a:xfrm>
+          <a:off x="0" y="0"/>
+          <a:ext cx="0" cy="0"/>
+          <a:chOff x="0" y="0"/>
+          <a:chExt cx="0" cy="0"/>
+        </a:xfrm>
+      </p:grpSpPr>
+      <p:sp>
+        <p:nvSpPr>
+          <p:cNvPr id="449" name="Google Shape;449;p23"/>
           <p:cNvSpPr txBox="1"/>
           <p:nvPr>
             <p:ph type="title"/>
@@ -32900,156 +33401,6 @@
               <a:t>Take home tasks</a:t>
             </a:r>
             <a:endParaRPr b="0" sz="1400"/>
-          </a:p>
-        </p:txBody>
-      </p:sp>
-    </p:spTree>
-  </p:cSld>
-  <p:clrMapOvr>
-    <a:masterClrMapping/>
-  </p:clrMapOvr>
-</p:sld>
-</file>
-
-<file path=ppt/slides/slide71.xml><?xml version="1.0" encoding="utf-8"?>
-<p:sld xmlns:a="http://schemas.openxmlformats.org/drawingml/2006/main" xmlns:r="http://schemas.openxmlformats.org/officeDocument/2006/relationships" xmlns:mc="http://schemas.openxmlformats.org/markup-compatibility/2006" xmlns:mv="urn:schemas-microsoft-com:mac:vml" xmlns:p="http://schemas.openxmlformats.org/presentationml/2006/main" xmlns:c="http://schemas.openxmlformats.org/drawingml/2006/chart" xmlns:dgm="http://schemas.openxmlformats.org/drawingml/2006/diagram" xmlns:o="urn:schemas-microsoft-com:office:office" xmlns:v="urn:schemas-microsoft-com:vml" xmlns:pvml="urn:schemas-microsoft-com:office:powerpoint" xmlns:com="http://schemas.openxmlformats.org/drawingml/2006/compatibility" xmlns:p14="http://schemas.microsoft.com/office/powerpoint/2010/main" xmlns:p15="http://schemas.microsoft.com/office/powerpoint/2012/main" xmlns:ahyp="http://schemas.microsoft.com/office/drawing/2018/hyperlinkcolor">
-  <p:cSld>
-    <p:spTree>
-      <p:nvGrpSpPr>
-        <p:cNvPr id="447" name="Shape 447"/>
-        <p:cNvGrpSpPr/>
-        <p:nvPr/>
-      </p:nvGrpSpPr>
-      <p:grpSpPr>
-        <a:xfrm>
-          <a:off x="0" y="0"/>
-          <a:ext cx="0" cy="0"/>
-          <a:chOff x="0" y="0"/>
-          <a:chExt cx="0" cy="0"/>
-        </a:xfrm>
-      </p:grpSpPr>
-      <p:sp>
-        <p:nvSpPr>
-          <p:cNvPr id="448" name="Google Shape;448;p24"/>
-          <p:cNvSpPr txBox="1"/>
-          <p:nvPr>
-            <p:ph type="title"/>
-          </p:nvPr>
-        </p:nvSpPr>
-        <p:spPr>
-          <a:xfrm>
-            <a:off x="793325" y="551900"/>
-            <a:ext cx="7726200" cy="554100"/>
-          </a:xfrm>
-          <a:prstGeom prst="rect">
-            <a:avLst/>
-          </a:prstGeom>
-          <a:noFill/>
-          <a:ln>
-            <a:noFill/>
-          </a:ln>
-        </p:spPr>
-        <p:txBody>
-          <a:bodyPr anchorCtr="0" anchor="t" bIns="91425" lIns="91425" spcFirstLastPara="1" rIns="91425" wrap="square" tIns="91425">
-            <a:spAutoFit/>
-          </a:bodyPr>
-          <a:lstStyle/>
-          <a:p>
-            <a:pPr indent="0" lvl="0" marL="0" rtl="0" algn="l">
-              <a:lnSpc>
-                <a:spcPct val="100000"/>
-              </a:lnSpc>
-              <a:spcBef>
-                <a:spcPts val="0"/>
-              </a:spcBef>
-              <a:spcAft>
-                <a:spcPts val="0"/>
-              </a:spcAft>
-              <a:buSzPts val="2400"/>
-              <a:buNone/>
-            </a:pPr>
-            <a:r>
-              <a:rPr lang="en-GB"/>
-              <a:t>Some homework </a:t>
-            </a:r>
-            <a:r>
-              <a:rPr lang="en-GB" sz="1800">
-                <a:latin typeface="Montserrat"/>
-                <a:ea typeface="Montserrat"/>
-                <a:cs typeface="Montserrat"/>
-                <a:sym typeface="Montserrat"/>
-              </a:rPr>
-              <a:t>📚</a:t>
-            </a:r>
-            <a:endParaRPr b="0" sz="1400"/>
-          </a:p>
-        </p:txBody>
-      </p:sp>
-      <p:sp>
-        <p:nvSpPr>
-          <p:cNvPr id="449" name="Google Shape;449;p24"/>
-          <p:cNvSpPr txBox="1"/>
-          <p:nvPr>
-            <p:ph idx="2" type="title"/>
-          </p:nvPr>
-        </p:nvSpPr>
-        <p:spPr>
-          <a:xfrm>
-            <a:off x="565800" y="2114250"/>
-            <a:ext cx="8012400" cy="915000"/>
-          </a:xfrm>
-          <a:prstGeom prst="rect">
-            <a:avLst/>
-          </a:prstGeom>
-          <a:noFill/>
-          <a:ln>
-            <a:noFill/>
-          </a:ln>
-        </p:spPr>
-        <p:txBody>
-          <a:bodyPr anchorCtr="0" anchor="t" bIns="91425" lIns="91425" spcFirstLastPara="1" rIns="91425" wrap="square" tIns="91425">
-            <a:noAutofit/>
-          </a:bodyPr>
-          <a:lstStyle/>
-          <a:p>
-            <a:pPr indent="-317500" lvl="0" marL="457200" rtl="0" algn="l">
-              <a:lnSpc>
-                <a:spcPct val="100000"/>
-              </a:lnSpc>
-              <a:spcBef>
-                <a:spcPts val="0"/>
-              </a:spcBef>
-              <a:spcAft>
-                <a:spcPts val="0"/>
-              </a:spcAft>
-              <a:buSzPts val="1400"/>
-              <a:buChar char="●"/>
-            </a:pPr>
-            <a:r>
-              <a:rPr lang="en-GB"/>
-              <a:t>Create a new route that retrieves the total count of todos and sends it as a response.</a:t>
-            </a:r>
-            <a:endParaRPr/>
-          </a:p>
-          <a:p>
-            <a:pPr indent="-317500" lvl="0" marL="457200" rtl="0" algn="l">
-              <a:lnSpc>
-                <a:spcPct val="100000"/>
-              </a:lnSpc>
-              <a:spcBef>
-                <a:spcPts val="0"/>
-              </a:spcBef>
-              <a:spcAft>
-                <a:spcPts val="0"/>
-              </a:spcAft>
-              <a:buSzPts val="1400"/>
-              <a:buChar char="●"/>
-            </a:pPr>
-            <a:r>
-              <a:rPr lang="en-GB"/>
-              <a:t>Create a route that filters the todos based on their status (e.g., pending) and returns the filtered list.</a:t>
-            </a:r>
-            <a:endParaRPr/>
           </a:p>
         </p:txBody>
       </p:sp>
@@ -33080,7 +33431,7 @@
       </p:grpSpPr>
       <p:sp>
         <p:nvSpPr>
-          <p:cNvPr id="454" name="Google Shape;454;p25"/>
+          <p:cNvPr id="454" name="Google Shape;454;p24"/>
           <p:cNvSpPr txBox="1"/>
           <p:nvPr>
             <p:ph type="title"/>
@@ -33120,7 +33471,16 @@
             </a:pPr>
             <a:r>
               <a:rPr lang="en-GB"/>
-              <a:t>References</a:t>
+              <a:t>Some homework </a:t>
+            </a:r>
+            <a:r>
+              <a:rPr lang="en-GB" sz="1800">
+                <a:latin typeface="Montserrat"/>
+                <a:ea typeface="Montserrat"/>
+                <a:cs typeface="Montserrat"/>
+                <a:sym typeface="Montserrat"/>
+              </a:rPr>
+              <a:t>📚</a:t>
             </a:r>
             <a:endParaRPr b="0" sz="1400"/>
           </a:p>
@@ -33128,7 +33488,316 @@
       </p:sp>
       <p:sp>
         <p:nvSpPr>
-          <p:cNvPr id="455" name="Google Shape;455;p25"/>
+          <p:cNvPr id="455" name="Google Shape;455;p24"/>
+          <p:cNvSpPr txBox="1"/>
+          <p:nvPr>
+            <p:ph idx="2" type="title"/>
+          </p:nvPr>
+        </p:nvSpPr>
+        <p:spPr>
+          <a:xfrm>
+            <a:off x="565800" y="1580850"/>
+            <a:ext cx="8012400" cy="3389100"/>
+          </a:xfrm>
+          <a:prstGeom prst="rect">
+            <a:avLst/>
+          </a:prstGeom>
+          <a:noFill/>
+          <a:ln>
+            <a:noFill/>
+          </a:ln>
+        </p:spPr>
+        <p:txBody>
+          <a:bodyPr anchorCtr="0" anchor="t" bIns="91425" lIns="91425" spcFirstLastPara="1" rIns="91425" wrap="square" tIns="91425">
+            <a:noAutofit/>
+          </a:bodyPr>
+          <a:lstStyle/>
+          <a:p>
+            <a:pPr indent="-317500" lvl="0" marL="457200" rtl="0" algn="l">
+              <a:lnSpc>
+                <a:spcPct val="100000"/>
+              </a:lnSpc>
+              <a:spcBef>
+                <a:spcPts val="0"/>
+              </a:spcBef>
+              <a:spcAft>
+                <a:spcPts val="0"/>
+              </a:spcAft>
+              <a:buSzPts val="1400"/>
+              <a:buChar char="●"/>
+            </a:pPr>
+            <a:r>
+              <a:rPr lang="en-GB"/>
+              <a:t>Create a new route that retrieves the total count of todos and sends it as a response.</a:t>
+            </a:r>
+            <a:endParaRPr/>
+          </a:p>
+          <a:p>
+            <a:pPr indent="0" lvl="0" marL="0" rtl="0" algn="l">
+              <a:lnSpc>
+                <a:spcPct val="100000"/>
+              </a:lnSpc>
+              <a:spcBef>
+                <a:spcPts val="0"/>
+              </a:spcBef>
+              <a:spcAft>
+                <a:spcPts val="0"/>
+              </a:spcAft>
+              <a:buNone/>
+            </a:pPr>
+            <a:r>
+              <a:t/>
+            </a:r>
+            <a:endParaRPr/>
+          </a:p>
+          <a:p>
+            <a:pPr indent="-317500" lvl="0" marL="457200" rtl="0" algn="l">
+              <a:lnSpc>
+                <a:spcPct val="100000"/>
+              </a:lnSpc>
+              <a:spcBef>
+                <a:spcPts val="0"/>
+              </a:spcBef>
+              <a:spcAft>
+                <a:spcPts val="0"/>
+              </a:spcAft>
+              <a:buSzPts val="1400"/>
+              <a:buChar char="●"/>
+            </a:pPr>
+            <a:r>
+              <a:rPr lang="en-GB"/>
+              <a:t>Create a route that filters the todos based on their status (e.g., pending) and returns the filtered list.</a:t>
+            </a:r>
+            <a:endParaRPr/>
+          </a:p>
+          <a:p>
+            <a:pPr indent="0" lvl="0" marL="0" rtl="0" algn="l">
+              <a:lnSpc>
+                <a:spcPct val="100000"/>
+              </a:lnSpc>
+              <a:spcBef>
+                <a:spcPts val="0"/>
+              </a:spcBef>
+              <a:spcAft>
+                <a:spcPts val="0"/>
+              </a:spcAft>
+              <a:buNone/>
+            </a:pPr>
+            <a:r>
+              <a:t/>
+            </a:r>
+            <a:endParaRPr/>
+          </a:p>
+          <a:p>
+            <a:pPr indent="-317500" lvl="0" marL="457200" rtl="0" algn="l">
+              <a:lnSpc>
+                <a:spcPct val="100000"/>
+              </a:lnSpc>
+              <a:spcBef>
+                <a:spcPts val="0"/>
+              </a:spcBef>
+              <a:spcAft>
+                <a:spcPts val="0"/>
+              </a:spcAft>
+              <a:buSzPts val="1400"/>
+              <a:buChar char="●"/>
+            </a:pPr>
+            <a:r>
+              <a:rPr lang="en-GB"/>
+              <a:t>Add validation to the POST /todos and PUT /todos/:id routes </a:t>
+            </a:r>
+            <a:r>
+              <a:rPr lang="en-GB"/>
+              <a:t>using middleware</a:t>
+            </a:r>
+            <a:r>
+              <a:rPr lang="en-GB"/>
+              <a:t>. You can use third party middleware or create from scratch.</a:t>
+            </a:r>
+            <a:endParaRPr/>
+          </a:p>
+          <a:p>
+            <a:pPr indent="0" lvl="0" marL="0" rtl="0" algn="l">
+              <a:lnSpc>
+                <a:spcPct val="100000"/>
+              </a:lnSpc>
+              <a:spcBef>
+                <a:spcPts val="0"/>
+              </a:spcBef>
+              <a:spcAft>
+                <a:spcPts val="0"/>
+              </a:spcAft>
+              <a:buNone/>
+            </a:pPr>
+            <a:r>
+              <a:t/>
+            </a:r>
+            <a:endParaRPr/>
+          </a:p>
+          <a:p>
+            <a:pPr indent="-317500" lvl="0" marL="457200" rtl="0" algn="l">
+              <a:lnSpc>
+                <a:spcPct val="100000"/>
+              </a:lnSpc>
+              <a:spcBef>
+                <a:spcPts val="0"/>
+              </a:spcBef>
+              <a:spcAft>
+                <a:spcPts val="0"/>
+              </a:spcAft>
+              <a:buSzPts val="1400"/>
+              <a:buChar char="●"/>
+            </a:pPr>
+            <a:r>
+              <a:rPr lang="en-GB"/>
+              <a:t>Add logging to all routes so that you can see the request body, path params, query params, time of the request and user-agent string (browser’s information).</a:t>
+            </a:r>
+            <a:endParaRPr/>
+          </a:p>
+          <a:p>
+            <a:pPr indent="0" lvl="0" marL="0" rtl="0" algn="l">
+              <a:lnSpc>
+                <a:spcPct val="100000"/>
+              </a:lnSpc>
+              <a:spcBef>
+                <a:spcPts val="0"/>
+              </a:spcBef>
+              <a:spcAft>
+                <a:spcPts val="0"/>
+              </a:spcAft>
+              <a:buNone/>
+            </a:pPr>
+            <a:r>
+              <a:t/>
+            </a:r>
+            <a:endParaRPr/>
+          </a:p>
+          <a:p>
+            <a:pPr indent="-317500" lvl="0" marL="457200" rtl="0" algn="l">
+              <a:lnSpc>
+                <a:spcPct val="100000"/>
+              </a:lnSpc>
+              <a:spcBef>
+                <a:spcPts val="0"/>
+              </a:spcBef>
+              <a:spcAft>
+                <a:spcPts val="0"/>
+              </a:spcAft>
+              <a:buSzPts val="1400"/>
+              <a:buChar char="●"/>
+            </a:pPr>
+            <a:r>
+              <a:rPr lang="en-GB"/>
+              <a:t>Self cover: </a:t>
+            </a:r>
+            <a:r>
+              <a:rPr lang="en-GB" u="sng">
+                <a:solidFill>
+                  <a:schemeClr val="hlink"/>
+                </a:solidFill>
+                <a:hlinkClick r:id="rId3"/>
+              </a:rPr>
+              <a:t>Debugging App with VS Code</a:t>
+            </a:r>
+            <a:endParaRPr/>
+          </a:p>
+          <a:p>
+            <a:pPr indent="0" lvl="0" marL="0" rtl="0" algn="l">
+              <a:lnSpc>
+                <a:spcPct val="100000"/>
+              </a:lnSpc>
+              <a:spcBef>
+                <a:spcPts val="0"/>
+              </a:spcBef>
+              <a:spcAft>
+                <a:spcPts val="0"/>
+              </a:spcAft>
+              <a:buNone/>
+            </a:pPr>
+            <a:r>
+              <a:rPr lang="en-GB"/>
+              <a:t>	Up until What is an ORM?</a:t>
+            </a:r>
+            <a:endParaRPr/>
+          </a:p>
+        </p:txBody>
+      </p:sp>
+    </p:spTree>
+  </p:cSld>
+  <p:clrMapOvr>
+    <a:masterClrMapping/>
+  </p:clrMapOvr>
+</p:sld>
+</file>
+
+<file path=ppt/slides/slide73.xml><?xml version="1.0" encoding="utf-8"?>
+<p:sld xmlns:a="http://schemas.openxmlformats.org/drawingml/2006/main" xmlns:r="http://schemas.openxmlformats.org/officeDocument/2006/relationships" xmlns:mc="http://schemas.openxmlformats.org/markup-compatibility/2006" xmlns:mv="urn:schemas-microsoft-com:mac:vml" xmlns:p="http://schemas.openxmlformats.org/presentationml/2006/main" xmlns:c="http://schemas.openxmlformats.org/drawingml/2006/chart" xmlns:dgm="http://schemas.openxmlformats.org/drawingml/2006/diagram" xmlns:o="urn:schemas-microsoft-com:office:office" xmlns:v="urn:schemas-microsoft-com:vml" xmlns:pvml="urn:schemas-microsoft-com:office:powerpoint" xmlns:com="http://schemas.openxmlformats.org/drawingml/2006/compatibility" xmlns:p14="http://schemas.microsoft.com/office/powerpoint/2010/main" xmlns:p15="http://schemas.microsoft.com/office/powerpoint/2012/main" xmlns:ahyp="http://schemas.microsoft.com/office/drawing/2018/hyperlinkcolor">
+  <p:cSld>
+    <p:spTree>
+      <p:nvGrpSpPr>
+        <p:cNvPr id="459" name="Shape 459"/>
+        <p:cNvGrpSpPr/>
+        <p:nvPr/>
+      </p:nvGrpSpPr>
+      <p:grpSpPr>
+        <a:xfrm>
+          <a:off x="0" y="0"/>
+          <a:ext cx="0" cy="0"/>
+          <a:chOff x="0" y="0"/>
+          <a:chExt cx="0" cy="0"/>
+        </a:xfrm>
+      </p:grpSpPr>
+      <p:sp>
+        <p:nvSpPr>
+          <p:cNvPr id="460" name="Google Shape;460;p25"/>
+          <p:cNvSpPr txBox="1"/>
+          <p:nvPr>
+            <p:ph type="title"/>
+          </p:nvPr>
+        </p:nvSpPr>
+        <p:spPr>
+          <a:xfrm>
+            <a:off x="793325" y="551900"/>
+            <a:ext cx="7726200" cy="554100"/>
+          </a:xfrm>
+          <a:prstGeom prst="rect">
+            <a:avLst/>
+          </a:prstGeom>
+          <a:noFill/>
+          <a:ln>
+            <a:noFill/>
+          </a:ln>
+        </p:spPr>
+        <p:txBody>
+          <a:bodyPr anchorCtr="0" anchor="t" bIns="91425" lIns="91425" spcFirstLastPara="1" rIns="91425" wrap="square" tIns="91425">
+            <a:spAutoFit/>
+          </a:bodyPr>
+          <a:lstStyle/>
+          <a:p>
+            <a:pPr indent="0" lvl="0" marL="0" rtl="0" algn="l">
+              <a:lnSpc>
+                <a:spcPct val="100000"/>
+              </a:lnSpc>
+              <a:spcBef>
+                <a:spcPts val="0"/>
+              </a:spcBef>
+              <a:spcAft>
+                <a:spcPts val="0"/>
+              </a:spcAft>
+              <a:buSzPts val="2400"/>
+              <a:buNone/>
+            </a:pPr>
+            <a:r>
+              <a:rPr lang="en-GB"/>
+              <a:t>References</a:t>
+            </a:r>
+            <a:endParaRPr b="0" sz="1400"/>
+          </a:p>
+        </p:txBody>
+      </p:sp>
+      <p:sp>
+        <p:nvSpPr>
+          <p:cNvPr id="461" name="Google Shape;461;p25"/>
           <p:cNvSpPr txBox="1"/>
           <p:nvPr>
             <p:ph idx="2" type="title"/>
